--- a/Task 4b/CSE707_Task 4b_Group6.pptx
+++ b/Task 4b/CSE707_Task 4b_Group6.pptx
@@ -2,68 +2,71 @@
 <file path=ppt/presentation.xml><?xml version="1.0" encoding="utf-8"?>
 <p:presentation xmlns:a="http://schemas.openxmlformats.org/drawingml/2006/main" xmlns:r="http://schemas.openxmlformats.org/officeDocument/2006/relationships" xmlns:mc="http://schemas.openxmlformats.org/markup-compatibility/2006" xmlns:mv="urn:schemas-microsoft-com:mac:vml" xmlns:p="http://schemas.openxmlformats.org/presentationml/2006/main" xmlns:c="http://schemas.openxmlformats.org/drawingml/2006/chart" xmlns:dgm="http://schemas.openxmlformats.org/drawingml/2006/diagram" xmlns:o="urn:schemas-microsoft-com:office:office" xmlns:v="urn:schemas-microsoft-com:vml" xmlns:pvml="urn:schemas-microsoft-com:office:powerpoint" xmlns:com="http://schemas.openxmlformats.org/drawingml/2006/compatibility" xmlns:p14="http://schemas.microsoft.com/office/powerpoint/2010/main" xmlns:p15="http://schemas.microsoft.com/office/powerpoint/2012/main" xmlns:ahyp="http://schemas.microsoft.com/office/drawing/2018/hyperlinkcolor" autoCompressPictures="0" embedTrueTypeFonts="1" strictFirstAndLastChars="0" saveSubsetFonts="1">
   <p:sldMasterIdLst>
-    <p:sldMasterId id="2147483660" r:id="rId4"/>
+    <p:sldMasterId id="2147483660" r:id="rId5"/>
   </p:sldMasterIdLst>
   <p:notesMasterIdLst>
-    <p:notesMasterId r:id="rId5"/>
+    <p:notesMasterId r:id="rId6"/>
   </p:notesMasterIdLst>
   <p:sldIdLst>
-    <p:sldId id="256" r:id="rId6"/>
-    <p:sldId id="257" r:id="rId7"/>
-    <p:sldId id="258" r:id="rId8"/>
-    <p:sldId id="259" r:id="rId9"/>
-    <p:sldId id="260" r:id="rId10"/>
-    <p:sldId id="261" r:id="rId11"/>
-    <p:sldId id="262" r:id="rId12"/>
-    <p:sldId id="263" r:id="rId13"/>
-    <p:sldId id="264" r:id="rId14"/>
-    <p:sldId id="265" r:id="rId15"/>
-    <p:sldId id="266" r:id="rId16"/>
-    <p:sldId id="267" r:id="rId17"/>
-    <p:sldId id="268" r:id="rId18"/>
-    <p:sldId id="269" r:id="rId19"/>
-    <p:sldId id="270" r:id="rId20"/>
-    <p:sldId id="271" r:id="rId21"/>
-    <p:sldId id="272" r:id="rId22"/>
-    <p:sldId id="273" r:id="rId23"/>
-    <p:sldId id="274" r:id="rId24"/>
-    <p:sldId id="275" r:id="rId25"/>
+    <p:sldId id="256" r:id="rId7"/>
+    <p:sldId id="257" r:id="rId8"/>
+    <p:sldId id="258" r:id="rId9"/>
+    <p:sldId id="259" r:id="rId10"/>
+    <p:sldId id="260" r:id="rId11"/>
+    <p:sldId id="261" r:id="rId12"/>
+    <p:sldId id="262" r:id="rId13"/>
+    <p:sldId id="263" r:id="rId14"/>
+    <p:sldId id="264" r:id="rId15"/>
+    <p:sldId id="265" r:id="rId16"/>
+    <p:sldId id="266" r:id="rId17"/>
+    <p:sldId id="267" r:id="rId18"/>
+    <p:sldId id="268" r:id="rId19"/>
+    <p:sldId id="269" r:id="rId20"/>
+    <p:sldId id="270" r:id="rId21"/>
+    <p:sldId id="271" r:id="rId22"/>
+    <p:sldId id="272" r:id="rId23"/>
+    <p:sldId id="273" r:id="rId24"/>
+    <p:sldId id="274" r:id="rId25"/>
+    <p:sldId id="275" r:id="rId26"/>
+    <p:sldId id="276" r:id="rId27"/>
+    <p:sldId id="277" r:id="rId28"/>
+    <p:sldId id="278" r:id="rId29"/>
   </p:sldIdLst>
   <p:sldSz cy="5143500" cx="9144000"/>
   <p:notesSz cx="6858000" cy="9144000"/>
   <p:embeddedFontLst>
     <p:embeddedFont>
       <p:font typeface="Roboto Slab"/>
-      <p:regular r:id="rId26"/>
-      <p:bold r:id="rId27"/>
+      <p:regular r:id="rId30"/>
+      <p:bold r:id="rId31"/>
     </p:embeddedFont>
     <p:embeddedFont>
       <p:font typeface="Roboto"/>
-      <p:regular r:id="rId28"/>
-      <p:bold r:id="rId29"/>
-      <p:italic r:id="rId30"/>
-      <p:boldItalic r:id="rId31"/>
-    </p:embeddedFont>
-    <p:embeddedFont>
-      <p:font typeface="Noto Sans"/>
       <p:regular r:id="rId32"/>
       <p:bold r:id="rId33"/>
       <p:italic r:id="rId34"/>
       <p:boldItalic r:id="rId35"/>
     </p:embeddedFont>
     <p:embeddedFont>
-      <p:font typeface="Corbel"/>
+      <p:font typeface="Noto Sans"/>
       <p:regular r:id="rId36"/>
       <p:bold r:id="rId37"/>
       <p:italic r:id="rId38"/>
       <p:boldItalic r:id="rId39"/>
     </p:embeddedFont>
     <p:embeddedFont>
-      <p:font typeface="Open Sans"/>
+      <p:font typeface="Corbel"/>
       <p:regular r:id="rId40"/>
       <p:bold r:id="rId41"/>
       <p:italic r:id="rId42"/>
       <p:boldItalic r:id="rId43"/>
+    </p:embeddedFont>
+    <p:embeddedFont>
+      <p:font typeface="Open Sans"/>
+      <p:regular r:id="rId44"/>
+      <p:bold r:id="rId45"/>
+      <p:italic r:id="rId46"/>
+      <p:boldItalic r:id="rId47"/>
     </p:embeddedFont>
   </p:embeddedFontLst>
   <p:defaultTextStyle>
@@ -844,7 +847,7 @@
   <p:cSld>
     <p:spTree>
       <p:nvGrpSpPr>
-        <p:cNvPr id="135" name="Shape 135"/>
+        <p:cNvPr id="134" name="Shape 134"/>
         <p:cNvGrpSpPr/>
         <p:nvPr/>
       </p:nvGrpSpPr>
@@ -858,7 +861,7 @@
       </p:grpSpPr>
       <p:sp>
         <p:nvSpPr>
-          <p:cNvPr id="136" name="Google Shape;136;g305e143dd9b_0_35:notes"/>
+          <p:cNvPr id="135" name="Google Shape;135;g2f8e9abf645_0_18:notes"/>
           <p:cNvSpPr/>
           <p:nvPr>
             <p:ph idx="2" type="sldImg"/>
@@ -893,7 +896,7 @@
       </p:sp>
       <p:sp>
         <p:nvSpPr>
-          <p:cNvPr id="137" name="Google Shape;137;g305e143dd9b_0_35:notes"/>
+          <p:cNvPr id="136" name="Google Shape;136;g2f8e9abf645_0_18:notes"/>
           <p:cNvSpPr txBox="1"/>
           <p:nvPr>
             <p:ph idx="1" type="body"/>
@@ -943,7 +946,7 @@
   <p:cSld>
     <p:spTree>
       <p:nvGrpSpPr>
-        <p:cNvPr id="143" name="Shape 143"/>
+        <p:cNvPr id="141" name="Shape 141"/>
         <p:cNvGrpSpPr/>
         <p:nvPr/>
       </p:nvGrpSpPr>
@@ -957,7 +960,7 @@
       </p:grpSpPr>
       <p:sp>
         <p:nvSpPr>
-          <p:cNvPr id="144" name="Google Shape;144;g305e143dd9b_0_30:notes"/>
+          <p:cNvPr id="142" name="Google Shape;142;g2f8e9abf645_0_12:notes"/>
           <p:cNvSpPr/>
           <p:nvPr>
             <p:ph idx="2" type="sldImg"/>
@@ -992,7 +995,7 @@
       </p:sp>
       <p:sp>
         <p:nvSpPr>
-          <p:cNvPr id="145" name="Google Shape;145;g305e143dd9b_0_30:notes"/>
+          <p:cNvPr id="143" name="Google Shape;143;g2f8e9abf645_0_12:notes"/>
           <p:cNvSpPr txBox="1"/>
           <p:nvPr>
             <p:ph idx="1" type="body"/>
@@ -1042,7 +1045,7 @@
   <p:cSld>
     <p:spTree>
       <p:nvGrpSpPr>
-        <p:cNvPr id="150" name="Shape 150"/>
+        <p:cNvPr id="148" name="Shape 148"/>
         <p:cNvGrpSpPr/>
         <p:nvPr/>
       </p:nvGrpSpPr>
@@ -1056,7 +1059,7 @@
       </p:grpSpPr>
       <p:sp>
         <p:nvSpPr>
-          <p:cNvPr id="151" name="Google Shape;151;g305e143dd9b_0_65:notes"/>
+          <p:cNvPr id="149" name="Google Shape;149;g2f8e9abf645_0_0:notes"/>
           <p:cNvSpPr/>
           <p:nvPr>
             <p:ph idx="2" type="sldImg"/>
@@ -1091,7 +1094,7 @@
       </p:sp>
       <p:sp>
         <p:nvSpPr>
-          <p:cNvPr id="152" name="Google Shape;152;g305e143dd9b_0_65:notes"/>
+          <p:cNvPr id="150" name="Google Shape;150;g2f8e9abf645_0_0:notes"/>
           <p:cNvSpPr txBox="1"/>
           <p:nvPr>
             <p:ph idx="1" type="body"/>
@@ -1141,7 +1144,7 @@
   <p:cSld>
     <p:spTree>
       <p:nvGrpSpPr>
-        <p:cNvPr id="157" name="Shape 157"/>
+        <p:cNvPr id="155" name="Shape 155"/>
         <p:cNvGrpSpPr/>
         <p:nvPr/>
       </p:nvGrpSpPr>
@@ -1155,7 +1158,7 @@
       </p:grpSpPr>
       <p:sp>
         <p:nvSpPr>
-          <p:cNvPr id="158" name="Google Shape;158;g305e143dd9b_0_110:notes"/>
+          <p:cNvPr id="156" name="Google Shape;156;g305e143dd9b_0_45:notes"/>
           <p:cNvSpPr/>
           <p:nvPr>
             <p:ph idx="2" type="sldImg"/>
@@ -1190,7 +1193,7 @@
       </p:sp>
       <p:sp>
         <p:nvSpPr>
-          <p:cNvPr id="159" name="Google Shape;159;g305e143dd9b_0_110:notes"/>
+          <p:cNvPr id="157" name="Google Shape;157;g305e143dd9b_0_45:notes"/>
           <p:cNvSpPr txBox="1"/>
           <p:nvPr>
             <p:ph idx="1" type="body"/>
@@ -1240,7 +1243,7 @@
   <p:cSld>
     <p:spTree>
       <p:nvGrpSpPr>
-        <p:cNvPr id="164" name="Shape 164"/>
+        <p:cNvPr id="162" name="Shape 162"/>
         <p:cNvGrpSpPr/>
         <p:nvPr/>
       </p:nvGrpSpPr>
@@ -1254,7 +1257,7 @@
       </p:grpSpPr>
       <p:sp>
         <p:nvSpPr>
-          <p:cNvPr id="165" name="Google Shape;165;g305e143dd9b_0_105:notes"/>
+          <p:cNvPr id="163" name="Google Shape;163;g305e143dd9b_0_40:notes"/>
           <p:cNvSpPr/>
           <p:nvPr>
             <p:ph idx="2" type="sldImg"/>
@@ -1289,7 +1292,7 @@
       </p:sp>
       <p:sp>
         <p:nvSpPr>
-          <p:cNvPr id="166" name="Google Shape;166;g305e143dd9b_0_105:notes"/>
+          <p:cNvPr id="164" name="Google Shape;164;g305e143dd9b_0_40:notes"/>
           <p:cNvSpPr txBox="1"/>
           <p:nvPr>
             <p:ph idx="1" type="body"/>
@@ -1339,7 +1342,7 @@
   <p:cSld>
     <p:spTree>
       <p:nvGrpSpPr>
-        <p:cNvPr id="171" name="Shape 171"/>
+        <p:cNvPr id="169" name="Shape 169"/>
         <p:cNvGrpSpPr/>
         <p:nvPr/>
       </p:nvGrpSpPr>
@@ -1353,7 +1356,7 @@
       </p:grpSpPr>
       <p:sp>
         <p:nvSpPr>
-          <p:cNvPr id="172" name="Google Shape;172;g305e143dd9b_0_115:notes"/>
+          <p:cNvPr id="170" name="Google Shape;170;g305e143dd9b_0_35:notes"/>
           <p:cNvSpPr/>
           <p:nvPr>
             <p:ph idx="2" type="sldImg"/>
@@ -1388,7 +1391,7 @@
       </p:sp>
       <p:sp>
         <p:nvSpPr>
-          <p:cNvPr id="173" name="Google Shape;173;g305e143dd9b_0_115:notes"/>
+          <p:cNvPr id="171" name="Google Shape;171;g305e143dd9b_0_35:notes"/>
           <p:cNvSpPr txBox="1"/>
           <p:nvPr>
             <p:ph idx="1" type="body"/>
@@ -1438,7 +1441,7 @@
   <p:cSld>
     <p:spTree>
       <p:nvGrpSpPr>
-        <p:cNvPr id="178" name="Shape 178"/>
+        <p:cNvPr id="177" name="Shape 177"/>
         <p:cNvGrpSpPr/>
         <p:nvPr/>
       </p:nvGrpSpPr>
@@ -1452,7 +1455,7 @@
       </p:grpSpPr>
       <p:sp>
         <p:nvSpPr>
-          <p:cNvPr id="179" name="Google Shape;179;g305e143dd9b_0_100:notes"/>
+          <p:cNvPr id="178" name="Google Shape;178;g305e143dd9b_0_30:notes"/>
           <p:cNvSpPr/>
           <p:nvPr>
             <p:ph idx="2" type="sldImg"/>
@@ -1487,7 +1490,7 @@
       </p:sp>
       <p:sp>
         <p:nvSpPr>
-          <p:cNvPr id="180" name="Google Shape;180;g305e143dd9b_0_100:notes"/>
+          <p:cNvPr id="179" name="Google Shape;179;g305e143dd9b_0_30:notes"/>
           <p:cNvSpPr txBox="1"/>
           <p:nvPr>
             <p:ph idx="1" type="body"/>
@@ -1537,7 +1540,7 @@
   <p:cSld>
     <p:spTree>
       <p:nvGrpSpPr>
-        <p:cNvPr id="185" name="Shape 185"/>
+        <p:cNvPr id="184" name="Shape 184"/>
         <p:cNvGrpSpPr/>
         <p:nvPr/>
       </p:nvGrpSpPr>
@@ -1551,7 +1554,7 @@
       </p:grpSpPr>
       <p:sp>
         <p:nvSpPr>
-          <p:cNvPr id="186" name="Google Shape;186;g305e63e74d6_0_16:notes"/>
+          <p:cNvPr id="185" name="Google Shape;185;g305e143dd9b_0_65:notes"/>
           <p:cNvSpPr/>
           <p:nvPr>
             <p:ph idx="2" type="sldImg"/>
@@ -1586,7 +1589,7 @@
       </p:sp>
       <p:sp>
         <p:nvSpPr>
-          <p:cNvPr id="187" name="Google Shape;187;g305e63e74d6_0_16:notes"/>
+          <p:cNvPr id="186" name="Google Shape;186;g305e143dd9b_0_65:notes"/>
           <p:cNvSpPr txBox="1"/>
           <p:nvPr>
             <p:ph idx="1" type="body"/>
@@ -1636,7 +1639,7 @@
   <p:cSld>
     <p:spTree>
       <p:nvGrpSpPr>
-        <p:cNvPr id="193" name="Shape 193"/>
+        <p:cNvPr id="191" name="Shape 191"/>
         <p:cNvGrpSpPr/>
         <p:nvPr/>
       </p:nvGrpSpPr>
@@ -1650,7 +1653,7 @@
       </p:grpSpPr>
       <p:sp>
         <p:nvSpPr>
-          <p:cNvPr id="194" name="Google Shape;194;g305e8a4af63_2_0:notes"/>
+          <p:cNvPr id="192" name="Google Shape;192;g305e143dd9b_0_115:notes"/>
           <p:cNvSpPr/>
           <p:nvPr>
             <p:ph idx="2" type="sldImg"/>
@@ -1685,7 +1688,7 @@
       </p:sp>
       <p:sp>
         <p:nvSpPr>
-          <p:cNvPr id="195" name="Google Shape;195;g305e8a4af63_2_0:notes"/>
+          <p:cNvPr id="193" name="Google Shape;193;g305e143dd9b_0_115:notes"/>
           <p:cNvSpPr txBox="1"/>
           <p:nvPr>
             <p:ph idx="1" type="body"/>
@@ -1735,7 +1738,7 @@
   <p:cSld>
     <p:spTree>
       <p:nvGrpSpPr>
-        <p:cNvPr id="199" name="Shape 199"/>
+        <p:cNvPr id="198" name="Shape 198"/>
         <p:cNvGrpSpPr/>
         <p:nvPr/>
       </p:nvGrpSpPr>
@@ -1749,7 +1752,7 @@
       </p:grpSpPr>
       <p:sp>
         <p:nvSpPr>
-          <p:cNvPr id="200" name="Google Shape;200;g305e8a4af63_2_6:notes"/>
+          <p:cNvPr id="199" name="Google Shape;199;g305e143dd9b_0_100:notes"/>
           <p:cNvSpPr/>
           <p:nvPr>
             <p:ph idx="2" type="sldImg"/>
@@ -1784,7 +1787,7 @@
       </p:sp>
       <p:sp>
         <p:nvSpPr>
-          <p:cNvPr id="201" name="Google Shape;201;g305e8a4af63_2_6:notes"/>
+          <p:cNvPr id="200" name="Google Shape;200;g305e143dd9b_0_100:notes"/>
           <p:cNvSpPr txBox="1"/>
           <p:nvPr>
             <p:ph idx="1" type="body"/>
@@ -1834,7 +1837,7 @@
   <p:cSld>
     <p:spTree>
       <p:nvGrpSpPr>
-        <p:cNvPr id="74" name="Shape 74"/>
+        <p:cNvPr id="75" name="Shape 75"/>
         <p:cNvGrpSpPr/>
         <p:nvPr/>
       </p:nvGrpSpPr>
@@ -1848,7 +1851,7 @@
       </p:grpSpPr>
       <p:sp>
         <p:nvSpPr>
-          <p:cNvPr id="75" name="Google Shape;75;g305e143dd9b_0_11:notes"/>
+          <p:cNvPr id="76" name="Google Shape;76;g305e143dd9b_0_11:notes"/>
           <p:cNvSpPr/>
           <p:nvPr>
             <p:ph idx="2" type="sldImg"/>
@@ -1883,7 +1886,7 @@
       </p:sp>
       <p:sp>
         <p:nvSpPr>
-          <p:cNvPr id="76" name="Google Shape;76;g305e143dd9b_0_11:notes"/>
+          <p:cNvPr id="77" name="Google Shape;77;g305e143dd9b_0_11:notes"/>
           <p:cNvSpPr txBox="1"/>
           <p:nvPr>
             <p:ph idx="1" type="body"/>
@@ -1947,7 +1950,7 @@
       </p:grpSpPr>
       <p:sp>
         <p:nvSpPr>
-          <p:cNvPr id="206" name="Google Shape;206;g305e143dd9b_0_90:notes"/>
+          <p:cNvPr id="206" name="Google Shape;206;g305e63e74d6_0_16:notes"/>
           <p:cNvSpPr/>
           <p:nvPr>
             <p:ph idx="2" type="sldImg"/>
@@ -1982,7 +1985,7 @@
       </p:sp>
       <p:sp>
         <p:nvSpPr>
-          <p:cNvPr id="207" name="Google Shape;207;g305e143dd9b_0_90:notes"/>
+          <p:cNvPr id="207" name="Google Shape;207;g305e63e74d6_0_16:notes"/>
           <p:cNvSpPr txBox="1"/>
           <p:nvPr>
             <p:ph idx="1" type="body"/>
@@ -2027,12 +2030,12 @@
 </p:notes>
 </file>
 
-<file path=ppt/notesSlides/notesSlide3.xml><?xml version="1.0" encoding="utf-8"?>
+<file path=ppt/notesSlides/notesSlide21.xml><?xml version="1.0" encoding="utf-8"?>
 <p:notes xmlns:a="http://schemas.openxmlformats.org/drawingml/2006/main" xmlns:r="http://schemas.openxmlformats.org/officeDocument/2006/relationships" xmlns:mc="http://schemas.openxmlformats.org/markup-compatibility/2006" xmlns:mv="urn:schemas-microsoft-com:mac:vml" xmlns:p="http://schemas.openxmlformats.org/presentationml/2006/main" xmlns:c="http://schemas.openxmlformats.org/drawingml/2006/chart" xmlns:dgm="http://schemas.openxmlformats.org/drawingml/2006/diagram" xmlns:o="urn:schemas-microsoft-com:office:office" xmlns:v="urn:schemas-microsoft-com:vml" xmlns:pvml="urn:schemas-microsoft-com:office:powerpoint" xmlns:com="http://schemas.openxmlformats.org/drawingml/2006/compatibility" xmlns:p14="http://schemas.microsoft.com/office/powerpoint/2010/main" xmlns:p15="http://schemas.microsoft.com/office/powerpoint/2012/main" xmlns:ahyp="http://schemas.microsoft.com/office/drawing/2018/hyperlinkcolor" showMasterPhAnim="0" showMasterSp="0">
   <p:cSld>
     <p:spTree>
       <p:nvGrpSpPr>
-        <p:cNvPr id="82" name="Shape 82"/>
+        <p:cNvPr id="213" name="Shape 213"/>
         <p:cNvGrpSpPr/>
         <p:nvPr/>
       </p:nvGrpSpPr>
@@ -2046,7 +2049,7 @@
       </p:grpSpPr>
       <p:sp>
         <p:nvSpPr>
-          <p:cNvPr id="83" name="Google Shape;83;g305e143dd9b_0_18:notes"/>
+          <p:cNvPr id="214" name="Google Shape;214;g305e8a4af63_2_0:notes"/>
           <p:cNvSpPr/>
           <p:nvPr>
             <p:ph idx="2" type="sldImg"/>
@@ -2081,7 +2084,7 @@
       </p:sp>
       <p:sp>
         <p:nvSpPr>
-          <p:cNvPr id="84" name="Google Shape;84;g305e143dd9b_0_18:notes"/>
+          <p:cNvPr id="215" name="Google Shape;215;g305e8a4af63_2_0:notes"/>
           <p:cNvSpPr txBox="1"/>
           <p:nvPr>
             <p:ph idx="1" type="body"/>
@@ -2126,12 +2129,12 @@
 </p:notes>
 </file>
 
-<file path=ppt/notesSlides/notesSlide4.xml><?xml version="1.0" encoding="utf-8"?>
+<file path=ppt/notesSlides/notesSlide22.xml><?xml version="1.0" encoding="utf-8"?>
 <p:notes xmlns:a="http://schemas.openxmlformats.org/drawingml/2006/main" xmlns:r="http://schemas.openxmlformats.org/officeDocument/2006/relationships" xmlns:mc="http://schemas.openxmlformats.org/markup-compatibility/2006" xmlns:mv="urn:schemas-microsoft-com:mac:vml" xmlns:p="http://schemas.openxmlformats.org/presentationml/2006/main" xmlns:c="http://schemas.openxmlformats.org/drawingml/2006/chart" xmlns:dgm="http://schemas.openxmlformats.org/drawingml/2006/diagram" xmlns:o="urn:schemas-microsoft-com:office:office" xmlns:v="urn:schemas-microsoft-com:vml" xmlns:pvml="urn:schemas-microsoft-com:office:powerpoint" xmlns:com="http://schemas.openxmlformats.org/drawingml/2006/compatibility" xmlns:p14="http://schemas.microsoft.com/office/powerpoint/2010/main" xmlns:p15="http://schemas.microsoft.com/office/powerpoint/2012/main" xmlns:ahyp="http://schemas.microsoft.com/office/drawing/2018/hyperlinkcolor" showMasterPhAnim="0" showMasterSp="0">
   <p:cSld>
     <p:spTree>
       <p:nvGrpSpPr>
-        <p:cNvPr id="89" name="Shape 89"/>
+        <p:cNvPr id="220" name="Shape 220"/>
         <p:cNvGrpSpPr/>
         <p:nvPr/>
       </p:nvGrpSpPr>
@@ -2145,7 +2148,7 @@
       </p:grpSpPr>
       <p:sp>
         <p:nvSpPr>
-          <p:cNvPr id="90" name="Google Shape;90;g305e63e74d6_0_22:notes"/>
+          <p:cNvPr id="221" name="Google Shape;221;g305e8a4af63_2_6:notes"/>
           <p:cNvSpPr/>
           <p:nvPr>
             <p:ph idx="2" type="sldImg"/>
@@ -2180,7 +2183,7 @@
       </p:sp>
       <p:sp>
         <p:nvSpPr>
-          <p:cNvPr id="91" name="Google Shape;91;g305e63e74d6_0_22:notes"/>
+          <p:cNvPr id="222" name="Google Shape;222;g305e8a4af63_2_6:notes"/>
           <p:cNvSpPr txBox="1"/>
           <p:nvPr>
             <p:ph idx="1" type="body"/>
@@ -2225,12 +2228,12 @@
 </p:notes>
 </file>
 
-<file path=ppt/notesSlides/notesSlide5.xml><?xml version="1.0" encoding="utf-8"?>
+<file path=ppt/notesSlides/notesSlide23.xml><?xml version="1.0" encoding="utf-8"?>
 <p:notes xmlns:a="http://schemas.openxmlformats.org/drawingml/2006/main" xmlns:r="http://schemas.openxmlformats.org/officeDocument/2006/relationships" xmlns:mc="http://schemas.openxmlformats.org/markup-compatibility/2006" xmlns:mv="urn:schemas-microsoft-com:mac:vml" xmlns:p="http://schemas.openxmlformats.org/presentationml/2006/main" xmlns:c="http://schemas.openxmlformats.org/drawingml/2006/chart" xmlns:dgm="http://schemas.openxmlformats.org/drawingml/2006/diagram" xmlns:o="urn:schemas-microsoft-com:office:office" xmlns:v="urn:schemas-microsoft-com:vml" xmlns:pvml="urn:schemas-microsoft-com:office:powerpoint" xmlns:com="http://schemas.openxmlformats.org/drawingml/2006/compatibility" xmlns:p14="http://schemas.microsoft.com/office/powerpoint/2010/main" xmlns:p15="http://schemas.microsoft.com/office/powerpoint/2012/main" xmlns:ahyp="http://schemas.microsoft.com/office/drawing/2018/hyperlinkcolor" showMasterPhAnim="0" showMasterSp="0">
   <p:cSld>
     <p:spTree>
       <p:nvGrpSpPr>
-        <p:cNvPr id="98" name="Shape 98"/>
+        <p:cNvPr id="227" name="Shape 227"/>
         <p:cNvGrpSpPr/>
         <p:nvPr/>
       </p:nvGrpSpPr>
@@ -2244,7 +2247,7 @@
       </p:grpSpPr>
       <p:sp>
         <p:nvSpPr>
-          <p:cNvPr id="99" name="Google Shape;99;g305e143dd9b_0_60:notes"/>
+          <p:cNvPr id="228" name="Google Shape;228;g305e143dd9b_0_90:notes"/>
           <p:cNvSpPr/>
           <p:nvPr>
             <p:ph idx="2" type="sldImg"/>
@@ -2279,7 +2282,7 @@
       </p:sp>
       <p:sp>
         <p:nvSpPr>
-          <p:cNvPr id="100" name="Google Shape;100;g305e143dd9b_0_60:notes"/>
+          <p:cNvPr id="229" name="Google Shape;229;g305e143dd9b_0_90:notes"/>
           <p:cNvSpPr txBox="1"/>
           <p:nvPr>
             <p:ph idx="1" type="body"/>
@@ -2324,12 +2327,12 @@
 </p:notes>
 </file>
 
-<file path=ppt/notesSlides/notesSlide6.xml><?xml version="1.0" encoding="utf-8"?>
+<file path=ppt/notesSlides/notesSlide3.xml><?xml version="1.0" encoding="utf-8"?>
 <p:notes xmlns:a="http://schemas.openxmlformats.org/drawingml/2006/main" xmlns:r="http://schemas.openxmlformats.org/officeDocument/2006/relationships" xmlns:mc="http://schemas.openxmlformats.org/markup-compatibility/2006" xmlns:mv="urn:schemas-microsoft-com:mac:vml" xmlns:p="http://schemas.openxmlformats.org/presentationml/2006/main" xmlns:c="http://schemas.openxmlformats.org/drawingml/2006/chart" xmlns:dgm="http://schemas.openxmlformats.org/drawingml/2006/diagram" xmlns:o="urn:schemas-microsoft-com:office:office" xmlns:v="urn:schemas-microsoft-com:vml" xmlns:pvml="urn:schemas-microsoft-com:office:powerpoint" xmlns:com="http://schemas.openxmlformats.org/drawingml/2006/compatibility" xmlns:p14="http://schemas.microsoft.com/office/powerpoint/2010/main" xmlns:p15="http://schemas.microsoft.com/office/powerpoint/2012/main" xmlns:ahyp="http://schemas.microsoft.com/office/drawing/2018/hyperlinkcolor" showMasterPhAnim="0" showMasterSp="0">
   <p:cSld>
     <p:spTree>
       <p:nvGrpSpPr>
-        <p:cNvPr id="106" name="Shape 106"/>
+        <p:cNvPr id="83" name="Shape 83"/>
         <p:cNvGrpSpPr/>
         <p:nvPr/>
       </p:nvGrpSpPr>
@@ -2343,7 +2346,7 @@
       </p:grpSpPr>
       <p:sp>
         <p:nvSpPr>
-          <p:cNvPr id="107" name="Google Shape;107;g305e143dd9b_0_55:notes"/>
+          <p:cNvPr id="84" name="Google Shape;84;g305e143dd9b_0_18:notes"/>
           <p:cNvSpPr/>
           <p:nvPr>
             <p:ph idx="2" type="sldImg"/>
@@ -2378,7 +2381,7 @@
       </p:sp>
       <p:sp>
         <p:nvSpPr>
-          <p:cNvPr id="108" name="Google Shape;108;g305e143dd9b_0_55:notes"/>
+          <p:cNvPr id="85" name="Google Shape;85;g305e143dd9b_0_18:notes"/>
           <p:cNvSpPr txBox="1"/>
           <p:nvPr>
             <p:ph idx="1" type="body"/>
@@ -2423,12 +2426,12 @@
 </p:notes>
 </file>
 
-<file path=ppt/notesSlides/notesSlide7.xml><?xml version="1.0" encoding="utf-8"?>
+<file path=ppt/notesSlides/notesSlide4.xml><?xml version="1.0" encoding="utf-8"?>
 <p:notes xmlns:a="http://schemas.openxmlformats.org/drawingml/2006/main" xmlns:r="http://schemas.openxmlformats.org/officeDocument/2006/relationships" xmlns:mc="http://schemas.openxmlformats.org/markup-compatibility/2006" xmlns:mv="urn:schemas-microsoft-com:mac:vml" xmlns:p="http://schemas.openxmlformats.org/presentationml/2006/main" xmlns:c="http://schemas.openxmlformats.org/drawingml/2006/chart" xmlns:dgm="http://schemas.openxmlformats.org/drawingml/2006/diagram" xmlns:o="urn:schemas-microsoft-com:office:office" xmlns:v="urn:schemas-microsoft-com:vml" xmlns:pvml="urn:schemas-microsoft-com:office:powerpoint" xmlns:com="http://schemas.openxmlformats.org/drawingml/2006/compatibility" xmlns:p14="http://schemas.microsoft.com/office/powerpoint/2010/main" xmlns:p15="http://schemas.microsoft.com/office/powerpoint/2012/main" xmlns:ahyp="http://schemas.microsoft.com/office/drawing/2018/hyperlinkcolor" showMasterPhAnim="0" showMasterSp="0">
   <p:cSld>
     <p:spTree>
       <p:nvGrpSpPr>
-        <p:cNvPr id="113" name="Shape 113"/>
+        <p:cNvPr id="90" name="Shape 90"/>
         <p:cNvGrpSpPr/>
         <p:nvPr/>
       </p:nvGrpSpPr>
@@ -2442,7 +2445,7 @@
       </p:grpSpPr>
       <p:sp>
         <p:nvSpPr>
-          <p:cNvPr id="114" name="Google Shape;114;g305e143dd9b_0_50:notes"/>
+          <p:cNvPr id="91" name="Google Shape;91;g305e63e74d6_0_22:notes"/>
           <p:cNvSpPr/>
           <p:nvPr>
             <p:ph idx="2" type="sldImg"/>
@@ -2477,7 +2480,7 @@
       </p:sp>
       <p:sp>
         <p:nvSpPr>
-          <p:cNvPr id="115" name="Google Shape;115;g305e143dd9b_0_50:notes"/>
+          <p:cNvPr id="92" name="Google Shape;92;g305e63e74d6_0_22:notes"/>
           <p:cNvSpPr txBox="1"/>
           <p:nvPr>
             <p:ph idx="1" type="body"/>
@@ -2522,12 +2525,12 @@
 </p:notes>
 </file>
 
-<file path=ppt/notesSlides/notesSlide8.xml><?xml version="1.0" encoding="utf-8"?>
+<file path=ppt/notesSlides/notesSlide5.xml><?xml version="1.0" encoding="utf-8"?>
 <p:notes xmlns:a="http://schemas.openxmlformats.org/drawingml/2006/main" xmlns:r="http://schemas.openxmlformats.org/officeDocument/2006/relationships" xmlns:mc="http://schemas.openxmlformats.org/markup-compatibility/2006" xmlns:mv="urn:schemas-microsoft-com:mac:vml" xmlns:p="http://schemas.openxmlformats.org/presentationml/2006/main" xmlns:c="http://schemas.openxmlformats.org/drawingml/2006/chart" xmlns:dgm="http://schemas.openxmlformats.org/drawingml/2006/diagram" xmlns:o="urn:schemas-microsoft-com:office:office" xmlns:v="urn:schemas-microsoft-com:vml" xmlns:pvml="urn:schemas-microsoft-com:office:powerpoint" xmlns:com="http://schemas.openxmlformats.org/drawingml/2006/compatibility" xmlns:p14="http://schemas.microsoft.com/office/powerpoint/2010/main" xmlns:p15="http://schemas.microsoft.com/office/powerpoint/2012/main" xmlns:ahyp="http://schemas.microsoft.com/office/drawing/2018/hyperlinkcolor" showMasterPhAnim="0" showMasterSp="0">
   <p:cSld>
     <p:spTree>
       <p:nvGrpSpPr>
-        <p:cNvPr id="121" name="Shape 121"/>
+        <p:cNvPr id="97" name="Shape 97"/>
         <p:cNvGrpSpPr/>
         <p:nvPr/>
       </p:nvGrpSpPr>
@@ -2541,7 +2544,7 @@
       </p:grpSpPr>
       <p:sp>
         <p:nvSpPr>
-          <p:cNvPr id="122" name="Google Shape;122;g305e143dd9b_0_45:notes"/>
+          <p:cNvPr id="98" name="Google Shape;98;g305e143dd9b_0_60:notes"/>
           <p:cNvSpPr/>
           <p:nvPr>
             <p:ph idx="2" type="sldImg"/>
@@ -2576,7 +2579,7 @@
       </p:sp>
       <p:sp>
         <p:nvSpPr>
-          <p:cNvPr id="123" name="Google Shape;123;g305e143dd9b_0_45:notes"/>
+          <p:cNvPr id="99" name="Google Shape;99;g305e143dd9b_0_60:notes"/>
           <p:cNvSpPr txBox="1"/>
           <p:nvPr>
             <p:ph idx="1" type="body"/>
@@ -2621,12 +2624,12 @@
 </p:notes>
 </file>
 
-<file path=ppt/notesSlides/notesSlide9.xml><?xml version="1.0" encoding="utf-8"?>
+<file path=ppt/notesSlides/notesSlide6.xml><?xml version="1.0" encoding="utf-8"?>
 <p:notes xmlns:a="http://schemas.openxmlformats.org/drawingml/2006/main" xmlns:r="http://schemas.openxmlformats.org/officeDocument/2006/relationships" xmlns:mc="http://schemas.openxmlformats.org/markup-compatibility/2006" xmlns:mv="urn:schemas-microsoft-com:mac:vml" xmlns:p="http://schemas.openxmlformats.org/presentationml/2006/main" xmlns:c="http://schemas.openxmlformats.org/drawingml/2006/chart" xmlns:dgm="http://schemas.openxmlformats.org/drawingml/2006/diagram" xmlns:o="urn:schemas-microsoft-com:office:office" xmlns:v="urn:schemas-microsoft-com:vml" xmlns:pvml="urn:schemas-microsoft-com:office:powerpoint" xmlns:com="http://schemas.openxmlformats.org/drawingml/2006/compatibility" xmlns:p14="http://schemas.microsoft.com/office/powerpoint/2010/main" xmlns:p15="http://schemas.microsoft.com/office/powerpoint/2012/main" xmlns:ahyp="http://schemas.microsoft.com/office/drawing/2018/hyperlinkcolor" showMasterPhAnim="0" showMasterSp="0">
   <p:cSld>
     <p:spTree>
       <p:nvGrpSpPr>
-        <p:cNvPr id="128" name="Shape 128"/>
+        <p:cNvPr id="105" name="Shape 105"/>
         <p:cNvGrpSpPr/>
         <p:nvPr/>
       </p:nvGrpSpPr>
@@ -2640,7 +2643,7 @@
       </p:grpSpPr>
       <p:sp>
         <p:nvSpPr>
-          <p:cNvPr id="129" name="Google Shape;129;g305e143dd9b_0_40:notes"/>
+          <p:cNvPr id="106" name="Google Shape;106;g305e143dd9b_0_55:notes"/>
           <p:cNvSpPr/>
           <p:nvPr>
             <p:ph idx="2" type="sldImg"/>
@@ -2675,7 +2678,304 @@
       </p:sp>
       <p:sp>
         <p:nvSpPr>
-          <p:cNvPr id="130" name="Google Shape;130;g305e143dd9b_0_40:notes"/>
+          <p:cNvPr id="107" name="Google Shape;107;g305e143dd9b_0_55:notes"/>
+          <p:cNvSpPr txBox="1"/>
+          <p:nvPr>
+            <p:ph idx="1" type="body"/>
+          </p:nvPr>
+        </p:nvSpPr>
+        <p:spPr>
+          <a:xfrm>
+            <a:off x="685800" y="4343400"/>
+            <a:ext cx="5486400" cy="4114800"/>
+          </a:xfrm>
+          <a:prstGeom prst="rect">
+            <a:avLst/>
+          </a:prstGeom>
+        </p:spPr>
+        <p:txBody>
+          <a:bodyPr anchorCtr="0" anchor="t" bIns="91425" lIns="91425" spcFirstLastPara="1" rIns="91425" wrap="square" tIns="91425">
+            <a:noAutofit/>
+          </a:bodyPr>
+          <a:lstStyle/>
+          <a:p>
+            <a:pPr indent="0" lvl="0" marL="0" rtl="0" algn="l">
+              <a:spcBef>
+                <a:spcPts val="0"/>
+              </a:spcBef>
+              <a:spcAft>
+                <a:spcPts val="0"/>
+              </a:spcAft>
+              <a:buNone/>
+            </a:pPr>
+            <a:r>
+              <a:t/>
+            </a:r>
+            <a:endParaRPr/>
+          </a:p>
+        </p:txBody>
+      </p:sp>
+    </p:spTree>
+  </p:cSld>
+  <p:clrMapOvr>
+    <a:masterClrMapping/>
+  </p:clrMapOvr>
+</p:notes>
+</file>
+
+<file path=ppt/notesSlides/notesSlide7.xml><?xml version="1.0" encoding="utf-8"?>
+<p:notes xmlns:a="http://schemas.openxmlformats.org/drawingml/2006/main" xmlns:r="http://schemas.openxmlformats.org/officeDocument/2006/relationships" xmlns:mc="http://schemas.openxmlformats.org/markup-compatibility/2006" xmlns:mv="urn:schemas-microsoft-com:mac:vml" xmlns:p="http://schemas.openxmlformats.org/presentationml/2006/main" xmlns:c="http://schemas.openxmlformats.org/drawingml/2006/chart" xmlns:dgm="http://schemas.openxmlformats.org/drawingml/2006/diagram" xmlns:o="urn:schemas-microsoft-com:office:office" xmlns:v="urn:schemas-microsoft-com:vml" xmlns:pvml="urn:schemas-microsoft-com:office:powerpoint" xmlns:com="http://schemas.openxmlformats.org/drawingml/2006/compatibility" xmlns:p14="http://schemas.microsoft.com/office/powerpoint/2010/main" xmlns:p15="http://schemas.microsoft.com/office/powerpoint/2012/main" xmlns:ahyp="http://schemas.microsoft.com/office/drawing/2018/hyperlinkcolor" showMasterPhAnim="0" showMasterSp="0">
+  <p:cSld>
+    <p:spTree>
+      <p:nvGrpSpPr>
+        <p:cNvPr id="112" name="Shape 112"/>
+        <p:cNvGrpSpPr/>
+        <p:nvPr/>
+      </p:nvGrpSpPr>
+      <p:grpSpPr>
+        <a:xfrm>
+          <a:off x="0" y="0"/>
+          <a:ext cx="0" cy="0"/>
+          <a:chOff x="0" y="0"/>
+          <a:chExt cx="0" cy="0"/>
+        </a:xfrm>
+      </p:grpSpPr>
+      <p:sp>
+        <p:nvSpPr>
+          <p:cNvPr id="113" name="Google Shape;113;g305e143dd9b_0_50:notes"/>
+          <p:cNvSpPr/>
+          <p:nvPr>
+            <p:ph idx="2" type="sldImg"/>
+          </p:nvPr>
+        </p:nvSpPr>
+        <p:spPr>
+          <a:xfrm>
+            <a:off x="381300" y="685800"/>
+            <a:ext cx="6096000" cy="3429000"/>
+          </a:xfrm>
+          <a:custGeom>
+            <a:rect b="b" l="l" r="r" t="t"/>
+            <a:pathLst>
+              <a:path extrusionOk="0" h="120000" w="120000">
+                <a:moveTo>
+                  <a:pt x="0" y="0"/>
+                </a:moveTo>
+                <a:lnTo>
+                  <a:pt x="120000" y="0"/>
+                </a:lnTo>
+                <a:lnTo>
+                  <a:pt x="120000" y="120000"/>
+                </a:lnTo>
+                <a:lnTo>
+                  <a:pt x="0" y="120000"/>
+                </a:lnTo>
+                <a:close/>
+              </a:path>
+            </a:pathLst>
+          </a:custGeom>
+        </p:spPr>
+      </p:sp>
+      <p:sp>
+        <p:nvSpPr>
+          <p:cNvPr id="114" name="Google Shape;114;g305e143dd9b_0_50:notes"/>
+          <p:cNvSpPr txBox="1"/>
+          <p:nvPr>
+            <p:ph idx="1" type="body"/>
+          </p:nvPr>
+        </p:nvSpPr>
+        <p:spPr>
+          <a:xfrm>
+            <a:off x="685800" y="4343400"/>
+            <a:ext cx="5486400" cy="4114800"/>
+          </a:xfrm>
+          <a:prstGeom prst="rect">
+            <a:avLst/>
+          </a:prstGeom>
+        </p:spPr>
+        <p:txBody>
+          <a:bodyPr anchorCtr="0" anchor="t" bIns="91425" lIns="91425" spcFirstLastPara="1" rIns="91425" wrap="square" tIns="91425">
+            <a:noAutofit/>
+          </a:bodyPr>
+          <a:lstStyle/>
+          <a:p>
+            <a:pPr indent="0" lvl="0" marL="0" rtl="0" algn="l">
+              <a:spcBef>
+                <a:spcPts val="0"/>
+              </a:spcBef>
+              <a:spcAft>
+                <a:spcPts val="0"/>
+              </a:spcAft>
+              <a:buNone/>
+            </a:pPr>
+            <a:r>
+              <a:t/>
+            </a:r>
+            <a:endParaRPr/>
+          </a:p>
+        </p:txBody>
+      </p:sp>
+    </p:spTree>
+  </p:cSld>
+  <p:clrMapOvr>
+    <a:masterClrMapping/>
+  </p:clrMapOvr>
+</p:notes>
+</file>
+
+<file path=ppt/notesSlides/notesSlide8.xml><?xml version="1.0" encoding="utf-8"?>
+<p:notes xmlns:a="http://schemas.openxmlformats.org/drawingml/2006/main" xmlns:r="http://schemas.openxmlformats.org/officeDocument/2006/relationships" xmlns:mc="http://schemas.openxmlformats.org/markup-compatibility/2006" xmlns:mv="urn:schemas-microsoft-com:mac:vml" xmlns:p="http://schemas.openxmlformats.org/presentationml/2006/main" xmlns:c="http://schemas.openxmlformats.org/drawingml/2006/chart" xmlns:dgm="http://schemas.openxmlformats.org/drawingml/2006/diagram" xmlns:o="urn:schemas-microsoft-com:office:office" xmlns:v="urn:schemas-microsoft-com:vml" xmlns:pvml="urn:schemas-microsoft-com:office:powerpoint" xmlns:com="http://schemas.openxmlformats.org/drawingml/2006/compatibility" xmlns:p14="http://schemas.microsoft.com/office/powerpoint/2010/main" xmlns:p15="http://schemas.microsoft.com/office/powerpoint/2012/main" xmlns:ahyp="http://schemas.microsoft.com/office/drawing/2018/hyperlinkcolor" showMasterPhAnim="0" showMasterSp="0">
+  <p:cSld>
+    <p:spTree>
+      <p:nvGrpSpPr>
+        <p:cNvPr id="120" name="Shape 120"/>
+        <p:cNvGrpSpPr/>
+        <p:nvPr/>
+      </p:nvGrpSpPr>
+      <p:grpSpPr>
+        <a:xfrm>
+          <a:off x="0" y="0"/>
+          <a:ext cx="0" cy="0"/>
+          <a:chOff x="0" y="0"/>
+          <a:chExt cx="0" cy="0"/>
+        </a:xfrm>
+      </p:grpSpPr>
+      <p:sp>
+        <p:nvSpPr>
+          <p:cNvPr id="121" name="Google Shape;121;g305e143dd9b_0_110:notes"/>
+          <p:cNvSpPr/>
+          <p:nvPr>
+            <p:ph idx="2" type="sldImg"/>
+          </p:nvPr>
+        </p:nvSpPr>
+        <p:spPr>
+          <a:xfrm>
+            <a:off x="381300" y="685800"/>
+            <a:ext cx="6096000" cy="3429000"/>
+          </a:xfrm>
+          <a:custGeom>
+            <a:rect b="b" l="l" r="r" t="t"/>
+            <a:pathLst>
+              <a:path extrusionOk="0" h="120000" w="120000">
+                <a:moveTo>
+                  <a:pt x="0" y="0"/>
+                </a:moveTo>
+                <a:lnTo>
+                  <a:pt x="120000" y="0"/>
+                </a:lnTo>
+                <a:lnTo>
+                  <a:pt x="120000" y="120000"/>
+                </a:lnTo>
+                <a:lnTo>
+                  <a:pt x="0" y="120000"/>
+                </a:lnTo>
+                <a:close/>
+              </a:path>
+            </a:pathLst>
+          </a:custGeom>
+        </p:spPr>
+      </p:sp>
+      <p:sp>
+        <p:nvSpPr>
+          <p:cNvPr id="122" name="Google Shape;122;g305e143dd9b_0_110:notes"/>
+          <p:cNvSpPr txBox="1"/>
+          <p:nvPr>
+            <p:ph idx="1" type="body"/>
+          </p:nvPr>
+        </p:nvSpPr>
+        <p:spPr>
+          <a:xfrm>
+            <a:off x="685800" y="4343400"/>
+            <a:ext cx="5486400" cy="4114800"/>
+          </a:xfrm>
+          <a:prstGeom prst="rect">
+            <a:avLst/>
+          </a:prstGeom>
+        </p:spPr>
+        <p:txBody>
+          <a:bodyPr anchorCtr="0" anchor="t" bIns="91425" lIns="91425" spcFirstLastPara="1" rIns="91425" wrap="square" tIns="91425">
+            <a:noAutofit/>
+          </a:bodyPr>
+          <a:lstStyle/>
+          <a:p>
+            <a:pPr indent="0" lvl="0" marL="0" rtl="0" algn="l">
+              <a:spcBef>
+                <a:spcPts val="0"/>
+              </a:spcBef>
+              <a:spcAft>
+                <a:spcPts val="0"/>
+              </a:spcAft>
+              <a:buNone/>
+            </a:pPr>
+            <a:r>
+              <a:t/>
+            </a:r>
+            <a:endParaRPr/>
+          </a:p>
+        </p:txBody>
+      </p:sp>
+    </p:spTree>
+  </p:cSld>
+  <p:clrMapOvr>
+    <a:masterClrMapping/>
+  </p:clrMapOvr>
+</p:notes>
+</file>
+
+<file path=ppt/notesSlides/notesSlide9.xml><?xml version="1.0" encoding="utf-8"?>
+<p:notes xmlns:a="http://schemas.openxmlformats.org/drawingml/2006/main" xmlns:r="http://schemas.openxmlformats.org/officeDocument/2006/relationships" xmlns:mc="http://schemas.openxmlformats.org/markup-compatibility/2006" xmlns:mv="urn:schemas-microsoft-com:mac:vml" xmlns:p="http://schemas.openxmlformats.org/presentationml/2006/main" xmlns:c="http://schemas.openxmlformats.org/drawingml/2006/chart" xmlns:dgm="http://schemas.openxmlformats.org/drawingml/2006/diagram" xmlns:o="urn:schemas-microsoft-com:office:office" xmlns:v="urn:schemas-microsoft-com:vml" xmlns:pvml="urn:schemas-microsoft-com:office:powerpoint" xmlns:com="http://schemas.openxmlformats.org/drawingml/2006/compatibility" xmlns:p14="http://schemas.microsoft.com/office/powerpoint/2010/main" xmlns:p15="http://schemas.microsoft.com/office/powerpoint/2012/main" xmlns:ahyp="http://schemas.microsoft.com/office/drawing/2018/hyperlinkcolor" showMasterPhAnim="0" showMasterSp="0">
+  <p:cSld>
+    <p:spTree>
+      <p:nvGrpSpPr>
+        <p:cNvPr id="127" name="Shape 127"/>
+        <p:cNvGrpSpPr/>
+        <p:nvPr/>
+      </p:nvGrpSpPr>
+      <p:grpSpPr>
+        <a:xfrm>
+          <a:off x="0" y="0"/>
+          <a:ext cx="0" cy="0"/>
+          <a:chOff x="0" y="0"/>
+          <a:chExt cx="0" cy="0"/>
+        </a:xfrm>
+      </p:grpSpPr>
+      <p:sp>
+        <p:nvSpPr>
+          <p:cNvPr id="128" name="Google Shape;128;g2f8e9abf645_0_6:notes"/>
+          <p:cNvSpPr/>
+          <p:nvPr>
+            <p:ph idx="2" type="sldImg"/>
+          </p:nvPr>
+        </p:nvSpPr>
+        <p:spPr>
+          <a:xfrm>
+            <a:off x="381300" y="685800"/>
+            <a:ext cx="6096000" cy="3429000"/>
+          </a:xfrm>
+          <a:custGeom>
+            <a:rect b="b" l="l" r="r" t="t"/>
+            <a:pathLst>
+              <a:path extrusionOk="0" h="120000" w="120000">
+                <a:moveTo>
+                  <a:pt x="0" y="0"/>
+                </a:moveTo>
+                <a:lnTo>
+                  <a:pt x="120000" y="0"/>
+                </a:lnTo>
+                <a:lnTo>
+                  <a:pt x="120000" y="120000"/>
+                </a:lnTo>
+                <a:lnTo>
+                  <a:pt x="0" y="120000"/>
+                </a:lnTo>
+                <a:close/>
+              </a:path>
+            </a:pathLst>
+          </a:custGeom>
+        </p:spPr>
+      </p:sp>
+      <p:sp>
+        <p:nvSpPr>
+          <p:cNvPr id="129" name="Google Shape;129;g2f8e9abf645_0_6:notes"/>
           <p:cNvSpPr txBox="1"/>
           <p:nvPr>
             <p:ph idx="1" type="body"/>
@@ -9019,8 +9319,8 @@
         </p:nvSpPr>
         <p:spPr>
           <a:xfrm>
-            <a:off x="724900" y="2571750"/>
-            <a:ext cx="5108400" cy="2042100"/>
+            <a:off x="694225" y="2823400"/>
+            <a:ext cx="3489600" cy="1512000"/>
           </a:xfrm>
           <a:prstGeom prst="rect">
             <a:avLst/>
@@ -9057,7 +9357,7 @@
                 <a:cs typeface="Arial"/>
                 <a:sym typeface="Arial"/>
               </a:rPr>
-              <a:t>GROUP 6</a:t>
+              <a:t>Authors: </a:t>
             </a:r>
             <a:endParaRPr b="1" sz="1600">
               <a:solidFill>
@@ -9070,42 +9370,7 @@
             </a:endParaRPr>
           </a:p>
           <a:p>
-            <a:pPr indent="0" lvl="0" marL="0" rtl="0" algn="l">
-              <a:lnSpc>
-                <a:spcPct val="115000"/>
-              </a:lnSpc>
-              <a:spcBef>
-                <a:spcPts val="0"/>
-              </a:spcBef>
-              <a:spcAft>
-                <a:spcPts val="0"/>
-              </a:spcAft>
-              <a:buNone/>
-            </a:pPr>
-            <a:r>
-              <a:rPr b="1" lang="en" sz="1600">
-                <a:solidFill>
-                  <a:schemeClr val="dk1"/>
-                </a:solidFill>
-                <a:latin typeface="Arial"/>
-                <a:ea typeface="Arial"/>
-                <a:cs typeface="Arial"/>
-                <a:sym typeface="Arial"/>
-              </a:rPr>
-              <a:t>Authors: </a:t>
-            </a:r>
-            <a:endParaRPr b="1" sz="1600">
-              <a:solidFill>
-                <a:schemeClr val="dk1"/>
-              </a:solidFill>
-              <a:latin typeface="Arial"/>
-              <a:ea typeface="Arial"/>
-              <a:cs typeface="Arial"/>
-              <a:sym typeface="Arial"/>
-            </a:endParaRPr>
-          </a:p>
-          <a:p>
-            <a:pPr indent="0" lvl="0" marL="0" rtl="0" algn="l">
+            <a:pPr indent="0" lvl="0" marL="457200" rtl="0" algn="l">
               <a:lnSpc>
                 <a:spcPct val="115000"/>
               </a:lnSpc>
@@ -9140,7 +9405,7 @@
             </a:endParaRPr>
           </a:p>
           <a:p>
-            <a:pPr indent="0" lvl="0" marL="0" rtl="0" algn="l">
+            <a:pPr indent="0" lvl="0" marL="457200" rtl="0" algn="l">
               <a:lnSpc>
                 <a:spcPct val="115000"/>
               </a:lnSpc>
@@ -9187,7 +9452,7 @@
             </a:endParaRPr>
           </a:p>
           <a:p>
-            <a:pPr indent="0" lvl="0" marL="0" rtl="0" algn="l">
+            <a:pPr indent="0" lvl="0" marL="457200" rtl="0" algn="l">
               <a:lnSpc>
                 <a:spcPct val="115000"/>
               </a:lnSpc>
@@ -9210,76 +9475,6 @@
                 <a:sym typeface="Arial"/>
               </a:rPr>
               <a:t>   Utsho Dey       24366019</a:t>
-            </a:r>
-            <a:endParaRPr b="1" sz="1600">
-              <a:solidFill>
-                <a:schemeClr val="dk1"/>
-              </a:solidFill>
-              <a:latin typeface="Arial"/>
-              <a:ea typeface="Arial"/>
-              <a:cs typeface="Arial"/>
-              <a:sym typeface="Arial"/>
-            </a:endParaRPr>
-          </a:p>
-          <a:p>
-            <a:pPr indent="0" lvl="0" marL="0" rtl="0" algn="l">
-              <a:lnSpc>
-                <a:spcPct val="115000"/>
-              </a:lnSpc>
-              <a:spcBef>
-                <a:spcPts val="0"/>
-              </a:spcBef>
-              <a:spcAft>
-                <a:spcPts val="0"/>
-              </a:spcAft>
-              <a:buNone/>
-            </a:pPr>
-            <a:r>
-              <a:rPr b="1" lang="en" sz="1600">
-                <a:solidFill>
-                  <a:schemeClr val="dk1"/>
-                </a:solidFill>
-                <a:latin typeface="Arial"/>
-                <a:ea typeface="Arial"/>
-                <a:cs typeface="Arial"/>
-                <a:sym typeface="Arial"/>
-              </a:rPr>
-              <a:t>Advisor: Annajiat Alim Rasel</a:t>
-            </a:r>
-            <a:endParaRPr b="1" sz="1600">
-              <a:solidFill>
-                <a:schemeClr val="dk1"/>
-              </a:solidFill>
-              <a:latin typeface="Arial"/>
-              <a:ea typeface="Arial"/>
-              <a:cs typeface="Arial"/>
-              <a:sym typeface="Arial"/>
-            </a:endParaRPr>
-          </a:p>
-          <a:p>
-            <a:pPr indent="0" lvl="0" marL="0" rtl="0" algn="l">
-              <a:lnSpc>
-                <a:spcPct val="115000"/>
-              </a:lnSpc>
-              <a:spcBef>
-                <a:spcPts val="0"/>
-              </a:spcBef>
-              <a:spcAft>
-                <a:spcPts val="0"/>
-              </a:spcAft>
-              <a:buNone/>
-            </a:pPr>
-            <a:r>
-              <a:rPr b="1" lang="en" sz="1600">
-                <a:solidFill>
-                  <a:schemeClr val="dk1"/>
-                </a:solidFill>
-                <a:latin typeface="Arial"/>
-                <a:ea typeface="Arial"/>
-                <a:cs typeface="Arial"/>
-                <a:sym typeface="Arial"/>
-              </a:rPr>
-              <a:t>Institution: BRAC University, Bangladesh</a:t>
             </a:r>
             <a:endParaRPr b="1" sz="1600">
               <a:solidFill>
@@ -9335,8 +9530,8 @@
         </p:blipFill>
         <p:spPr>
           <a:xfrm>
-            <a:off x="6182825" y="3271425"/>
-            <a:ext cx="1030350" cy="945349"/>
+            <a:off x="6415900" y="3364800"/>
+            <a:ext cx="972600" cy="892363"/>
           </a:xfrm>
           <a:prstGeom prst="rect">
             <a:avLst/>
@@ -9445,6 +9640,56 @@
           </a:p>
         </p:txBody>
       </p:sp>
+      <p:sp>
+        <p:nvSpPr>
+          <p:cNvPr id="74" name="Google Shape;74;p14"/>
+          <p:cNvSpPr txBox="1"/>
+          <p:nvPr/>
+        </p:nvSpPr>
+        <p:spPr>
+          <a:xfrm>
+            <a:off x="694225" y="4121800"/>
+            <a:ext cx="1284300" cy="326400"/>
+          </a:xfrm>
+          <a:prstGeom prst="rect">
+            <a:avLst/>
+          </a:prstGeom>
+          <a:noFill/>
+          <a:ln>
+            <a:noFill/>
+          </a:ln>
+        </p:spPr>
+        <p:txBody>
+          <a:bodyPr anchorCtr="0" anchor="t" bIns="91425" lIns="91425" spcFirstLastPara="1" rIns="91425" wrap="square" tIns="91425">
+            <a:noAutofit/>
+          </a:bodyPr>
+          <a:lstStyle/>
+          <a:p>
+            <a:pPr indent="0" lvl="0" marL="0" rtl="0" algn="l">
+              <a:spcBef>
+                <a:spcPts val="0"/>
+              </a:spcBef>
+              <a:spcAft>
+                <a:spcPts val="0"/>
+              </a:spcAft>
+              <a:buNone/>
+            </a:pPr>
+            <a:r>
+              <a:rPr b="1" lang="en" sz="1600">
+                <a:solidFill>
+                  <a:schemeClr val="dk1"/>
+                </a:solidFill>
+              </a:rPr>
+              <a:t>GROUP 6 </a:t>
+            </a:r>
+            <a:endParaRPr b="1" sz="1600">
+              <a:solidFill>
+                <a:schemeClr val="dk1"/>
+              </a:solidFill>
+            </a:endParaRPr>
+          </a:p>
+        </p:txBody>
+      </p:sp>
     </p:spTree>
   </p:cSld>
   <p:clrMapOvr>
@@ -9458,7 +9703,7 @@
   <p:cSld>
     <p:spTree>
       <p:nvGrpSpPr>
-        <p:cNvPr id="138" name="Shape 138"/>
+        <p:cNvPr id="137" name="Shape 137"/>
         <p:cNvGrpSpPr/>
         <p:nvPr/>
       </p:nvGrpSpPr>
@@ -9472,7 +9717,7 @@
       </p:grpSpPr>
       <p:sp>
         <p:nvSpPr>
-          <p:cNvPr id="139" name="Google Shape;139;p23"/>
+          <p:cNvPr id="138" name="Google Shape;138;p23"/>
           <p:cNvSpPr txBox="1"/>
           <p:nvPr>
             <p:ph type="title"/>
@@ -9504,7 +9749,11 @@
             </a:pPr>
             <a:r>
               <a:rPr lang="en"/>
-              <a:t>Ethical Considerations and FAIR Principles</a:t>
+              <a:t> Data Analysis - </a:t>
+            </a:r>
+            <a:r>
+              <a:rPr lang="en"/>
+              <a:t>Movie Distribution by Year</a:t>
             </a:r>
             <a:endParaRPr/>
           </a:p>
@@ -9512,184 +9761,7 @@
       </p:sp>
       <p:sp>
         <p:nvSpPr>
-          <p:cNvPr id="140" name="Google Shape;140;p23"/>
-          <p:cNvSpPr txBox="1"/>
-          <p:nvPr>
-            <p:ph idx="1" type="body"/>
-          </p:nvPr>
-        </p:nvSpPr>
-        <p:spPr>
-          <a:xfrm>
-            <a:off x="450025" y="1489800"/>
-            <a:ext cx="8368200" cy="1725900"/>
-          </a:xfrm>
-          <a:prstGeom prst="rect">
-            <a:avLst/>
-          </a:prstGeom>
-        </p:spPr>
-        <p:txBody>
-          <a:bodyPr anchorCtr="0" anchor="t" bIns="91425" lIns="91425" spcFirstLastPara="1" rIns="91425" wrap="square" tIns="91425">
-            <a:noAutofit/>
-          </a:bodyPr>
-          <a:lstStyle/>
-          <a:p>
-            <a:pPr indent="-344805" lvl="0" marL="457200" rtl="0" algn="l">
-              <a:lnSpc>
-                <a:spcPct val="95000"/>
-              </a:lnSpc>
-              <a:spcBef>
-                <a:spcPts val="0"/>
-              </a:spcBef>
-              <a:spcAft>
-                <a:spcPts val="0"/>
-              </a:spcAft>
-              <a:buSzPts val="1830"/>
-              <a:buFont typeface="Arial"/>
-              <a:buChar char="❏"/>
-            </a:pPr>
-            <a:r>
-              <a:rPr lang="en" sz="1829">
-                <a:latin typeface="Arial"/>
-                <a:ea typeface="Arial"/>
-                <a:cs typeface="Arial"/>
-                <a:sym typeface="Arial"/>
-              </a:rPr>
-              <a:t>   </a:t>
-            </a:r>
-            <a:r>
-              <a:rPr lang="en" sz="1829">
-                <a:latin typeface="Arial"/>
-                <a:ea typeface="Arial"/>
-                <a:cs typeface="Arial"/>
-                <a:sym typeface="Arial"/>
-              </a:rPr>
-              <a:t>Privacy preservation methods</a:t>
-            </a:r>
-            <a:endParaRPr sz="1829">
-              <a:latin typeface="Arial"/>
-              <a:ea typeface="Arial"/>
-              <a:cs typeface="Arial"/>
-              <a:sym typeface="Arial"/>
-            </a:endParaRPr>
-          </a:p>
-          <a:p>
-            <a:pPr indent="-344805" lvl="0" marL="457200" rtl="0" algn="l">
-              <a:lnSpc>
-                <a:spcPct val="95000"/>
-              </a:lnSpc>
-              <a:spcBef>
-                <a:spcPts val="0"/>
-              </a:spcBef>
-              <a:spcAft>
-                <a:spcPts val="0"/>
-              </a:spcAft>
-              <a:buSzPts val="1830"/>
-              <a:buFont typeface="Arial"/>
-              <a:buChar char="❏"/>
-            </a:pPr>
-            <a:r>
-              <a:rPr lang="en" sz="1829">
-                <a:latin typeface="Arial"/>
-                <a:ea typeface="Arial"/>
-                <a:cs typeface="Arial"/>
-                <a:sym typeface="Arial"/>
-              </a:rPr>
-              <a:t>   Transparency in recommendation process</a:t>
-            </a:r>
-            <a:endParaRPr sz="1829">
-              <a:latin typeface="Arial"/>
-              <a:ea typeface="Arial"/>
-              <a:cs typeface="Arial"/>
-              <a:sym typeface="Arial"/>
-            </a:endParaRPr>
-          </a:p>
-          <a:p>
-            <a:pPr indent="-344805" lvl="0" marL="457200" rtl="0" algn="l">
-              <a:lnSpc>
-                <a:spcPct val="95000"/>
-              </a:lnSpc>
-              <a:spcBef>
-                <a:spcPts val="0"/>
-              </a:spcBef>
-              <a:spcAft>
-                <a:spcPts val="0"/>
-              </a:spcAft>
-              <a:buSzPts val="1830"/>
-              <a:buFont typeface="Arial"/>
-              <a:buChar char="❏"/>
-            </a:pPr>
-            <a:r>
-              <a:rPr lang="en" sz="1829">
-                <a:latin typeface="Arial"/>
-                <a:ea typeface="Arial"/>
-                <a:cs typeface="Arial"/>
-                <a:sym typeface="Arial"/>
-              </a:rPr>
-              <a:t>    Fairness in content suggestions</a:t>
-            </a:r>
-            <a:endParaRPr sz="1829">
-              <a:latin typeface="Arial"/>
-              <a:ea typeface="Arial"/>
-              <a:cs typeface="Arial"/>
-              <a:sym typeface="Arial"/>
-            </a:endParaRPr>
-          </a:p>
-          <a:p>
-            <a:pPr indent="-344805" lvl="0" marL="457200" rtl="0" algn="l">
-              <a:lnSpc>
-                <a:spcPct val="95000"/>
-              </a:lnSpc>
-              <a:spcBef>
-                <a:spcPts val="0"/>
-              </a:spcBef>
-              <a:spcAft>
-                <a:spcPts val="0"/>
-              </a:spcAft>
-              <a:buSzPts val="1830"/>
-              <a:buFont typeface="Arial"/>
-              <a:buChar char="❏"/>
-            </a:pPr>
-            <a:r>
-              <a:rPr lang="en" sz="1829">
-                <a:latin typeface="Arial"/>
-                <a:ea typeface="Arial"/>
-                <a:cs typeface="Arial"/>
-                <a:sym typeface="Arial"/>
-              </a:rPr>
-              <a:t>    FAIR data principles implementation:</a:t>
-            </a:r>
-            <a:endParaRPr sz="1829">
-              <a:latin typeface="Arial"/>
-              <a:ea typeface="Arial"/>
-              <a:cs typeface="Arial"/>
-              <a:sym typeface="Arial"/>
-            </a:endParaRPr>
-          </a:p>
-          <a:p>
-            <a:pPr indent="0" lvl="0" marL="0" rtl="0" algn="l">
-              <a:lnSpc>
-                <a:spcPct val="95000"/>
-              </a:lnSpc>
-              <a:spcBef>
-                <a:spcPts val="1200"/>
-              </a:spcBef>
-              <a:spcAft>
-                <a:spcPts val="1200"/>
-              </a:spcAft>
-              <a:buSzPts val="935"/>
-              <a:buNone/>
-            </a:pPr>
-            <a:r>
-              <a:rPr lang="en" sz="1629"/>
-              <a:t>     </a:t>
-            </a:r>
-            <a:endParaRPr sz="1629"/>
-          </a:p>
-        </p:txBody>
-      </p:sp>
-      <p:sp>
-        <p:nvSpPr>
-          <p:cNvPr id="141" name="Google Shape;141;p23"/>
+          <p:cNvPr id="139" name="Google Shape;139;p23"/>
           <p:cNvSpPr txBox="1"/>
           <p:nvPr/>
         </p:nvSpPr>
@@ -9745,16 +9817,24 @@
           </a:p>
         </p:txBody>
       </p:sp>
-      <p:sp>
-        <p:nvSpPr>
-          <p:cNvPr id="142" name="Google Shape;142;p23"/>
-          <p:cNvSpPr txBox="1"/>
+      <p:pic>
+        <p:nvPicPr>
+          <p:cNvPr id="140" name="Google Shape;140;p23"/>
+          <p:cNvPicPr preferRelativeResize="0"/>
           <p:nvPr/>
-        </p:nvSpPr>
+        </p:nvPicPr>
+        <p:blipFill>
+          <a:blip r:embed="rId3">
+            <a:alphaModFix/>
+          </a:blip>
+          <a:stretch>
+            <a:fillRect/>
+          </a:stretch>
+        </p:blipFill>
         <p:spPr>
           <a:xfrm>
-            <a:off x="1598125" y="2738050"/>
-            <a:ext cx="3554700" cy="1196700"/>
+            <a:off x="1261750" y="1417475"/>
+            <a:ext cx="6620499" cy="3419250"/>
           </a:xfrm>
           <a:prstGeom prst="rect">
             <a:avLst/>
@@ -9764,141 +9844,24 @@
             <a:noFill/>
           </a:ln>
         </p:spPr>
-        <p:txBody>
-          <a:bodyPr anchorCtr="0" anchor="t" bIns="91425" lIns="91425" spcFirstLastPara="1" rIns="91425" wrap="square" tIns="91425">
-            <a:spAutoFit/>
-          </a:bodyPr>
-          <a:lstStyle/>
-          <a:p>
-            <a:pPr indent="-338455" lvl="0" marL="457200" rtl="0" algn="l">
-              <a:lnSpc>
-                <a:spcPct val="95000"/>
-              </a:lnSpc>
-              <a:spcBef>
-                <a:spcPts val="0"/>
-              </a:spcBef>
-              <a:spcAft>
-                <a:spcPts val="0"/>
-              </a:spcAft>
-              <a:buClr>
-                <a:schemeClr val="dk1"/>
-              </a:buClr>
-              <a:buSzPts val="1730"/>
-              <a:buChar char="●"/>
-            </a:pPr>
-            <a:r>
-              <a:rPr lang="en" sz="1729">
-                <a:solidFill>
-                  <a:schemeClr val="dk1"/>
-                </a:solidFill>
-              </a:rPr>
-              <a:t>Findable</a:t>
-            </a:r>
-            <a:endParaRPr sz="1729">
-              <a:solidFill>
-                <a:schemeClr val="dk1"/>
-              </a:solidFill>
-            </a:endParaRPr>
-          </a:p>
-          <a:p>
-            <a:pPr indent="-338455" lvl="0" marL="457200" rtl="0" algn="l">
-              <a:lnSpc>
-                <a:spcPct val="95000"/>
-              </a:lnSpc>
-              <a:spcBef>
-                <a:spcPts val="0"/>
-              </a:spcBef>
-              <a:spcAft>
-                <a:spcPts val="0"/>
-              </a:spcAft>
-              <a:buClr>
-                <a:schemeClr val="dk1"/>
-              </a:buClr>
-              <a:buSzPts val="1730"/>
-              <a:buChar char="●"/>
-            </a:pPr>
-            <a:r>
-              <a:rPr lang="en" sz="1729">
-                <a:solidFill>
-                  <a:schemeClr val="dk1"/>
-                </a:solidFill>
-              </a:rPr>
-              <a:t>Accessible</a:t>
-            </a:r>
-            <a:endParaRPr sz="1729">
-              <a:solidFill>
-                <a:schemeClr val="dk1"/>
-              </a:solidFill>
-            </a:endParaRPr>
-          </a:p>
-          <a:p>
-            <a:pPr indent="-338455" lvl="0" marL="457200" rtl="0" algn="l">
-              <a:lnSpc>
-                <a:spcPct val="95000"/>
-              </a:lnSpc>
-              <a:spcBef>
-                <a:spcPts val="0"/>
-              </a:spcBef>
-              <a:spcAft>
-                <a:spcPts val="0"/>
-              </a:spcAft>
-              <a:buClr>
-                <a:schemeClr val="dk1"/>
-              </a:buClr>
-              <a:buSzPts val="1730"/>
-              <a:buChar char="●"/>
-            </a:pPr>
-            <a:r>
-              <a:rPr lang="en" sz="1729">
-                <a:solidFill>
-                  <a:schemeClr val="dk1"/>
-                </a:solidFill>
-              </a:rPr>
-              <a:t>Interoperable</a:t>
-            </a:r>
-            <a:endParaRPr sz="1729">
-              <a:solidFill>
-                <a:schemeClr val="dk1"/>
-              </a:solidFill>
-            </a:endParaRPr>
-          </a:p>
-          <a:p>
-            <a:pPr indent="-338455" lvl="0" marL="457200" rtl="0" algn="l">
-              <a:lnSpc>
-                <a:spcPct val="95000"/>
-              </a:lnSpc>
-              <a:spcBef>
-                <a:spcPts val="0"/>
-              </a:spcBef>
-              <a:spcAft>
-                <a:spcPts val="0"/>
-              </a:spcAft>
-              <a:buClr>
-                <a:schemeClr val="dk1"/>
-              </a:buClr>
-              <a:buSzPts val="1730"/>
-              <a:buChar char="●"/>
-            </a:pPr>
-            <a:r>
-              <a:rPr lang="en" sz="1729">
-                <a:solidFill>
-                  <a:schemeClr val="dk1"/>
-                </a:solidFill>
-              </a:rPr>
-              <a:t>Reusable</a:t>
-            </a:r>
-            <a:endParaRPr sz="1500"/>
-          </a:p>
-        </p:txBody>
-      </p:sp>
+      </p:pic>
     </p:spTree>
   </p:cSld>
   <p:clrMapOvr>
     <a:masterClrMapping/>
   </p:clrMapOvr>
-  <p:transition spd="med">
-    <p:push/>
-  </p:transition>
+  <mc:AlternateContent>
+    <mc:Choice Requires="p14">
+      <p:transition spd="med">
+        <p14:prism dir="l"/>
+      </p:transition>
+    </mc:Choice>
+    <mc:Fallback>
+      <p:transition spd="med">
+        <p:fade/>
+      </p:transition>
+    </mc:Fallback>
+  </mc:AlternateContent>
 </p:sld>
 </file>
 
@@ -9907,7 +9870,7 @@
   <p:cSld>
     <p:spTree>
       <p:nvGrpSpPr>
-        <p:cNvPr id="146" name="Shape 146"/>
+        <p:cNvPr id="144" name="Shape 144"/>
         <p:cNvGrpSpPr/>
         <p:nvPr/>
       </p:nvGrpSpPr>
@@ -9921,7 +9884,7 @@
       </p:grpSpPr>
       <p:sp>
         <p:nvSpPr>
-          <p:cNvPr id="147" name="Google Shape;147;p24"/>
+          <p:cNvPr id="145" name="Google Shape;145;p24"/>
           <p:cNvSpPr txBox="1"/>
           <p:nvPr>
             <p:ph type="title"/>
@@ -9953,7 +9916,7 @@
             </a:pPr>
             <a:r>
               <a:rPr lang="en"/>
-              <a:t>Results - System Performance</a:t>
+              <a:t> Data Analysis - User Rating vs Year</a:t>
             </a:r>
             <a:endParaRPr/>
           </a:p>
@@ -9961,200 +9924,7 @@
       </p:sp>
       <p:sp>
         <p:nvSpPr>
-          <p:cNvPr id="148" name="Google Shape;148;p24"/>
-          <p:cNvSpPr txBox="1"/>
-          <p:nvPr>
-            <p:ph idx="1" type="body"/>
-          </p:nvPr>
-        </p:nvSpPr>
-        <p:spPr>
-          <a:xfrm>
-            <a:off x="387900" y="1489824"/>
-            <a:ext cx="8368200" cy="3078900"/>
-          </a:xfrm>
-          <a:prstGeom prst="rect">
-            <a:avLst/>
-          </a:prstGeom>
-        </p:spPr>
-        <p:txBody>
-          <a:bodyPr anchorCtr="0" anchor="t" bIns="91425" lIns="91425" spcFirstLastPara="1" rIns="91425" wrap="square" tIns="91425">
-            <a:normAutofit/>
-          </a:bodyPr>
-          <a:lstStyle/>
-          <a:p>
-            <a:pPr indent="-342900" lvl="0" marL="457200" rtl="0" algn="l">
-              <a:spcBef>
-                <a:spcPts val="0"/>
-              </a:spcBef>
-              <a:spcAft>
-                <a:spcPts val="0"/>
-              </a:spcAft>
-              <a:buSzPts val="1800"/>
-              <a:buFont typeface="Arial"/>
-              <a:buChar char="❏"/>
-            </a:pPr>
-            <a:r>
-              <a:rPr lang="en">
-                <a:latin typeface="Arial"/>
-                <a:ea typeface="Arial"/>
-                <a:cs typeface="Arial"/>
-                <a:sym typeface="Arial"/>
-              </a:rPr>
-              <a:t>  </a:t>
-            </a:r>
-            <a:r>
-              <a:rPr lang="en">
-                <a:latin typeface="Arial"/>
-                <a:ea typeface="Arial"/>
-                <a:cs typeface="Arial"/>
-                <a:sym typeface="Arial"/>
-              </a:rPr>
-              <a:t>Scalability results:</a:t>
-            </a:r>
-            <a:endParaRPr>
-              <a:latin typeface="Arial"/>
-              <a:ea typeface="Arial"/>
-              <a:cs typeface="Arial"/>
-              <a:sym typeface="Arial"/>
-            </a:endParaRPr>
-          </a:p>
-          <a:p>
-            <a:pPr indent="0" lvl="0" marL="457200" rtl="0" algn="l">
-              <a:spcBef>
-                <a:spcPts val="1200"/>
-              </a:spcBef>
-              <a:spcAft>
-                <a:spcPts val="0"/>
-              </a:spcAft>
-              <a:buNone/>
-            </a:pPr>
-            <a:r>
-              <a:rPr lang="en">
-                <a:latin typeface="Arial"/>
-                <a:ea typeface="Arial"/>
-                <a:cs typeface="Arial"/>
-                <a:sym typeface="Arial"/>
-              </a:rPr>
-              <a:t>           Graph showing response time vs. number of nodes</a:t>
-            </a:r>
-            <a:endParaRPr>
-              <a:latin typeface="Arial"/>
-              <a:ea typeface="Arial"/>
-              <a:cs typeface="Arial"/>
-              <a:sym typeface="Arial"/>
-            </a:endParaRPr>
-          </a:p>
-          <a:p>
-            <a:pPr indent="0" lvl="0" marL="457200" rtl="0" algn="l">
-              <a:spcBef>
-                <a:spcPts val="1200"/>
-              </a:spcBef>
-              <a:spcAft>
-                <a:spcPts val="0"/>
-              </a:spcAft>
-              <a:buNone/>
-            </a:pPr>
-            <a:r>
-              <a:rPr lang="en">
-                <a:latin typeface="Arial"/>
-                <a:ea typeface="Arial"/>
-                <a:cs typeface="Arial"/>
-                <a:sym typeface="Arial"/>
-              </a:rPr>
-              <a:t>           Discussion of near-linear scalability</a:t>
-            </a:r>
-            <a:endParaRPr>
-              <a:latin typeface="Arial"/>
-              <a:ea typeface="Arial"/>
-              <a:cs typeface="Arial"/>
-              <a:sym typeface="Arial"/>
-            </a:endParaRPr>
-          </a:p>
-          <a:p>
-            <a:pPr indent="-342900" lvl="0" marL="457200" rtl="0" algn="l">
-              <a:spcBef>
-                <a:spcPts val="1200"/>
-              </a:spcBef>
-              <a:spcAft>
-                <a:spcPts val="0"/>
-              </a:spcAft>
-              <a:buSzPts val="1800"/>
-              <a:buFont typeface="Arial"/>
-              <a:buChar char="❏"/>
-            </a:pPr>
-            <a:r>
-              <a:rPr lang="en">
-                <a:latin typeface="Arial"/>
-                <a:ea typeface="Arial"/>
-                <a:cs typeface="Arial"/>
-                <a:sym typeface="Arial"/>
-              </a:rPr>
-              <a:t>   Fault tolerance findings:</a:t>
-            </a:r>
-            <a:endParaRPr>
-              <a:latin typeface="Arial"/>
-              <a:ea typeface="Arial"/>
-              <a:cs typeface="Arial"/>
-              <a:sym typeface="Arial"/>
-            </a:endParaRPr>
-          </a:p>
-          <a:p>
-            <a:pPr indent="0" lvl="0" marL="457200" rtl="0" algn="l">
-              <a:spcBef>
-                <a:spcPts val="1200"/>
-              </a:spcBef>
-              <a:spcAft>
-                <a:spcPts val="0"/>
-              </a:spcAft>
-              <a:buNone/>
-            </a:pPr>
-            <a:r>
-              <a:rPr lang="en">
-                <a:latin typeface="Arial"/>
-                <a:ea typeface="Arial"/>
-                <a:cs typeface="Arial"/>
-                <a:sym typeface="Arial"/>
-              </a:rPr>
-              <a:t>            System behavior with 20% node failure</a:t>
-            </a:r>
-            <a:endParaRPr>
-              <a:latin typeface="Arial"/>
-              <a:ea typeface="Arial"/>
-              <a:cs typeface="Arial"/>
-              <a:sym typeface="Arial"/>
-            </a:endParaRPr>
-          </a:p>
-          <a:p>
-            <a:pPr indent="0" lvl="0" marL="457200" rtl="0" algn="l">
-              <a:spcBef>
-                <a:spcPts val="1200"/>
-              </a:spcBef>
-              <a:spcAft>
-                <a:spcPts val="1200"/>
-              </a:spcAft>
-              <a:buNone/>
-            </a:pPr>
-            <a:r>
-              <a:rPr lang="en">
-                <a:latin typeface="Arial"/>
-                <a:ea typeface="Arial"/>
-                <a:cs typeface="Arial"/>
-                <a:sym typeface="Arial"/>
-              </a:rPr>
-              <a:t>            Recovery process</a:t>
-            </a:r>
-            <a:endParaRPr>
-              <a:latin typeface="Arial"/>
-              <a:ea typeface="Arial"/>
-              <a:cs typeface="Arial"/>
-              <a:sym typeface="Arial"/>
-            </a:endParaRPr>
-          </a:p>
-        </p:txBody>
-      </p:sp>
-      <p:sp>
-        <p:nvSpPr>
-          <p:cNvPr id="149" name="Google Shape;149;p24"/>
+          <p:cNvPr id="146" name="Google Shape;146;p24"/>
           <p:cNvSpPr txBox="1"/>
           <p:nvPr/>
         </p:nvSpPr>
@@ -10210,6 +9980,34 @@
           </a:p>
         </p:txBody>
       </p:sp>
+      <p:pic>
+        <p:nvPicPr>
+          <p:cNvPr id="147" name="Google Shape;147;p24"/>
+          <p:cNvPicPr preferRelativeResize="0"/>
+          <p:nvPr/>
+        </p:nvPicPr>
+        <p:blipFill>
+          <a:blip r:embed="rId3">
+            <a:alphaModFix/>
+          </a:blip>
+          <a:stretch>
+            <a:fillRect/>
+          </a:stretch>
+        </p:blipFill>
+        <p:spPr>
+          <a:xfrm>
+            <a:off x="1155675" y="1452050"/>
+            <a:ext cx="6832650" cy="3416325"/>
+          </a:xfrm>
+          <a:prstGeom prst="rect">
+            <a:avLst/>
+          </a:prstGeom>
+          <a:noFill/>
+          <a:ln>
+            <a:noFill/>
+          </a:ln>
+        </p:spPr>
+      </p:pic>
     </p:spTree>
   </p:cSld>
   <p:clrMapOvr>
@@ -10218,7 +10016,7 @@
   <mc:AlternateContent>
     <mc:Choice Requires="p14">
       <p:transition spd="med">
-        <p14:gallery dir="l"/>
+        <p14:prism dir="l"/>
       </p:transition>
     </mc:Choice>
     <mc:Fallback>
@@ -10235,7 +10033,7 @@
   <p:cSld>
     <p:spTree>
       <p:nvGrpSpPr>
-        <p:cNvPr id="153" name="Shape 153"/>
+        <p:cNvPr id="151" name="Shape 151"/>
         <p:cNvGrpSpPr/>
         <p:nvPr/>
       </p:nvGrpSpPr>
@@ -10249,7 +10047,7 @@
       </p:grpSpPr>
       <p:sp>
         <p:nvSpPr>
-          <p:cNvPr id="154" name="Google Shape;154;p25"/>
+          <p:cNvPr id="152" name="Google Shape;152;p25"/>
           <p:cNvSpPr txBox="1"/>
           <p:nvPr>
             <p:ph type="title"/>
@@ -10281,7 +10079,7 @@
             </a:pPr>
             <a:r>
               <a:rPr lang="en"/>
-              <a:t>Results - Recommendation Quality</a:t>
+              <a:t> Data Analysis - Top Cast Members</a:t>
             </a:r>
             <a:endParaRPr/>
           </a:p>
@@ -10289,229 +10087,7 @@
       </p:sp>
       <p:sp>
         <p:nvSpPr>
-          <p:cNvPr id="155" name="Google Shape;155;p25"/>
-          <p:cNvSpPr txBox="1"/>
-          <p:nvPr>
-            <p:ph idx="1" type="body"/>
-          </p:nvPr>
-        </p:nvSpPr>
-        <p:spPr>
-          <a:xfrm>
-            <a:off x="387900" y="1489824"/>
-            <a:ext cx="8368200" cy="3078900"/>
-          </a:xfrm>
-          <a:prstGeom prst="rect">
-            <a:avLst/>
-          </a:prstGeom>
-        </p:spPr>
-        <p:txBody>
-          <a:bodyPr anchorCtr="0" anchor="t" bIns="91425" lIns="91425" spcFirstLastPara="1" rIns="91425" wrap="square" tIns="91425">
-            <a:normAutofit lnSpcReduction="20000"/>
-          </a:bodyPr>
-          <a:lstStyle/>
-          <a:p>
-            <a:pPr indent="-342900" lvl="0" marL="457200" rtl="0" algn="l">
-              <a:spcBef>
-                <a:spcPts val="0"/>
-              </a:spcBef>
-              <a:spcAft>
-                <a:spcPts val="0"/>
-              </a:spcAft>
-              <a:buSzPts val="1800"/>
-              <a:buChar char="❏"/>
-            </a:pPr>
-            <a:r>
-              <a:rPr lang="en"/>
-              <a:t> </a:t>
-            </a:r>
-            <a:r>
-              <a:rPr lang="en">
-                <a:latin typeface="Arial"/>
-                <a:ea typeface="Arial"/>
-                <a:cs typeface="Arial"/>
-                <a:sym typeface="Arial"/>
-              </a:rPr>
-              <a:t> </a:t>
-            </a:r>
-            <a:r>
-              <a:rPr lang="en">
-                <a:latin typeface="Arial"/>
-                <a:ea typeface="Arial"/>
-                <a:cs typeface="Arial"/>
-                <a:sym typeface="Arial"/>
-              </a:rPr>
-              <a:t>Accuracy metrics:</a:t>
-            </a:r>
-            <a:endParaRPr>
-              <a:latin typeface="Arial"/>
-              <a:ea typeface="Arial"/>
-              <a:cs typeface="Arial"/>
-              <a:sym typeface="Arial"/>
-            </a:endParaRPr>
-          </a:p>
-          <a:p>
-            <a:pPr indent="0" lvl="0" marL="457200" rtl="0" algn="l">
-              <a:spcBef>
-                <a:spcPts val="1200"/>
-              </a:spcBef>
-              <a:spcAft>
-                <a:spcPts val="0"/>
-              </a:spcAft>
-              <a:buNone/>
-            </a:pPr>
-            <a:r>
-              <a:rPr lang="en">
-                <a:latin typeface="Arial"/>
-                <a:ea typeface="Arial"/>
-                <a:cs typeface="Arial"/>
-                <a:sym typeface="Arial"/>
-              </a:rPr>
-              <a:t>         Precision: 0.82</a:t>
-            </a:r>
-            <a:endParaRPr>
-              <a:latin typeface="Arial"/>
-              <a:ea typeface="Arial"/>
-              <a:cs typeface="Arial"/>
-              <a:sym typeface="Arial"/>
-            </a:endParaRPr>
-          </a:p>
-          <a:p>
-            <a:pPr indent="0" lvl="0" marL="457200" rtl="0" algn="l">
-              <a:spcBef>
-                <a:spcPts val="1200"/>
-              </a:spcBef>
-              <a:spcAft>
-                <a:spcPts val="0"/>
-              </a:spcAft>
-              <a:buNone/>
-            </a:pPr>
-            <a:r>
-              <a:rPr lang="en">
-                <a:latin typeface="Arial"/>
-                <a:ea typeface="Arial"/>
-                <a:cs typeface="Arial"/>
-                <a:sym typeface="Arial"/>
-              </a:rPr>
-              <a:t>         Recall: 0.75</a:t>
-            </a:r>
-            <a:endParaRPr>
-              <a:latin typeface="Arial"/>
-              <a:ea typeface="Arial"/>
-              <a:cs typeface="Arial"/>
-              <a:sym typeface="Arial"/>
-            </a:endParaRPr>
-          </a:p>
-          <a:p>
-            <a:pPr indent="0" lvl="0" marL="457200" rtl="0" algn="l">
-              <a:spcBef>
-                <a:spcPts val="1200"/>
-              </a:spcBef>
-              <a:spcAft>
-                <a:spcPts val="0"/>
-              </a:spcAft>
-              <a:buNone/>
-            </a:pPr>
-            <a:r>
-              <a:rPr lang="en">
-                <a:latin typeface="Arial"/>
-                <a:ea typeface="Arial"/>
-                <a:cs typeface="Arial"/>
-                <a:sym typeface="Arial"/>
-              </a:rPr>
-              <a:t>         NDCG: 0.79</a:t>
-            </a:r>
-            <a:endParaRPr>
-              <a:latin typeface="Arial"/>
-              <a:ea typeface="Arial"/>
-              <a:cs typeface="Arial"/>
-              <a:sym typeface="Arial"/>
-            </a:endParaRPr>
-          </a:p>
-          <a:p>
-            <a:pPr indent="-342900" lvl="0" marL="457200" rtl="0" algn="l">
-              <a:spcBef>
-                <a:spcPts val="1200"/>
-              </a:spcBef>
-              <a:spcAft>
-                <a:spcPts val="0"/>
-              </a:spcAft>
-              <a:buSzPts val="1800"/>
-              <a:buFont typeface="Arial"/>
-              <a:buChar char="❏"/>
-            </a:pPr>
-            <a:r>
-              <a:rPr lang="en">
-                <a:latin typeface="Arial"/>
-                <a:ea typeface="Arial"/>
-                <a:cs typeface="Arial"/>
-                <a:sym typeface="Arial"/>
-              </a:rPr>
-              <a:t>  User study results:</a:t>
-            </a:r>
-            <a:endParaRPr>
-              <a:latin typeface="Arial"/>
-              <a:ea typeface="Arial"/>
-              <a:cs typeface="Arial"/>
-              <a:sym typeface="Arial"/>
-            </a:endParaRPr>
-          </a:p>
-          <a:p>
-            <a:pPr indent="0" lvl="0" marL="457200" rtl="0" algn="l">
-              <a:spcBef>
-                <a:spcPts val="1200"/>
-              </a:spcBef>
-              <a:spcAft>
-                <a:spcPts val="0"/>
-              </a:spcAft>
-              <a:buNone/>
-            </a:pPr>
-            <a:r>
-              <a:rPr lang="en">
-                <a:latin typeface="Arial"/>
-                <a:ea typeface="Arial"/>
-                <a:cs typeface="Arial"/>
-                <a:sym typeface="Arial"/>
-              </a:rPr>
-              <a:t>         85% rated recommendations as "good" or "excellent"</a:t>
-            </a:r>
-            <a:endParaRPr>
-              <a:latin typeface="Arial"/>
-              <a:ea typeface="Arial"/>
-              <a:cs typeface="Arial"/>
-              <a:sym typeface="Arial"/>
-            </a:endParaRPr>
-          </a:p>
-          <a:p>
-            <a:pPr indent="0" lvl="0" marL="457200" rtl="0" algn="l">
-              <a:spcBef>
-                <a:spcPts val="1200"/>
-              </a:spcBef>
-              <a:spcAft>
-                <a:spcPts val="1200"/>
-              </a:spcAft>
-              <a:buNone/>
-            </a:pPr>
-            <a:r>
-              <a:rPr lang="en">
-                <a:latin typeface="Arial"/>
-                <a:ea typeface="Arial"/>
-                <a:cs typeface="Arial"/>
-                <a:sym typeface="Arial"/>
-              </a:rPr>
-              <a:t>         90% found recommendations diverse</a:t>
-            </a:r>
-            <a:endParaRPr>
-              <a:latin typeface="Arial"/>
-              <a:ea typeface="Arial"/>
-              <a:cs typeface="Arial"/>
-              <a:sym typeface="Arial"/>
-            </a:endParaRPr>
-          </a:p>
-        </p:txBody>
-      </p:sp>
-      <p:sp>
-        <p:nvSpPr>
-          <p:cNvPr id="156" name="Google Shape;156;p25"/>
+          <p:cNvPr id="153" name="Google Shape;153;p25"/>
           <p:cNvSpPr txBox="1"/>
           <p:nvPr/>
         </p:nvSpPr>
@@ -10567,6 +10143,34 @@
           </a:p>
         </p:txBody>
       </p:sp>
+      <p:pic>
+        <p:nvPicPr>
+          <p:cNvPr id="154" name="Google Shape;154;p25"/>
+          <p:cNvPicPr preferRelativeResize="0"/>
+          <p:nvPr/>
+        </p:nvPicPr>
+        <p:blipFill>
+          <a:blip r:embed="rId3">
+            <a:alphaModFix/>
+          </a:blip>
+          <a:stretch>
+            <a:fillRect/>
+          </a:stretch>
+        </p:blipFill>
+        <p:spPr>
+          <a:xfrm>
+            <a:off x="1265050" y="1441825"/>
+            <a:ext cx="6696474" cy="3364225"/>
+          </a:xfrm>
+          <a:prstGeom prst="rect">
+            <a:avLst/>
+          </a:prstGeom>
+          <a:noFill/>
+          <a:ln>
+            <a:noFill/>
+          </a:ln>
+        </p:spPr>
+      </p:pic>
     </p:spTree>
   </p:cSld>
   <p:clrMapOvr>
@@ -10592,7 +10196,7 @@
   <p:cSld>
     <p:spTree>
       <p:nvGrpSpPr>
-        <p:cNvPr id="160" name="Shape 160"/>
+        <p:cNvPr id="158" name="Shape 158"/>
         <p:cNvGrpSpPr/>
         <p:nvPr/>
       </p:nvGrpSpPr>
@@ -10606,7 +10210,7 @@
       </p:grpSpPr>
       <p:sp>
         <p:nvSpPr>
-          <p:cNvPr id="161" name="Google Shape;161;p26"/>
+          <p:cNvPr id="159" name="Google Shape;159;p26"/>
           <p:cNvSpPr txBox="1"/>
           <p:nvPr>
             <p:ph type="title"/>
@@ -10638,7 +10242,7 @@
             </a:pPr>
             <a:r>
               <a:rPr lang="en"/>
-              <a:t> Data Analysis - Genre and Cast</a:t>
+              <a:t>Recommendation Algorithms</a:t>
             </a:r>
             <a:endParaRPr/>
           </a:p>
@@ -10646,7 +10250,7 @@
       </p:sp>
       <p:sp>
         <p:nvSpPr>
-          <p:cNvPr id="162" name="Google Shape;162;p26"/>
+          <p:cNvPr id="160" name="Google Shape;160;p26"/>
           <p:cNvSpPr txBox="1"/>
           <p:nvPr>
             <p:ph idx="1" type="body"/>
@@ -10654,8 +10258,8 @@
         </p:nvSpPr>
         <p:spPr>
           <a:xfrm>
-            <a:off x="387900" y="1665900"/>
-            <a:ext cx="8368200" cy="2385300"/>
+            <a:off x="387900" y="1489824"/>
+            <a:ext cx="8368200" cy="3078900"/>
           </a:xfrm>
           <a:prstGeom prst="rect">
             <a:avLst/>
@@ -10668,6 +10272,9 @@
           <a:lstStyle/>
           <a:p>
             <a:pPr indent="-342900" lvl="0" marL="457200" rtl="0" algn="l">
+              <a:lnSpc>
+                <a:spcPct val="150000"/>
+              </a:lnSpc>
               <a:spcBef>
                 <a:spcPts val="0"/>
               </a:spcBef>
@@ -10685,7 +10292,7 @@
                 <a:cs typeface="Arial"/>
                 <a:sym typeface="Arial"/>
               </a:rPr>
-              <a:t>    Genre distribution visualization</a:t>
+              <a:t>   Content-based approach explanation</a:t>
             </a:r>
             <a:endParaRPr>
               <a:latin typeface="Arial"/>
@@ -10696,6 +10303,9 @@
           </a:p>
           <a:p>
             <a:pPr indent="-342900" lvl="0" marL="457200" rtl="0" algn="l">
+              <a:lnSpc>
+                <a:spcPct val="150000"/>
+              </a:lnSpc>
               <a:spcBef>
                 <a:spcPts val="0"/>
               </a:spcBef>
@@ -10713,7 +10323,25 @@
                 <a:cs typeface="Arial"/>
                 <a:sym typeface="Arial"/>
               </a:rPr>
-              <a:t>    Insights on most prevalent genres</a:t>
+              <a:t>   Text vectorization using </a:t>
+            </a:r>
+            <a:r>
+              <a:rPr lang="en">
+                <a:latin typeface="Arial"/>
+                <a:ea typeface="Arial"/>
+                <a:cs typeface="Arial"/>
+                <a:sym typeface="Arial"/>
+              </a:rPr>
+              <a:t>sklearn</a:t>
+            </a:r>
+            <a:r>
+              <a:rPr lang="en">
+                <a:latin typeface="Arial"/>
+                <a:ea typeface="Arial"/>
+                <a:cs typeface="Arial"/>
+                <a:sym typeface="Arial"/>
+              </a:rPr>
+              <a:t> CountVectorizer</a:t>
             </a:r>
             <a:endParaRPr>
               <a:latin typeface="Arial"/>
@@ -10724,6 +10352,9 @@
           </a:p>
           <a:p>
             <a:pPr indent="-342900" lvl="0" marL="457200" rtl="0" algn="l">
+              <a:lnSpc>
+                <a:spcPct val="150000"/>
+              </a:lnSpc>
               <a:spcBef>
                 <a:spcPts val="0"/>
               </a:spcBef>
@@ -10741,7 +10372,7 @@
                 <a:cs typeface="Arial"/>
                 <a:sym typeface="Arial"/>
               </a:rPr>
-              <a:t>    Top 10 cast members analysis</a:t>
+              <a:t>   Cosine similarity calculation</a:t>
             </a:r>
             <a:endParaRPr>
               <a:latin typeface="Arial"/>
@@ -10752,6 +10383,9 @@
           </a:p>
           <a:p>
             <a:pPr indent="-342900" lvl="0" marL="457200" rtl="0" algn="l">
+              <a:lnSpc>
+                <a:spcPct val="150000"/>
+              </a:lnSpc>
               <a:spcBef>
                 <a:spcPts val="0"/>
               </a:spcBef>
@@ -10769,7 +10403,7 @@
                 <a:cs typeface="Arial"/>
                 <a:sym typeface="Arial"/>
               </a:rPr>
-              <a:t>    Implications for recommendation diversity</a:t>
+              <a:t>   Top 5 recommendation generation process</a:t>
             </a:r>
             <a:endParaRPr>
               <a:latin typeface="Arial"/>
@@ -10778,11 +10412,42 @@
               <a:sym typeface="Arial"/>
             </a:endParaRPr>
           </a:p>
+          <a:p>
+            <a:pPr indent="-342900" lvl="0" marL="457200" rtl="0" algn="l">
+              <a:lnSpc>
+                <a:spcPct val="150000"/>
+              </a:lnSpc>
+              <a:spcBef>
+                <a:spcPts val="0"/>
+              </a:spcBef>
+              <a:spcAft>
+                <a:spcPts val="0"/>
+              </a:spcAft>
+              <a:buSzPts val="1800"/>
+              <a:buFont typeface="Arial"/>
+              <a:buChar char="❏"/>
+            </a:pPr>
+            <a:r>
+              <a:rPr lang="en">
+                <a:latin typeface="Arial"/>
+                <a:ea typeface="Arial"/>
+                <a:cs typeface="Arial"/>
+                <a:sym typeface="Arial"/>
+              </a:rPr>
+              <a:t>   Advantages of this approach in a decentralized context</a:t>
+            </a:r>
+            <a:endParaRPr>
+              <a:latin typeface="Arial"/>
+              <a:ea typeface="Arial"/>
+              <a:cs typeface="Arial"/>
+              <a:sym typeface="Arial"/>
+            </a:endParaRPr>
+          </a:p>
         </p:txBody>
       </p:sp>
       <p:sp>
         <p:nvSpPr>
-          <p:cNvPr id="163" name="Google Shape;163;p26"/>
+          <p:cNvPr id="161" name="Google Shape;161;p26"/>
           <p:cNvSpPr txBox="1"/>
           <p:nvPr/>
         </p:nvSpPr>
@@ -10825,6 +10490,1073 @@
                 <a:sym typeface="Roboto Slab"/>
               </a:rPr>
               <a:t>12</a:t>
+            </a:r>
+            <a:endParaRPr b="1">
+              <a:solidFill>
+                <a:schemeClr val="dk1"/>
+              </a:solidFill>
+              <a:latin typeface="Roboto Slab"/>
+              <a:ea typeface="Roboto Slab"/>
+              <a:cs typeface="Roboto Slab"/>
+              <a:sym typeface="Roboto Slab"/>
+            </a:endParaRPr>
+          </a:p>
+        </p:txBody>
+      </p:sp>
+    </p:spTree>
+  </p:cSld>
+  <p:clrMapOvr>
+    <a:masterClrMapping/>
+  </p:clrMapOvr>
+  <p:transition spd="med">
+    <p:push/>
+  </p:transition>
+</p:sld>
+</file>
+
+<file path=ppt/slides/slide14.xml><?xml version="1.0" encoding="utf-8"?>
+<p:sld xmlns:a="http://schemas.openxmlformats.org/drawingml/2006/main" xmlns:r="http://schemas.openxmlformats.org/officeDocument/2006/relationships" xmlns:mc="http://schemas.openxmlformats.org/markup-compatibility/2006" xmlns:mv="urn:schemas-microsoft-com:mac:vml" xmlns:p="http://schemas.openxmlformats.org/presentationml/2006/main" xmlns:c="http://schemas.openxmlformats.org/drawingml/2006/chart" xmlns:dgm="http://schemas.openxmlformats.org/drawingml/2006/diagram" xmlns:o="urn:schemas-microsoft-com:office:office" xmlns:v="urn:schemas-microsoft-com:vml" xmlns:pvml="urn:schemas-microsoft-com:office:powerpoint" xmlns:com="http://schemas.openxmlformats.org/drawingml/2006/compatibility" xmlns:p14="http://schemas.microsoft.com/office/powerpoint/2010/main" xmlns:p15="http://schemas.microsoft.com/office/powerpoint/2012/main" xmlns:ahyp="http://schemas.microsoft.com/office/drawing/2018/hyperlinkcolor">
+  <p:cSld>
+    <p:spTree>
+      <p:nvGrpSpPr>
+        <p:cNvPr id="165" name="Shape 165"/>
+        <p:cNvGrpSpPr/>
+        <p:nvPr/>
+      </p:nvGrpSpPr>
+      <p:grpSpPr>
+        <a:xfrm>
+          <a:off x="0" y="0"/>
+          <a:ext cx="0" cy="0"/>
+          <a:chOff x="0" y="0"/>
+          <a:chExt cx="0" cy="0"/>
+        </a:xfrm>
+      </p:grpSpPr>
+      <p:sp>
+        <p:nvSpPr>
+          <p:cNvPr id="166" name="Google Shape;166;p27"/>
+          <p:cNvSpPr txBox="1"/>
+          <p:nvPr>
+            <p:ph type="title"/>
+          </p:nvPr>
+        </p:nvSpPr>
+        <p:spPr>
+          <a:xfrm>
+            <a:off x="387900" y="458025"/>
+            <a:ext cx="8368200" cy="686100"/>
+          </a:xfrm>
+          <a:prstGeom prst="rect">
+            <a:avLst/>
+          </a:prstGeom>
+        </p:spPr>
+        <p:txBody>
+          <a:bodyPr anchorCtr="0" anchor="b" bIns="91425" lIns="91425" spcFirstLastPara="1" rIns="91425" wrap="square" tIns="91425">
+            <a:normAutofit/>
+          </a:bodyPr>
+          <a:lstStyle/>
+          <a:p>
+            <a:pPr indent="0" lvl="0" marL="0" rtl="0" algn="l">
+              <a:spcBef>
+                <a:spcPts val="0"/>
+              </a:spcBef>
+              <a:spcAft>
+                <a:spcPts val="0"/>
+              </a:spcAft>
+              <a:buNone/>
+            </a:pPr>
+            <a:r>
+              <a:rPr lang="en"/>
+              <a:t>Decentralization Implementation</a:t>
+            </a:r>
+            <a:endParaRPr/>
+          </a:p>
+        </p:txBody>
+      </p:sp>
+      <p:sp>
+        <p:nvSpPr>
+          <p:cNvPr id="167" name="Google Shape;167;p27"/>
+          <p:cNvSpPr txBox="1"/>
+          <p:nvPr>
+            <p:ph idx="1" type="body"/>
+          </p:nvPr>
+        </p:nvSpPr>
+        <p:spPr>
+          <a:xfrm>
+            <a:off x="387900" y="1489824"/>
+            <a:ext cx="8368200" cy="3078900"/>
+          </a:xfrm>
+          <a:prstGeom prst="rect">
+            <a:avLst/>
+          </a:prstGeom>
+        </p:spPr>
+        <p:txBody>
+          <a:bodyPr anchorCtr="0" anchor="t" bIns="91425" lIns="91425" spcFirstLastPara="1" rIns="91425" wrap="square" tIns="91425">
+            <a:normAutofit/>
+          </a:bodyPr>
+          <a:lstStyle/>
+          <a:p>
+            <a:pPr indent="-342900" lvl="0" marL="457200" rtl="0" algn="l">
+              <a:spcBef>
+                <a:spcPts val="0"/>
+              </a:spcBef>
+              <a:spcAft>
+                <a:spcPts val="0"/>
+              </a:spcAft>
+              <a:buSzPts val="1800"/>
+              <a:buFont typeface="Arial"/>
+              <a:buChar char="❏"/>
+            </a:pPr>
+            <a:r>
+              <a:rPr lang="en">
+                <a:latin typeface="Arial"/>
+                <a:ea typeface="Arial"/>
+                <a:cs typeface="Arial"/>
+                <a:sym typeface="Arial"/>
+              </a:rPr>
+              <a:t>   </a:t>
+            </a:r>
+            <a:r>
+              <a:rPr lang="en">
+                <a:latin typeface="Arial"/>
+                <a:ea typeface="Arial"/>
+                <a:cs typeface="Arial"/>
+                <a:sym typeface="Arial"/>
+              </a:rPr>
+              <a:t>Local data storage on each node</a:t>
+            </a:r>
+            <a:endParaRPr>
+              <a:latin typeface="Arial"/>
+              <a:ea typeface="Arial"/>
+              <a:cs typeface="Arial"/>
+              <a:sym typeface="Arial"/>
+            </a:endParaRPr>
+          </a:p>
+          <a:p>
+            <a:pPr indent="-342900" lvl="0" marL="457200" rtl="0" algn="l">
+              <a:spcBef>
+                <a:spcPts val="0"/>
+              </a:spcBef>
+              <a:spcAft>
+                <a:spcPts val="0"/>
+              </a:spcAft>
+              <a:buSzPts val="1800"/>
+              <a:buFont typeface="Arial"/>
+              <a:buChar char="❏"/>
+            </a:pPr>
+            <a:r>
+              <a:rPr lang="en">
+                <a:latin typeface="Arial"/>
+                <a:ea typeface="Arial"/>
+                <a:cs typeface="Arial"/>
+                <a:sym typeface="Arial"/>
+              </a:rPr>
+              <a:t>   Independent recommendation generation</a:t>
+            </a:r>
+            <a:endParaRPr>
+              <a:latin typeface="Arial"/>
+              <a:ea typeface="Arial"/>
+              <a:cs typeface="Arial"/>
+              <a:sym typeface="Arial"/>
+            </a:endParaRPr>
+          </a:p>
+          <a:p>
+            <a:pPr indent="-342900" lvl="0" marL="457200" rtl="0" algn="l">
+              <a:spcBef>
+                <a:spcPts val="0"/>
+              </a:spcBef>
+              <a:spcAft>
+                <a:spcPts val="0"/>
+              </a:spcAft>
+              <a:buSzPts val="1800"/>
+              <a:buFont typeface="Arial"/>
+              <a:buChar char="❏"/>
+            </a:pPr>
+            <a:r>
+              <a:rPr lang="en">
+                <a:latin typeface="Arial"/>
+                <a:ea typeface="Arial"/>
+                <a:cs typeface="Arial"/>
+                <a:sym typeface="Arial"/>
+              </a:rPr>
+              <a:t>   Periodic updates mechanism</a:t>
+            </a:r>
+            <a:endParaRPr>
+              <a:latin typeface="Arial"/>
+              <a:ea typeface="Arial"/>
+              <a:cs typeface="Arial"/>
+              <a:sym typeface="Arial"/>
+            </a:endParaRPr>
+          </a:p>
+          <a:p>
+            <a:pPr indent="-342900" lvl="0" marL="457200" rtl="0" algn="l">
+              <a:spcBef>
+                <a:spcPts val="0"/>
+              </a:spcBef>
+              <a:spcAft>
+                <a:spcPts val="0"/>
+              </a:spcAft>
+              <a:buSzPts val="1800"/>
+              <a:buFont typeface="Arial"/>
+              <a:buChar char="❏"/>
+            </a:pPr>
+            <a:r>
+              <a:rPr lang="en">
+                <a:latin typeface="Arial"/>
+                <a:ea typeface="Arial"/>
+                <a:cs typeface="Arial"/>
+                <a:sym typeface="Arial"/>
+              </a:rPr>
+              <a:t>   Node discovery using UDP broadcasts</a:t>
+            </a:r>
+            <a:endParaRPr>
+              <a:latin typeface="Arial"/>
+              <a:ea typeface="Arial"/>
+              <a:cs typeface="Arial"/>
+              <a:sym typeface="Arial"/>
+            </a:endParaRPr>
+          </a:p>
+          <a:p>
+            <a:pPr indent="-342900" lvl="0" marL="457200" rtl="0" algn="l">
+              <a:spcBef>
+                <a:spcPts val="0"/>
+              </a:spcBef>
+              <a:spcAft>
+                <a:spcPts val="0"/>
+              </a:spcAft>
+              <a:buSzPts val="1800"/>
+              <a:buFont typeface="Arial"/>
+              <a:buChar char="❏"/>
+            </a:pPr>
+            <a:r>
+              <a:rPr lang="en">
+                <a:latin typeface="Arial"/>
+                <a:ea typeface="Arial"/>
+                <a:cs typeface="Arial"/>
+                <a:sym typeface="Arial"/>
+              </a:rPr>
+              <a:t>   Challenges addressed in decentralization</a:t>
+            </a:r>
+            <a:endParaRPr>
+              <a:latin typeface="Arial"/>
+              <a:ea typeface="Arial"/>
+              <a:cs typeface="Arial"/>
+              <a:sym typeface="Arial"/>
+            </a:endParaRPr>
+          </a:p>
+        </p:txBody>
+      </p:sp>
+      <p:sp>
+        <p:nvSpPr>
+          <p:cNvPr id="168" name="Google Shape;168;p27"/>
+          <p:cNvSpPr txBox="1"/>
+          <p:nvPr/>
+        </p:nvSpPr>
+        <p:spPr>
+          <a:xfrm>
+            <a:off x="8276725" y="235625"/>
+            <a:ext cx="541500" cy="326400"/>
+          </a:xfrm>
+          <a:prstGeom prst="rect">
+            <a:avLst/>
+          </a:prstGeom>
+          <a:noFill/>
+          <a:ln>
+            <a:noFill/>
+          </a:ln>
+        </p:spPr>
+        <p:txBody>
+          <a:bodyPr anchorCtr="0" anchor="t" bIns="91425" lIns="91425" spcFirstLastPara="1" rIns="91425" wrap="square" tIns="91425">
+            <a:noAutofit/>
+          </a:bodyPr>
+          <a:lstStyle/>
+          <a:p>
+            <a:pPr indent="0" lvl="0" marL="0" rtl="0" algn="ctr">
+              <a:spcBef>
+                <a:spcPts val="0"/>
+              </a:spcBef>
+              <a:spcAft>
+                <a:spcPts val="0"/>
+              </a:spcAft>
+              <a:buNone/>
+            </a:pPr>
+            <a:r>
+              <a:rPr b="1" lang="en">
+                <a:solidFill>
+                  <a:schemeClr val="dk1"/>
+                </a:solidFill>
+                <a:latin typeface="Roboto Slab"/>
+                <a:ea typeface="Roboto Slab"/>
+                <a:cs typeface="Roboto Slab"/>
+                <a:sym typeface="Roboto Slab"/>
+              </a:rPr>
+              <a:t>13</a:t>
+            </a:r>
+            <a:endParaRPr b="1">
+              <a:solidFill>
+                <a:schemeClr val="dk1"/>
+              </a:solidFill>
+              <a:latin typeface="Roboto Slab"/>
+              <a:ea typeface="Roboto Slab"/>
+              <a:cs typeface="Roboto Slab"/>
+              <a:sym typeface="Roboto Slab"/>
+            </a:endParaRPr>
+          </a:p>
+        </p:txBody>
+      </p:sp>
+    </p:spTree>
+  </p:cSld>
+  <p:clrMapOvr>
+    <a:masterClrMapping/>
+  </p:clrMapOvr>
+  <p:transition spd="med">
+    <p:push/>
+  </p:transition>
+</p:sld>
+</file>
+
+<file path=ppt/slides/slide15.xml><?xml version="1.0" encoding="utf-8"?>
+<p:sld xmlns:a="http://schemas.openxmlformats.org/drawingml/2006/main" xmlns:r="http://schemas.openxmlformats.org/officeDocument/2006/relationships" xmlns:mc="http://schemas.openxmlformats.org/markup-compatibility/2006" xmlns:mv="urn:schemas-microsoft-com:mac:vml" xmlns:p="http://schemas.openxmlformats.org/presentationml/2006/main" xmlns:c="http://schemas.openxmlformats.org/drawingml/2006/chart" xmlns:dgm="http://schemas.openxmlformats.org/drawingml/2006/diagram" xmlns:o="urn:schemas-microsoft-com:office:office" xmlns:v="urn:schemas-microsoft-com:vml" xmlns:pvml="urn:schemas-microsoft-com:office:powerpoint" xmlns:com="http://schemas.openxmlformats.org/drawingml/2006/compatibility" xmlns:p14="http://schemas.microsoft.com/office/powerpoint/2010/main" xmlns:p15="http://schemas.microsoft.com/office/powerpoint/2012/main" xmlns:ahyp="http://schemas.microsoft.com/office/drawing/2018/hyperlinkcolor">
+  <p:cSld>
+    <p:spTree>
+      <p:nvGrpSpPr>
+        <p:cNvPr id="172" name="Shape 172"/>
+        <p:cNvGrpSpPr/>
+        <p:nvPr/>
+      </p:nvGrpSpPr>
+      <p:grpSpPr>
+        <a:xfrm>
+          <a:off x="0" y="0"/>
+          <a:ext cx="0" cy="0"/>
+          <a:chOff x="0" y="0"/>
+          <a:chExt cx="0" cy="0"/>
+        </a:xfrm>
+      </p:grpSpPr>
+      <p:sp>
+        <p:nvSpPr>
+          <p:cNvPr id="173" name="Google Shape;173;p28"/>
+          <p:cNvSpPr txBox="1"/>
+          <p:nvPr>
+            <p:ph type="title"/>
+          </p:nvPr>
+        </p:nvSpPr>
+        <p:spPr>
+          <a:xfrm>
+            <a:off x="387900" y="458025"/>
+            <a:ext cx="8368200" cy="686100"/>
+          </a:xfrm>
+          <a:prstGeom prst="rect">
+            <a:avLst/>
+          </a:prstGeom>
+        </p:spPr>
+        <p:txBody>
+          <a:bodyPr anchorCtr="0" anchor="b" bIns="91425" lIns="91425" spcFirstLastPara="1" rIns="91425" wrap="square" tIns="91425">
+            <a:normAutofit/>
+          </a:bodyPr>
+          <a:lstStyle/>
+          <a:p>
+            <a:pPr indent="0" lvl="0" marL="0" rtl="0" algn="l">
+              <a:spcBef>
+                <a:spcPts val="0"/>
+              </a:spcBef>
+              <a:spcAft>
+                <a:spcPts val="0"/>
+              </a:spcAft>
+              <a:buNone/>
+            </a:pPr>
+            <a:r>
+              <a:rPr lang="en"/>
+              <a:t>Ethical Considerations and FAIR Principles</a:t>
+            </a:r>
+            <a:endParaRPr/>
+          </a:p>
+        </p:txBody>
+      </p:sp>
+      <p:sp>
+        <p:nvSpPr>
+          <p:cNvPr id="174" name="Google Shape;174;p28"/>
+          <p:cNvSpPr txBox="1"/>
+          <p:nvPr>
+            <p:ph idx="1" type="body"/>
+          </p:nvPr>
+        </p:nvSpPr>
+        <p:spPr>
+          <a:xfrm>
+            <a:off x="450025" y="1489800"/>
+            <a:ext cx="8368200" cy="1725900"/>
+          </a:xfrm>
+          <a:prstGeom prst="rect">
+            <a:avLst/>
+          </a:prstGeom>
+        </p:spPr>
+        <p:txBody>
+          <a:bodyPr anchorCtr="0" anchor="t" bIns="91425" lIns="91425" spcFirstLastPara="1" rIns="91425" wrap="square" tIns="91425">
+            <a:noAutofit/>
+          </a:bodyPr>
+          <a:lstStyle/>
+          <a:p>
+            <a:pPr indent="-344805" lvl="0" marL="457200" rtl="0" algn="l">
+              <a:lnSpc>
+                <a:spcPct val="95000"/>
+              </a:lnSpc>
+              <a:spcBef>
+                <a:spcPts val="0"/>
+              </a:spcBef>
+              <a:spcAft>
+                <a:spcPts val="0"/>
+              </a:spcAft>
+              <a:buSzPts val="1830"/>
+              <a:buFont typeface="Arial"/>
+              <a:buChar char="❏"/>
+            </a:pPr>
+            <a:r>
+              <a:rPr lang="en" sz="1829">
+                <a:latin typeface="Arial"/>
+                <a:ea typeface="Arial"/>
+                <a:cs typeface="Arial"/>
+                <a:sym typeface="Arial"/>
+              </a:rPr>
+              <a:t>   </a:t>
+            </a:r>
+            <a:r>
+              <a:rPr lang="en" sz="1829">
+                <a:latin typeface="Arial"/>
+                <a:ea typeface="Arial"/>
+                <a:cs typeface="Arial"/>
+                <a:sym typeface="Arial"/>
+              </a:rPr>
+              <a:t>Privacy preservation methods</a:t>
+            </a:r>
+            <a:endParaRPr sz="1829">
+              <a:latin typeface="Arial"/>
+              <a:ea typeface="Arial"/>
+              <a:cs typeface="Arial"/>
+              <a:sym typeface="Arial"/>
+            </a:endParaRPr>
+          </a:p>
+          <a:p>
+            <a:pPr indent="-344805" lvl="0" marL="457200" rtl="0" algn="l">
+              <a:lnSpc>
+                <a:spcPct val="95000"/>
+              </a:lnSpc>
+              <a:spcBef>
+                <a:spcPts val="0"/>
+              </a:spcBef>
+              <a:spcAft>
+                <a:spcPts val="0"/>
+              </a:spcAft>
+              <a:buSzPts val="1830"/>
+              <a:buFont typeface="Arial"/>
+              <a:buChar char="❏"/>
+            </a:pPr>
+            <a:r>
+              <a:rPr lang="en" sz="1829">
+                <a:latin typeface="Arial"/>
+                <a:ea typeface="Arial"/>
+                <a:cs typeface="Arial"/>
+                <a:sym typeface="Arial"/>
+              </a:rPr>
+              <a:t>   Transparency in recommendation process</a:t>
+            </a:r>
+            <a:endParaRPr sz="1829">
+              <a:latin typeface="Arial"/>
+              <a:ea typeface="Arial"/>
+              <a:cs typeface="Arial"/>
+              <a:sym typeface="Arial"/>
+            </a:endParaRPr>
+          </a:p>
+          <a:p>
+            <a:pPr indent="-344805" lvl="0" marL="457200" rtl="0" algn="l">
+              <a:lnSpc>
+                <a:spcPct val="95000"/>
+              </a:lnSpc>
+              <a:spcBef>
+                <a:spcPts val="0"/>
+              </a:spcBef>
+              <a:spcAft>
+                <a:spcPts val="0"/>
+              </a:spcAft>
+              <a:buSzPts val="1830"/>
+              <a:buFont typeface="Arial"/>
+              <a:buChar char="❏"/>
+            </a:pPr>
+            <a:r>
+              <a:rPr lang="en" sz="1829">
+                <a:latin typeface="Arial"/>
+                <a:ea typeface="Arial"/>
+                <a:cs typeface="Arial"/>
+                <a:sym typeface="Arial"/>
+              </a:rPr>
+              <a:t>    Fairness in content suggestions</a:t>
+            </a:r>
+            <a:endParaRPr sz="1829">
+              <a:latin typeface="Arial"/>
+              <a:ea typeface="Arial"/>
+              <a:cs typeface="Arial"/>
+              <a:sym typeface="Arial"/>
+            </a:endParaRPr>
+          </a:p>
+          <a:p>
+            <a:pPr indent="-344805" lvl="0" marL="457200" rtl="0" algn="l">
+              <a:lnSpc>
+                <a:spcPct val="95000"/>
+              </a:lnSpc>
+              <a:spcBef>
+                <a:spcPts val="0"/>
+              </a:spcBef>
+              <a:spcAft>
+                <a:spcPts val="0"/>
+              </a:spcAft>
+              <a:buSzPts val="1830"/>
+              <a:buFont typeface="Arial"/>
+              <a:buChar char="❏"/>
+            </a:pPr>
+            <a:r>
+              <a:rPr lang="en" sz="1829">
+                <a:latin typeface="Arial"/>
+                <a:ea typeface="Arial"/>
+                <a:cs typeface="Arial"/>
+                <a:sym typeface="Arial"/>
+              </a:rPr>
+              <a:t>    FAIR data principles implementation:</a:t>
+            </a:r>
+            <a:endParaRPr sz="1829">
+              <a:latin typeface="Arial"/>
+              <a:ea typeface="Arial"/>
+              <a:cs typeface="Arial"/>
+              <a:sym typeface="Arial"/>
+            </a:endParaRPr>
+          </a:p>
+          <a:p>
+            <a:pPr indent="0" lvl="0" marL="0" rtl="0" algn="l">
+              <a:lnSpc>
+                <a:spcPct val="95000"/>
+              </a:lnSpc>
+              <a:spcBef>
+                <a:spcPts val="1200"/>
+              </a:spcBef>
+              <a:spcAft>
+                <a:spcPts val="1200"/>
+              </a:spcAft>
+              <a:buSzPts val="935"/>
+              <a:buNone/>
+            </a:pPr>
+            <a:r>
+              <a:rPr lang="en" sz="1629"/>
+              <a:t>     </a:t>
+            </a:r>
+            <a:endParaRPr sz="1629"/>
+          </a:p>
+        </p:txBody>
+      </p:sp>
+      <p:sp>
+        <p:nvSpPr>
+          <p:cNvPr id="175" name="Google Shape;175;p28"/>
+          <p:cNvSpPr txBox="1"/>
+          <p:nvPr/>
+        </p:nvSpPr>
+        <p:spPr>
+          <a:xfrm>
+            <a:off x="8276725" y="235625"/>
+            <a:ext cx="541500" cy="326400"/>
+          </a:xfrm>
+          <a:prstGeom prst="rect">
+            <a:avLst/>
+          </a:prstGeom>
+          <a:noFill/>
+          <a:ln>
+            <a:noFill/>
+          </a:ln>
+        </p:spPr>
+        <p:txBody>
+          <a:bodyPr anchorCtr="0" anchor="t" bIns="91425" lIns="91425" spcFirstLastPara="1" rIns="91425" wrap="square" tIns="91425">
+            <a:noAutofit/>
+          </a:bodyPr>
+          <a:lstStyle/>
+          <a:p>
+            <a:pPr indent="0" lvl="0" marL="0" rtl="0" algn="ctr">
+              <a:spcBef>
+                <a:spcPts val="0"/>
+              </a:spcBef>
+              <a:spcAft>
+                <a:spcPts val="0"/>
+              </a:spcAft>
+              <a:buNone/>
+            </a:pPr>
+            <a:r>
+              <a:rPr b="1" lang="en">
+                <a:solidFill>
+                  <a:schemeClr val="dk1"/>
+                </a:solidFill>
+                <a:latin typeface="Roboto Slab"/>
+                <a:ea typeface="Roboto Slab"/>
+                <a:cs typeface="Roboto Slab"/>
+                <a:sym typeface="Roboto Slab"/>
+              </a:rPr>
+              <a:t>14</a:t>
+            </a:r>
+            <a:endParaRPr b="1">
+              <a:solidFill>
+                <a:schemeClr val="dk1"/>
+              </a:solidFill>
+              <a:latin typeface="Roboto Slab"/>
+              <a:ea typeface="Roboto Slab"/>
+              <a:cs typeface="Roboto Slab"/>
+              <a:sym typeface="Roboto Slab"/>
+            </a:endParaRPr>
+          </a:p>
+        </p:txBody>
+      </p:sp>
+      <p:sp>
+        <p:nvSpPr>
+          <p:cNvPr id="176" name="Google Shape;176;p28"/>
+          <p:cNvSpPr txBox="1"/>
+          <p:nvPr/>
+        </p:nvSpPr>
+        <p:spPr>
+          <a:xfrm>
+            <a:off x="1598125" y="2738050"/>
+            <a:ext cx="3554700" cy="1196700"/>
+          </a:xfrm>
+          <a:prstGeom prst="rect">
+            <a:avLst/>
+          </a:prstGeom>
+          <a:noFill/>
+          <a:ln>
+            <a:noFill/>
+          </a:ln>
+        </p:spPr>
+        <p:txBody>
+          <a:bodyPr anchorCtr="0" anchor="t" bIns="91425" lIns="91425" spcFirstLastPara="1" rIns="91425" wrap="square" tIns="91425">
+            <a:spAutoFit/>
+          </a:bodyPr>
+          <a:lstStyle/>
+          <a:p>
+            <a:pPr indent="-338455" lvl="0" marL="457200" rtl="0" algn="l">
+              <a:lnSpc>
+                <a:spcPct val="95000"/>
+              </a:lnSpc>
+              <a:spcBef>
+                <a:spcPts val="0"/>
+              </a:spcBef>
+              <a:spcAft>
+                <a:spcPts val="0"/>
+              </a:spcAft>
+              <a:buClr>
+                <a:schemeClr val="dk1"/>
+              </a:buClr>
+              <a:buSzPts val="1730"/>
+              <a:buChar char="●"/>
+            </a:pPr>
+            <a:r>
+              <a:rPr lang="en" sz="1729">
+                <a:solidFill>
+                  <a:schemeClr val="dk1"/>
+                </a:solidFill>
+              </a:rPr>
+              <a:t>Findable</a:t>
+            </a:r>
+            <a:endParaRPr sz="1729">
+              <a:solidFill>
+                <a:schemeClr val="dk1"/>
+              </a:solidFill>
+            </a:endParaRPr>
+          </a:p>
+          <a:p>
+            <a:pPr indent="-338455" lvl="0" marL="457200" rtl="0" algn="l">
+              <a:lnSpc>
+                <a:spcPct val="95000"/>
+              </a:lnSpc>
+              <a:spcBef>
+                <a:spcPts val="0"/>
+              </a:spcBef>
+              <a:spcAft>
+                <a:spcPts val="0"/>
+              </a:spcAft>
+              <a:buClr>
+                <a:schemeClr val="dk1"/>
+              </a:buClr>
+              <a:buSzPts val="1730"/>
+              <a:buChar char="●"/>
+            </a:pPr>
+            <a:r>
+              <a:rPr lang="en" sz="1729">
+                <a:solidFill>
+                  <a:schemeClr val="dk1"/>
+                </a:solidFill>
+              </a:rPr>
+              <a:t>Accessible</a:t>
+            </a:r>
+            <a:endParaRPr sz="1729">
+              <a:solidFill>
+                <a:schemeClr val="dk1"/>
+              </a:solidFill>
+            </a:endParaRPr>
+          </a:p>
+          <a:p>
+            <a:pPr indent="-338455" lvl="0" marL="457200" rtl="0" algn="l">
+              <a:lnSpc>
+                <a:spcPct val="95000"/>
+              </a:lnSpc>
+              <a:spcBef>
+                <a:spcPts val="0"/>
+              </a:spcBef>
+              <a:spcAft>
+                <a:spcPts val="0"/>
+              </a:spcAft>
+              <a:buClr>
+                <a:schemeClr val="dk1"/>
+              </a:buClr>
+              <a:buSzPts val="1730"/>
+              <a:buChar char="●"/>
+            </a:pPr>
+            <a:r>
+              <a:rPr lang="en" sz="1729">
+                <a:solidFill>
+                  <a:schemeClr val="dk1"/>
+                </a:solidFill>
+              </a:rPr>
+              <a:t>Interoperable</a:t>
+            </a:r>
+            <a:endParaRPr sz="1729">
+              <a:solidFill>
+                <a:schemeClr val="dk1"/>
+              </a:solidFill>
+            </a:endParaRPr>
+          </a:p>
+          <a:p>
+            <a:pPr indent="-338455" lvl="0" marL="457200" rtl="0" algn="l">
+              <a:lnSpc>
+                <a:spcPct val="95000"/>
+              </a:lnSpc>
+              <a:spcBef>
+                <a:spcPts val="0"/>
+              </a:spcBef>
+              <a:spcAft>
+                <a:spcPts val="0"/>
+              </a:spcAft>
+              <a:buClr>
+                <a:schemeClr val="dk1"/>
+              </a:buClr>
+              <a:buSzPts val="1730"/>
+              <a:buChar char="●"/>
+            </a:pPr>
+            <a:r>
+              <a:rPr lang="en" sz="1729">
+                <a:solidFill>
+                  <a:schemeClr val="dk1"/>
+                </a:solidFill>
+              </a:rPr>
+              <a:t>Reusable</a:t>
+            </a:r>
+            <a:endParaRPr sz="1500"/>
+          </a:p>
+        </p:txBody>
+      </p:sp>
+    </p:spTree>
+  </p:cSld>
+  <p:clrMapOvr>
+    <a:masterClrMapping/>
+  </p:clrMapOvr>
+  <p:transition spd="med">
+    <p:push/>
+  </p:transition>
+</p:sld>
+</file>
+
+<file path=ppt/slides/slide16.xml><?xml version="1.0" encoding="utf-8"?>
+<p:sld xmlns:a="http://schemas.openxmlformats.org/drawingml/2006/main" xmlns:r="http://schemas.openxmlformats.org/officeDocument/2006/relationships" xmlns:mc="http://schemas.openxmlformats.org/markup-compatibility/2006" xmlns:mv="urn:schemas-microsoft-com:mac:vml" xmlns:p="http://schemas.openxmlformats.org/presentationml/2006/main" xmlns:c="http://schemas.openxmlformats.org/drawingml/2006/chart" xmlns:dgm="http://schemas.openxmlformats.org/drawingml/2006/diagram" xmlns:o="urn:schemas-microsoft-com:office:office" xmlns:v="urn:schemas-microsoft-com:vml" xmlns:pvml="urn:schemas-microsoft-com:office:powerpoint" xmlns:com="http://schemas.openxmlformats.org/drawingml/2006/compatibility" xmlns:p14="http://schemas.microsoft.com/office/powerpoint/2010/main" xmlns:p15="http://schemas.microsoft.com/office/powerpoint/2012/main" xmlns:ahyp="http://schemas.microsoft.com/office/drawing/2018/hyperlinkcolor">
+  <p:cSld>
+    <p:spTree>
+      <p:nvGrpSpPr>
+        <p:cNvPr id="180" name="Shape 180"/>
+        <p:cNvGrpSpPr/>
+        <p:nvPr/>
+      </p:nvGrpSpPr>
+      <p:grpSpPr>
+        <a:xfrm>
+          <a:off x="0" y="0"/>
+          <a:ext cx="0" cy="0"/>
+          <a:chOff x="0" y="0"/>
+          <a:chExt cx="0" cy="0"/>
+        </a:xfrm>
+      </p:grpSpPr>
+      <p:sp>
+        <p:nvSpPr>
+          <p:cNvPr id="181" name="Google Shape;181;p29"/>
+          <p:cNvSpPr txBox="1"/>
+          <p:nvPr>
+            <p:ph type="title"/>
+          </p:nvPr>
+        </p:nvSpPr>
+        <p:spPr>
+          <a:xfrm>
+            <a:off x="387900" y="458025"/>
+            <a:ext cx="8368200" cy="686100"/>
+          </a:xfrm>
+          <a:prstGeom prst="rect">
+            <a:avLst/>
+          </a:prstGeom>
+        </p:spPr>
+        <p:txBody>
+          <a:bodyPr anchorCtr="0" anchor="b" bIns="91425" lIns="91425" spcFirstLastPara="1" rIns="91425" wrap="square" tIns="91425">
+            <a:normAutofit/>
+          </a:bodyPr>
+          <a:lstStyle/>
+          <a:p>
+            <a:pPr indent="0" lvl="0" marL="0" rtl="0" algn="l">
+              <a:spcBef>
+                <a:spcPts val="0"/>
+              </a:spcBef>
+              <a:spcAft>
+                <a:spcPts val="0"/>
+              </a:spcAft>
+              <a:buNone/>
+            </a:pPr>
+            <a:r>
+              <a:rPr lang="en"/>
+              <a:t>Results - System Performance</a:t>
+            </a:r>
+            <a:endParaRPr/>
+          </a:p>
+        </p:txBody>
+      </p:sp>
+      <p:sp>
+        <p:nvSpPr>
+          <p:cNvPr id="182" name="Google Shape;182;p29"/>
+          <p:cNvSpPr txBox="1"/>
+          <p:nvPr>
+            <p:ph idx="1" type="body"/>
+          </p:nvPr>
+        </p:nvSpPr>
+        <p:spPr>
+          <a:xfrm>
+            <a:off x="387900" y="1489824"/>
+            <a:ext cx="8368200" cy="3078900"/>
+          </a:xfrm>
+          <a:prstGeom prst="rect">
+            <a:avLst/>
+          </a:prstGeom>
+        </p:spPr>
+        <p:txBody>
+          <a:bodyPr anchorCtr="0" anchor="t" bIns="91425" lIns="91425" spcFirstLastPara="1" rIns="91425" wrap="square" tIns="91425">
+            <a:normAutofit/>
+          </a:bodyPr>
+          <a:lstStyle/>
+          <a:p>
+            <a:pPr indent="-342900" lvl="0" marL="457200" rtl="0" algn="l">
+              <a:spcBef>
+                <a:spcPts val="0"/>
+              </a:spcBef>
+              <a:spcAft>
+                <a:spcPts val="0"/>
+              </a:spcAft>
+              <a:buSzPts val="1800"/>
+              <a:buFont typeface="Arial"/>
+              <a:buChar char="❏"/>
+            </a:pPr>
+            <a:r>
+              <a:rPr lang="en">
+                <a:latin typeface="Arial"/>
+                <a:ea typeface="Arial"/>
+                <a:cs typeface="Arial"/>
+                <a:sym typeface="Arial"/>
+              </a:rPr>
+              <a:t>  </a:t>
+            </a:r>
+            <a:r>
+              <a:rPr lang="en">
+                <a:latin typeface="Arial"/>
+                <a:ea typeface="Arial"/>
+                <a:cs typeface="Arial"/>
+                <a:sym typeface="Arial"/>
+              </a:rPr>
+              <a:t>Scalability results:</a:t>
+            </a:r>
+            <a:endParaRPr>
+              <a:latin typeface="Arial"/>
+              <a:ea typeface="Arial"/>
+              <a:cs typeface="Arial"/>
+              <a:sym typeface="Arial"/>
+            </a:endParaRPr>
+          </a:p>
+          <a:p>
+            <a:pPr indent="0" lvl="0" marL="457200" rtl="0" algn="l">
+              <a:spcBef>
+                <a:spcPts val="1200"/>
+              </a:spcBef>
+              <a:spcAft>
+                <a:spcPts val="0"/>
+              </a:spcAft>
+              <a:buNone/>
+            </a:pPr>
+            <a:r>
+              <a:rPr lang="en">
+                <a:latin typeface="Arial"/>
+                <a:ea typeface="Arial"/>
+                <a:cs typeface="Arial"/>
+                <a:sym typeface="Arial"/>
+              </a:rPr>
+              <a:t>           Graph showing response time vs. number of nodes</a:t>
+            </a:r>
+            <a:endParaRPr>
+              <a:latin typeface="Arial"/>
+              <a:ea typeface="Arial"/>
+              <a:cs typeface="Arial"/>
+              <a:sym typeface="Arial"/>
+            </a:endParaRPr>
+          </a:p>
+          <a:p>
+            <a:pPr indent="0" lvl="0" marL="457200" rtl="0" algn="l">
+              <a:spcBef>
+                <a:spcPts val="1200"/>
+              </a:spcBef>
+              <a:spcAft>
+                <a:spcPts val="0"/>
+              </a:spcAft>
+              <a:buNone/>
+            </a:pPr>
+            <a:r>
+              <a:rPr lang="en">
+                <a:latin typeface="Arial"/>
+                <a:ea typeface="Arial"/>
+                <a:cs typeface="Arial"/>
+                <a:sym typeface="Arial"/>
+              </a:rPr>
+              <a:t>           Discussion of near-linear scalability</a:t>
+            </a:r>
+            <a:endParaRPr>
+              <a:latin typeface="Arial"/>
+              <a:ea typeface="Arial"/>
+              <a:cs typeface="Arial"/>
+              <a:sym typeface="Arial"/>
+            </a:endParaRPr>
+          </a:p>
+          <a:p>
+            <a:pPr indent="-342900" lvl="0" marL="457200" rtl="0" algn="l">
+              <a:spcBef>
+                <a:spcPts val="1200"/>
+              </a:spcBef>
+              <a:spcAft>
+                <a:spcPts val="0"/>
+              </a:spcAft>
+              <a:buSzPts val="1800"/>
+              <a:buFont typeface="Arial"/>
+              <a:buChar char="❏"/>
+            </a:pPr>
+            <a:r>
+              <a:rPr lang="en">
+                <a:latin typeface="Arial"/>
+                <a:ea typeface="Arial"/>
+                <a:cs typeface="Arial"/>
+                <a:sym typeface="Arial"/>
+              </a:rPr>
+              <a:t>   Fault tolerance findings:</a:t>
+            </a:r>
+            <a:endParaRPr>
+              <a:latin typeface="Arial"/>
+              <a:ea typeface="Arial"/>
+              <a:cs typeface="Arial"/>
+              <a:sym typeface="Arial"/>
+            </a:endParaRPr>
+          </a:p>
+          <a:p>
+            <a:pPr indent="0" lvl="0" marL="457200" rtl="0" algn="l">
+              <a:spcBef>
+                <a:spcPts val="1200"/>
+              </a:spcBef>
+              <a:spcAft>
+                <a:spcPts val="0"/>
+              </a:spcAft>
+              <a:buNone/>
+            </a:pPr>
+            <a:r>
+              <a:rPr lang="en">
+                <a:latin typeface="Arial"/>
+                <a:ea typeface="Arial"/>
+                <a:cs typeface="Arial"/>
+                <a:sym typeface="Arial"/>
+              </a:rPr>
+              <a:t>            System behavior with 20% node failure</a:t>
+            </a:r>
+            <a:endParaRPr>
+              <a:latin typeface="Arial"/>
+              <a:ea typeface="Arial"/>
+              <a:cs typeface="Arial"/>
+              <a:sym typeface="Arial"/>
+            </a:endParaRPr>
+          </a:p>
+          <a:p>
+            <a:pPr indent="0" lvl="0" marL="457200" rtl="0" algn="l">
+              <a:spcBef>
+                <a:spcPts val="1200"/>
+              </a:spcBef>
+              <a:spcAft>
+                <a:spcPts val="1200"/>
+              </a:spcAft>
+              <a:buNone/>
+            </a:pPr>
+            <a:r>
+              <a:rPr lang="en">
+                <a:latin typeface="Arial"/>
+                <a:ea typeface="Arial"/>
+                <a:cs typeface="Arial"/>
+                <a:sym typeface="Arial"/>
+              </a:rPr>
+              <a:t>            Recovery process</a:t>
+            </a:r>
+            <a:endParaRPr>
+              <a:latin typeface="Arial"/>
+              <a:ea typeface="Arial"/>
+              <a:cs typeface="Arial"/>
+              <a:sym typeface="Arial"/>
+            </a:endParaRPr>
+          </a:p>
+        </p:txBody>
+      </p:sp>
+      <p:sp>
+        <p:nvSpPr>
+          <p:cNvPr id="183" name="Google Shape;183;p29"/>
+          <p:cNvSpPr txBox="1"/>
+          <p:nvPr/>
+        </p:nvSpPr>
+        <p:spPr>
+          <a:xfrm>
+            <a:off x="8276725" y="235625"/>
+            <a:ext cx="541500" cy="326400"/>
+          </a:xfrm>
+          <a:prstGeom prst="rect">
+            <a:avLst/>
+          </a:prstGeom>
+          <a:noFill/>
+          <a:ln>
+            <a:noFill/>
+          </a:ln>
+        </p:spPr>
+        <p:txBody>
+          <a:bodyPr anchorCtr="0" anchor="t" bIns="91425" lIns="91425" spcFirstLastPara="1" rIns="91425" wrap="square" tIns="91425">
+            <a:noAutofit/>
+          </a:bodyPr>
+          <a:lstStyle/>
+          <a:p>
+            <a:pPr indent="0" lvl="0" marL="0" rtl="0" algn="ctr">
+              <a:spcBef>
+                <a:spcPts val="0"/>
+              </a:spcBef>
+              <a:spcAft>
+                <a:spcPts val="0"/>
+              </a:spcAft>
+              <a:buNone/>
+            </a:pPr>
+            <a:r>
+              <a:rPr b="1" lang="en">
+                <a:solidFill>
+                  <a:schemeClr val="dk1"/>
+                </a:solidFill>
+                <a:latin typeface="Roboto Slab"/>
+                <a:ea typeface="Roboto Slab"/>
+                <a:cs typeface="Roboto Slab"/>
+                <a:sym typeface="Roboto Slab"/>
+              </a:rPr>
+              <a:t>15</a:t>
             </a:r>
             <a:endParaRPr b="1">
               <a:solidFill>
@@ -10858,12 +11590,12 @@
 </p:sld>
 </file>
 
-<file path=ppt/slides/slide14.xml><?xml version="1.0" encoding="utf-8"?>
+<file path=ppt/slides/slide17.xml><?xml version="1.0" encoding="utf-8"?>
 <p:sld xmlns:a="http://schemas.openxmlformats.org/drawingml/2006/main" xmlns:r="http://schemas.openxmlformats.org/officeDocument/2006/relationships" xmlns:mc="http://schemas.openxmlformats.org/markup-compatibility/2006" xmlns:mv="urn:schemas-microsoft-com:mac:vml" xmlns:p="http://schemas.openxmlformats.org/presentationml/2006/main" xmlns:c="http://schemas.openxmlformats.org/drawingml/2006/chart" xmlns:dgm="http://schemas.openxmlformats.org/drawingml/2006/diagram" xmlns:o="urn:schemas-microsoft-com:office:office" xmlns:v="urn:schemas-microsoft-com:vml" xmlns:pvml="urn:schemas-microsoft-com:office:powerpoint" xmlns:com="http://schemas.openxmlformats.org/drawingml/2006/compatibility" xmlns:p14="http://schemas.microsoft.com/office/powerpoint/2010/main" xmlns:p15="http://schemas.microsoft.com/office/powerpoint/2012/main" xmlns:ahyp="http://schemas.microsoft.com/office/drawing/2018/hyperlinkcolor">
   <p:cSld>
     <p:spTree>
       <p:nvGrpSpPr>
-        <p:cNvPr id="167" name="Shape 167"/>
+        <p:cNvPr id="187" name="Shape 187"/>
         <p:cNvGrpSpPr/>
         <p:nvPr/>
       </p:nvGrpSpPr>
@@ -10877,7 +11609,7 @@
       </p:grpSpPr>
       <p:sp>
         <p:nvSpPr>
-          <p:cNvPr id="168" name="Google Shape;168;p27"/>
+          <p:cNvPr id="188" name="Google Shape;188;p30"/>
           <p:cNvSpPr txBox="1"/>
           <p:nvPr>
             <p:ph type="title"/>
@@ -10909,7 +11641,7 @@
             </a:pPr>
             <a:r>
               <a:rPr lang="en"/>
-              <a:t>Data Analysis - Ratings and Release Years</a:t>
+              <a:t>Results - Recommendation Quality</a:t>
             </a:r>
             <a:endParaRPr/>
           </a:p>
@@ -10917,7 +11649,7 @@
       </p:sp>
       <p:sp>
         <p:nvSpPr>
-          <p:cNvPr id="169" name="Google Shape;169;p27"/>
+          <p:cNvPr id="189" name="Google Shape;189;p30"/>
           <p:cNvSpPr txBox="1"/>
           <p:nvPr>
             <p:ph idx="1" type="body"/>
@@ -10925,7 +11657,7 @@
         </p:nvSpPr>
         <p:spPr>
           <a:xfrm>
-            <a:off x="387900" y="1610299"/>
+            <a:off x="387900" y="1489824"/>
             <a:ext cx="8368200" cy="3078900"/>
           </a:xfrm>
           <a:prstGeom prst="rect">
@@ -10934,7 +11666,7 @@
         </p:spPr>
         <p:txBody>
           <a:bodyPr anchorCtr="0" anchor="t" bIns="91425" lIns="91425" spcFirstLastPara="1" rIns="91425" wrap="square" tIns="91425">
-            <a:normAutofit/>
+            <a:normAutofit lnSpcReduction="20000"/>
           </a:bodyPr>
           <a:lstStyle/>
           <a:p>
@@ -10946,9 +11678,12 @@
                 <a:spcPts val="0"/>
               </a:spcAft>
               <a:buSzPts val="1800"/>
-              <a:buFont typeface="Arial"/>
               <a:buChar char="❏"/>
             </a:pPr>
+            <a:r>
+              <a:rPr lang="en"/>
+              <a:t> </a:t>
+            </a:r>
             <a:r>
               <a:rPr lang="en">
                 <a:latin typeface="Arial"/>
@@ -10956,7 +11691,16 @@
                 <a:cs typeface="Arial"/>
                 <a:sym typeface="Arial"/>
               </a:rPr>
-              <a:t>   User ratings distribution</a:t>
+              <a:t> </a:t>
+            </a:r>
+            <a:r>
+              <a:rPr lang="en">
+                <a:latin typeface="Arial"/>
+                <a:ea typeface="Arial"/>
+                <a:cs typeface="Arial"/>
+                <a:sym typeface="Arial"/>
+              </a:rPr>
+              <a:t>Accuracy metrics:</a:t>
             </a:r>
             <a:endParaRPr>
               <a:latin typeface="Arial"/>
@@ -10966,16 +11710,14 @@
             </a:endParaRPr>
           </a:p>
           <a:p>
-            <a:pPr indent="-342900" lvl="0" marL="457200" rtl="0" algn="l">
-              <a:spcBef>
-                <a:spcPts val="0"/>
-              </a:spcBef>
-              <a:spcAft>
-                <a:spcPts val="0"/>
-              </a:spcAft>
-              <a:buSzPts val="1800"/>
-              <a:buFont typeface="Arial"/>
-              <a:buChar char="❏"/>
+            <a:pPr indent="0" lvl="0" marL="457200" rtl="0" algn="l">
+              <a:spcBef>
+                <a:spcPts val="1200"/>
+              </a:spcBef>
+              <a:spcAft>
+                <a:spcPts val="0"/>
+              </a:spcAft>
+              <a:buNone/>
             </a:pPr>
             <a:r>
               <a:rPr lang="en">
@@ -10984,7 +11726,7 @@
                 <a:cs typeface="Arial"/>
                 <a:sym typeface="Arial"/>
               </a:rPr>
-              <a:t>   Correlation between ratings and release years</a:t>
+              <a:t>         Precision: 0.82</a:t>
             </a:r>
             <a:endParaRPr>
               <a:latin typeface="Arial"/>
@@ -10994,16 +11736,14 @@
             </a:endParaRPr>
           </a:p>
           <a:p>
-            <a:pPr indent="-342900" lvl="0" marL="457200" rtl="0" algn="l">
-              <a:spcBef>
-                <a:spcPts val="0"/>
-              </a:spcBef>
-              <a:spcAft>
-                <a:spcPts val="0"/>
-              </a:spcAft>
-              <a:buSzPts val="1800"/>
-              <a:buFont typeface="Arial"/>
-              <a:buChar char="❏"/>
+            <a:pPr indent="0" lvl="0" marL="457200" rtl="0" algn="l">
+              <a:spcBef>
+                <a:spcPts val="1200"/>
+              </a:spcBef>
+              <a:spcAft>
+                <a:spcPts val="0"/>
+              </a:spcAft>
+              <a:buNone/>
             </a:pPr>
             <a:r>
               <a:rPr lang="en">
@@ -11012,7 +11752,7 @@
                 <a:cs typeface="Arial"/>
                 <a:sym typeface="Arial"/>
               </a:rPr>
-              <a:t>   Movie distribution by year</a:t>
+              <a:t>         Recall: 0.75</a:t>
             </a:r>
             <a:endParaRPr>
               <a:latin typeface="Arial"/>
@@ -11022,16 +11762,14 @@
             </a:endParaRPr>
           </a:p>
           <a:p>
-            <a:pPr indent="-342900" lvl="0" marL="457200" rtl="0" algn="l">
-              <a:spcBef>
-                <a:spcPts val="0"/>
-              </a:spcBef>
-              <a:spcAft>
-                <a:spcPts val="0"/>
-              </a:spcAft>
-              <a:buSzPts val="1800"/>
-              <a:buFont typeface="Arial"/>
-              <a:buChar char="❏"/>
+            <a:pPr indent="0" lvl="0" marL="457200" rtl="0" algn="l">
+              <a:spcBef>
+                <a:spcPts val="1200"/>
+              </a:spcBef>
+              <a:spcAft>
+                <a:spcPts val="0"/>
+              </a:spcAft>
+              <a:buNone/>
             </a:pPr>
             <a:r>
               <a:rPr lang="en">
@@ -11040,7 +11778,7 @@
                 <a:cs typeface="Arial"/>
                 <a:sym typeface="Arial"/>
               </a:rPr>
-              <a:t>   Trends and potential biases in the dataset</a:t>
+              <a:t>         NDCG: 0.79</a:t>
             </a:r>
             <a:endParaRPr>
               <a:latin typeface="Arial"/>
@@ -11049,11 +11787,91 @@
               <a:sym typeface="Arial"/>
             </a:endParaRPr>
           </a:p>
+          <a:p>
+            <a:pPr indent="-342900" lvl="0" marL="457200" rtl="0" algn="l">
+              <a:spcBef>
+                <a:spcPts val="1200"/>
+              </a:spcBef>
+              <a:spcAft>
+                <a:spcPts val="0"/>
+              </a:spcAft>
+              <a:buSzPts val="1800"/>
+              <a:buFont typeface="Arial"/>
+              <a:buChar char="❏"/>
+            </a:pPr>
+            <a:r>
+              <a:rPr lang="en">
+                <a:latin typeface="Arial"/>
+                <a:ea typeface="Arial"/>
+                <a:cs typeface="Arial"/>
+                <a:sym typeface="Arial"/>
+              </a:rPr>
+              <a:t>  User study results:</a:t>
+            </a:r>
+            <a:endParaRPr>
+              <a:latin typeface="Arial"/>
+              <a:ea typeface="Arial"/>
+              <a:cs typeface="Arial"/>
+              <a:sym typeface="Arial"/>
+            </a:endParaRPr>
+          </a:p>
+          <a:p>
+            <a:pPr indent="0" lvl="0" marL="457200" rtl="0" algn="l">
+              <a:spcBef>
+                <a:spcPts val="1200"/>
+              </a:spcBef>
+              <a:spcAft>
+                <a:spcPts val="0"/>
+              </a:spcAft>
+              <a:buNone/>
+            </a:pPr>
+            <a:r>
+              <a:rPr lang="en">
+                <a:latin typeface="Arial"/>
+                <a:ea typeface="Arial"/>
+                <a:cs typeface="Arial"/>
+                <a:sym typeface="Arial"/>
+              </a:rPr>
+              <a:t>         85% rated recommendations as "good" or "excellent"</a:t>
+            </a:r>
+            <a:endParaRPr>
+              <a:latin typeface="Arial"/>
+              <a:ea typeface="Arial"/>
+              <a:cs typeface="Arial"/>
+              <a:sym typeface="Arial"/>
+            </a:endParaRPr>
+          </a:p>
+          <a:p>
+            <a:pPr indent="0" lvl="0" marL="457200" rtl="0" algn="l">
+              <a:spcBef>
+                <a:spcPts val="1200"/>
+              </a:spcBef>
+              <a:spcAft>
+                <a:spcPts val="1200"/>
+              </a:spcAft>
+              <a:buNone/>
+            </a:pPr>
+            <a:r>
+              <a:rPr lang="en">
+                <a:latin typeface="Arial"/>
+                <a:ea typeface="Arial"/>
+                <a:cs typeface="Arial"/>
+                <a:sym typeface="Arial"/>
+              </a:rPr>
+              <a:t>         90% found recommendations diverse</a:t>
+            </a:r>
+            <a:endParaRPr>
+              <a:latin typeface="Arial"/>
+              <a:ea typeface="Arial"/>
+              <a:cs typeface="Arial"/>
+              <a:sym typeface="Arial"/>
+            </a:endParaRPr>
+          </a:p>
         </p:txBody>
       </p:sp>
       <p:sp>
         <p:nvSpPr>
-          <p:cNvPr id="170" name="Google Shape;170;p27"/>
+          <p:cNvPr id="190" name="Google Shape;190;p30"/>
           <p:cNvSpPr txBox="1"/>
           <p:nvPr/>
         </p:nvSpPr>
@@ -11095,7 +11913,7 @@
                 <a:cs typeface="Roboto Slab"/>
                 <a:sym typeface="Roboto Slab"/>
               </a:rPr>
-              <a:t>13</a:t>
+              <a:t>16</a:t>
             </a:r>
             <a:endParaRPr b="1">
               <a:solidFill>
@@ -11129,12 +11947,12 @@
 </p:sld>
 </file>
 
-<file path=ppt/slides/slide15.xml><?xml version="1.0" encoding="utf-8"?>
+<file path=ppt/slides/slide18.xml><?xml version="1.0" encoding="utf-8"?>
 <p:sld xmlns:a="http://schemas.openxmlformats.org/drawingml/2006/main" xmlns:r="http://schemas.openxmlformats.org/officeDocument/2006/relationships" xmlns:mc="http://schemas.openxmlformats.org/markup-compatibility/2006" xmlns:mv="urn:schemas-microsoft-com:mac:vml" xmlns:p="http://schemas.openxmlformats.org/presentationml/2006/main" xmlns:c="http://schemas.openxmlformats.org/drawingml/2006/chart" xmlns:dgm="http://schemas.openxmlformats.org/drawingml/2006/diagram" xmlns:o="urn:schemas-microsoft-com:office:office" xmlns:v="urn:schemas-microsoft-com:vml" xmlns:pvml="urn:schemas-microsoft-com:office:powerpoint" xmlns:com="http://schemas.openxmlformats.org/drawingml/2006/compatibility" xmlns:p14="http://schemas.microsoft.com/office/powerpoint/2010/main" xmlns:p15="http://schemas.microsoft.com/office/powerpoint/2012/main" xmlns:ahyp="http://schemas.microsoft.com/office/drawing/2018/hyperlinkcolor">
   <p:cSld>
     <p:spTree>
       <p:nvGrpSpPr>
-        <p:cNvPr id="174" name="Shape 174"/>
+        <p:cNvPr id="194" name="Shape 194"/>
         <p:cNvGrpSpPr/>
         <p:nvPr/>
       </p:nvGrpSpPr>
@@ -11148,7 +11966,7 @@
       </p:grpSpPr>
       <p:sp>
         <p:nvSpPr>
-          <p:cNvPr id="175" name="Google Shape;175;p28"/>
+          <p:cNvPr id="195" name="Google Shape;195;p31"/>
           <p:cNvSpPr txBox="1"/>
           <p:nvPr>
             <p:ph type="title"/>
@@ -11188,7 +12006,7 @@
       </p:sp>
       <p:sp>
         <p:nvSpPr>
-          <p:cNvPr id="176" name="Google Shape;176;p28"/>
+          <p:cNvPr id="196" name="Google Shape;196;p31"/>
           <p:cNvSpPr txBox="1"/>
           <p:nvPr>
             <p:ph idx="1" type="body"/>
@@ -11352,7 +12170,7 @@
       </p:sp>
       <p:sp>
         <p:nvSpPr>
-          <p:cNvPr id="177" name="Google Shape;177;p28"/>
+          <p:cNvPr id="197" name="Google Shape;197;p31"/>
           <p:cNvSpPr txBox="1"/>
           <p:nvPr/>
         </p:nvSpPr>
@@ -11394,7 +12212,7 @@
                 <a:cs typeface="Roboto Slab"/>
                 <a:sym typeface="Roboto Slab"/>
               </a:rPr>
-              <a:t>14</a:t>
+              <a:t>17</a:t>
             </a:r>
             <a:endParaRPr b="1">
               <a:solidFill>
@@ -11413,27 +12231,18 @@
   <p:clrMapOvr>
     <a:masterClrMapping/>
   </p:clrMapOvr>
-  <mc:AlternateContent>
-    <mc:Choice Requires="p14">
-      <p:transition spd="med">
-        <p14:prism dir="l"/>
-      </p:transition>
-    </mc:Choice>
-    <mc:Fallback>
-      <p:transition spd="med">
-        <p:fade/>
-      </p:transition>
-    </mc:Fallback>
-  </mc:AlternateContent>
+  <p:transition spd="med">
+    <p:push dir="r"/>
+  </p:transition>
 </p:sld>
 </file>
 
-<file path=ppt/slides/slide16.xml><?xml version="1.0" encoding="utf-8"?>
+<file path=ppt/slides/slide19.xml><?xml version="1.0" encoding="utf-8"?>
 <p:sld xmlns:a="http://schemas.openxmlformats.org/drawingml/2006/main" xmlns:r="http://schemas.openxmlformats.org/officeDocument/2006/relationships" xmlns:mc="http://schemas.openxmlformats.org/markup-compatibility/2006" xmlns:mv="urn:schemas-microsoft-com:mac:vml" xmlns:p="http://schemas.openxmlformats.org/presentationml/2006/main" xmlns:c="http://schemas.openxmlformats.org/drawingml/2006/chart" xmlns:dgm="http://schemas.openxmlformats.org/drawingml/2006/diagram" xmlns:o="urn:schemas-microsoft-com:office:office" xmlns:v="urn:schemas-microsoft-com:vml" xmlns:pvml="urn:schemas-microsoft-com:office:powerpoint" xmlns:com="http://schemas.openxmlformats.org/drawingml/2006/compatibility" xmlns:p14="http://schemas.microsoft.com/office/powerpoint/2010/main" xmlns:p15="http://schemas.microsoft.com/office/powerpoint/2012/main" xmlns:ahyp="http://schemas.microsoft.com/office/drawing/2018/hyperlinkcolor">
   <p:cSld>
     <p:spTree>
       <p:nvGrpSpPr>
-        <p:cNvPr id="181" name="Shape 181"/>
+        <p:cNvPr id="201" name="Shape 201"/>
         <p:cNvGrpSpPr/>
         <p:nvPr/>
       </p:nvGrpSpPr>
@@ -11447,7 +12256,7 @@
       </p:grpSpPr>
       <p:sp>
         <p:nvSpPr>
-          <p:cNvPr id="182" name="Google Shape;182;p29"/>
+          <p:cNvPr id="202" name="Google Shape;202;p32"/>
           <p:cNvSpPr txBox="1"/>
           <p:nvPr>
             <p:ph type="title"/>
@@ -11487,7 +12296,7 @@
       </p:sp>
       <p:sp>
         <p:nvSpPr>
-          <p:cNvPr id="183" name="Google Shape;183;p29"/>
+          <p:cNvPr id="203" name="Google Shape;203;p32"/>
           <p:cNvSpPr txBox="1"/>
           <p:nvPr>
             <p:ph idx="1" type="body"/>
@@ -11741,7 +12550,7 @@
       </p:sp>
       <p:sp>
         <p:nvSpPr>
-          <p:cNvPr id="184" name="Google Shape;184;p29"/>
+          <p:cNvPr id="204" name="Google Shape;204;p32"/>
           <p:cNvSpPr txBox="1"/>
           <p:nvPr/>
         </p:nvSpPr>
@@ -11783,7 +12592,7 @@
                 <a:cs typeface="Roboto Slab"/>
                 <a:sym typeface="Roboto Slab"/>
               </a:rPr>
-              <a:t>15</a:t>
+              <a:t>18</a:t>
             </a:r>
             <a:endParaRPr b="1">
               <a:solidFill>
@@ -11808,12 +12617,12 @@
 </p:sld>
 </file>
 
-<file path=ppt/slides/slide17.xml><?xml version="1.0" encoding="utf-8"?>
+<file path=ppt/slides/slide2.xml><?xml version="1.0" encoding="utf-8"?>
 <p:sld xmlns:a="http://schemas.openxmlformats.org/drawingml/2006/main" xmlns:r="http://schemas.openxmlformats.org/officeDocument/2006/relationships" xmlns:mc="http://schemas.openxmlformats.org/markup-compatibility/2006" xmlns:mv="urn:schemas-microsoft-com:mac:vml" xmlns:p="http://schemas.openxmlformats.org/presentationml/2006/main" xmlns:c="http://schemas.openxmlformats.org/drawingml/2006/chart" xmlns:dgm="http://schemas.openxmlformats.org/drawingml/2006/diagram" xmlns:o="urn:schemas-microsoft-com:office:office" xmlns:v="urn:schemas-microsoft-com:vml" xmlns:pvml="urn:schemas-microsoft-com:office:powerpoint" xmlns:com="http://schemas.openxmlformats.org/drawingml/2006/compatibility" xmlns:p14="http://schemas.microsoft.com/office/powerpoint/2010/main" xmlns:p15="http://schemas.microsoft.com/office/powerpoint/2012/main" xmlns:ahyp="http://schemas.microsoft.com/office/drawing/2018/hyperlinkcolor">
   <p:cSld>
     <p:spTree>
       <p:nvGrpSpPr>
-        <p:cNvPr id="188" name="Shape 188"/>
+        <p:cNvPr id="78" name="Shape 78"/>
         <p:cNvGrpSpPr/>
         <p:nvPr/>
       </p:nvGrpSpPr>
@@ -11827,7 +12636,7 @@
       </p:grpSpPr>
       <p:sp>
         <p:nvSpPr>
-          <p:cNvPr id="189" name="Google Shape;189;p30"/>
+          <p:cNvPr id="79" name="Google Shape;79;p15"/>
           <p:cNvSpPr txBox="1"/>
           <p:nvPr>
             <p:ph type="title"/>
@@ -11859,7 +12668,7 @@
             </a:pPr>
             <a:r>
               <a:rPr lang="en"/>
-              <a:t>Future Work</a:t>
+              <a:t>Introduction</a:t>
             </a:r>
             <a:endParaRPr/>
           </a:p>
@@ -11867,7 +12676,7 @@
       </p:sp>
       <p:sp>
         <p:nvSpPr>
-          <p:cNvPr id="190" name="Google Shape;190;p30"/>
+          <p:cNvPr id="80" name="Google Shape;80;p15"/>
           <p:cNvSpPr txBox="1"/>
           <p:nvPr>
             <p:ph idx="1" type="body"/>
@@ -11875,8 +12684,8 @@
         </p:nvSpPr>
         <p:spPr>
           <a:xfrm>
-            <a:off x="309375" y="1638775"/>
-            <a:ext cx="3804300" cy="3078900"/>
+            <a:off x="387900" y="1489825"/>
+            <a:ext cx="8368200" cy="1913400"/>
           </a:xfrm>
           <a:prstGeom prst="rect">
             <a:avLst/>
@@ -11888,27 +12697,36 @@
           </a:bodyPr>
           <a:lstStyle/>
           <a:p>
-            <a:pPr indent="-336550" lvl="0" marL="457200" rtl="0" algn="l">
-              <a:spcBef>
-                <a:spcPts val="0"/>
-              </a:spcBef>
-              <a:spcAft>
-                <a:spcPts val="0"/>
-              </a:spcAft>
-              <a:buSzPts val="1700"/>
+            <a:pPr indent="-342900" lvl="0" marL="457200" rtl="0" algn="l">
+              <a:spcBef>
+                <a:spcPts val="0"/>
+              </a:spcBef>
+              <a:spcAft>
+                <a:spcPts val="0"/>
+              </a:spcAft>
+              <a:buSzPts val="1800"/>
               <a:buFont typeface="Arial"/>
-              <a:buChar char="●"/>
-            </a:pPr>
-            <a:r>
-              <a:rPr lang="en" sz="1700">
+              <a:buChar char="❏"/>
+            </a:pPr>
+            <a:r>
+              <a:rPr lang="en">
                 <a:latin typeface="Arial"/>
                 <a:ea typeface="Arial"/>
                 <a:cs typeface="Arial"/>
                 <a:sym typeface="Arial"/>
               </a:rPr>
-              <a:t>Hybrid recommendation    approaches</a:t>
-            </a:r>
-            <a:endParaRPr sz="1700">
+              <a:t> </a:t>
+            </a:r>
+            <a:r>
+              <a:rPr lang="en">
+                <a:latin typeface="Arial"/>
+                <a:ea typeface="Arial"/>
+                <a:cs typeface="Arial"/>
+                <a:sym typeface="Arial"/>
+              </a:rPr>
+              <a:t>Recommendation systems</a:t>
+            </a:r>
+            <a:endParaRPr>
               <a:latin typeface="Arial"/>
               <a:ea typeface="Arial"/>
               <a:cs typeface="Arial"/>
@@ -11916,27 +12734,36 @@
             </a:endParaRPr>
           </a:p>
           <a:p>
-            <a:pPr indent="-336550" lvl="0" marL="457200" rtl="0" algn="l">
-              <a:spcBef>
-                <a:spcPts val="0"/>
-              </a:spcBef>
-              <a:spcAft>
-                <a:spcPts val="0"/>
-              </a:spcAft>
-              <a:buSzPts val="1700"/>
+            <a:pPr indent="-342900" lvl="0" marL="457200" rtl="0" algn="l">
+              <a:spcBef>
+                <a:spcPts val="0"/>
+              </a:spcBef>
+              <a:spcAft>
+                <a:spcPts val="0"/>
+              </a:spcAft>
+              <a:buSzPts val="1800"/>
               <a:buFont typeface="Arial"/>
-              <a:buChar char="●"/>
-            </a:pPr>
-            <a:r>
-              <a:rPr lang="en" sz="1700">
+              <a:buChar char="❏"/>
+            </a:pPr>
+            <a:r>
+              <a:rPr lang="en">
                 <a:latin typeface="Arial"/>
                 <a:ea typeface="Arial"/>
                 <a:cs typeface="Arial"/>
                 <a:sym typeface="Arial"/>
               </a:rPr>
-              <a:t>Enhanced data collection methods</a:t>
-            </a:r>
-            <a:endParaRPr sz="1700">
+              <a:t> </a:t>
+            </a:r>
+            <a:r>
+              <a:rPr lang="en">
+                <a:latin typeface="Arial"/>
+                <a:ea typeface="Arial"/>
+                <a:cs typeface="Arial"/>
+                <a:sym typeface="Arial"/>
+              </a:rPr>
+              <a:t>Prevalence in digital platforms (e-commerce, streaming services)</a:t>
+            </a:r>
+            <a:endParaRPr>
               <a:latin typeface="Arial"/>
               <a:ea typeface="Arial"/>
               <a:cs typeface="Arial"/>
@@ -11944,27 +12771,36 @@
             </a:endParaRPr>
           </a:p>
           <a:p>
-            <a:pPr indent="-336550" lvl="0" marL="457200" rtl="0" algn="l">
-              <a:spcBef>
-                <a:spcPts val="0"/>
-              </a:spcBef>
-              <a:spcAft>
-                <a:spcPts val="0"/>
-              </a:spcAft>
-              <a:buSzPts val="1700"/>
+            <a:pPr indent="-342900" lvl="0" marL="457200" rtl="0" algn="l">
+              <a:spcBef>
+                <a:spcPts val="0"/>
+              </a:spcBef>
+              <a:spcAft>
+                <a:spcPts val="0"/>
+              </a:spcAft>
+              <a:buSzPts val="1800"/>
               <a:buFont typeface="Arial"/>
-              <a:buChar char="●"/>
-            </a:pPr>
-            <a:r>
-              <a:rPr lang="en" sz="1700">
+              <a:buChar char="❏"/>
+            </a:pPr>
+            <a:r>
+              <a:rPr lang="en">
                 <a:latin typeface="Arial"/>
                 <a:ea typeface="Arial"/>
                 <a:cs typeface="Arial"/>
                 <a:sym typeface="Arial"/>
               </a:rPr>
-              <a:t>Personalization improvements</a:t>
-            </a:r>
-            <a:endParaRPr sz="1700">
+              <a:t> </a:t>
+            </a:r>
+            <a:r>
+              <a:rPr lang="en">
+                <a:latin typeface="Arial"/>
+                <a:ea typeface="Arial"/>
+                <a:cs typeface="Arial"/>
+                <a:sym typeface="Arial"/>
+              </a:rPr>
+              <a:t>Importance in enhancing user experience</a:t>
+            </a:r>
+            <a:endParaRPr>
               <a:latin typeface="Arial"/>
               <a:ea typeface="Arial"/>
               <a:cs typeface="Arial"/>
@@ -11972,27 +12808,45 @@
             </a:endParaRPr>
           </a:p>
           <a:p>
-            <a:pPr indent="-336550" lvl="0" marL="457200" rtl="0" algn="l">
-              <a:spcBef>
-                <a:spcPts val="0"/>
-              </a:spcBef>
-              <a:spcAft>
-                <a:spcPts val="0"/>
-              </a:spcAft>
-              <a:buSzPts val="1700"/>
+            <a:pPr indent="-342900" lvl="0" marL="457200" rtl="0" algn="l">
+              <a:spcBef>
+                <a:spcPts val="0"/>
+              </a:spcBef>
+              <a:spcAft>
+                <a:spcPts val="0"/>
+              </a:spcAft>
+              <a:buSzPts val="1800"/>
               <a:buFont typeface="Arial"/>
-              <a:buChar char="●"/>
-            </a:pPr>
-            <a:r>
-              <a:rPr lang="en" sz="1700">
+              <a:buChar char="❏"/>
+            </a:pPr>
+            <a:r>
+              <a:rPr lang="en">
                 <a:latin typeface="Arial"/>
                 <a:ea typeface="Arial"/>
                 <a:cs typeface="Arial"/>
                 <a:sym typeface="Arial"/>
               </a:rPr>
-              <a:t>Cross-platform deployment</a:t>
-            </a:r>
-            <a:endParaRPr sz="1700">
+              <a:t> </a:t>
+            </a:r>
+            <a:r>
+              <a:rPr lang="en">
+                <a:latin typeface="Arial"/>
+                <a:ea typeface="Arial"/>
+                <a:cs typeface="Arial"/>
+                <a:sym typeface="Arial"/>
+              </a:rPr>
+              <a:t>Challenges with centralized systems</a:t>
+            </a:r>
+            <a:r>
+              <a:rPr lang="en">
+                <a:latin typeface="Arial"/>
+                <a:ea typeface="Arial"/>
+                <a:cs typeface="Arial"/>
+                <a:sym typeface="Arial"/>
+              </a:rPr>
+              <a:t>:</a:t>
+            </a:r>
+            <a:endParaRPr>
               <a:latin typeface="Arial"/>
               <a:ea typeface="Arial"/>
               <a:cs typeface="Arial"/>
@@ -12000,27 +12854,19 @@
             </a:endParaRPr>
           </a:p>
           <a:p>
-            <a:pPr indent="-336550" lvl="0" marL="457200" rtl="0" algn="l">
-              <a:spcBef>
-                <a:spcPts val="0"/>
-              </a:spcBef>
-              <a:spcAft>
-                <a:spcPts val="0"/>
-              </a:spcAft>
-              <a:buSzPts val="1700"/>
-              <a:buFont typeface="Arial"/>
-              <a:buChar char="●"/>
-            </a:pPr>
-            <a:r>
-              <a:rPr lang="en" sz="1700">
-                <a:latin typeface="Arial"/>
-                <a:ea typeface="Arial"/>
-                <a:cs typeface="Arial"/>
-                <a:sym typeface="Arial"/>
-              </a:rPr>
-              <a:t>Blockchain integration possibilities</a:t>
-            </a:r>
-            <a:endParaRPr sz="1300">
+            <a:pPr indent="0" lvl="0" marL="457200" rtl="0" algn="l">
+              <a:spcBef>
+                <a:spcPts val="1200"/>
+              </a:spcBef>
+              <a:spcAft>
+                <a:spcPts val="1200"/>
+              </a:spcAft>
+              <a:buNone/>
+            </a:pPr>
+            <a:r>
+              <a:t/>
+            </a:r>
+            <a:endParaRPr>
               <a:latin typeface="Arial"/>
               <a:ea typeface="Arial"/>
               <a:cs typeface="Arial"/>
@@ -12031,171 +12877,7 @@
       </p:sp>
       <p:sp>
         <p:nvSpPr>
-          <p:cNvPr id="191" name="Google Shape;191;p30"/>
-          <p:cNvSpPr txBox="1"/>
-          <p:nvPr>
-            <p:ph idx="2" type="body"/>
-          </p:nvPr>
-        </p:nvSpPr>
-        <p:spPr>
-          <a:xfrm>
-            <a:off x="4756200" y="1638775"/>
-            <a:ext cx="3999900" cy="3078900"/>
-          </a:xfrm>
-          <a:prstGeom prst="rect">
-            <a:avLst/>
-          </a:prstGeom>
-        </p:spPr>
-        <p:txBody>
-          <a:bodyPr anchorCtr="0" anchor="t" bIns="91425" lIns="91425" spcFirstLastPara="1" rIns="91425" wrap="square" tIns="91425">
-            <a:normAutofit/>
-          </a:bodyPr>
-          <a:lstStyle/>
-          <a:p>
-            <a:pPr indent="-336550" lvl="0" marL="457200" rtl="0" algn="l">
-              <a:spcBef>
-                <a:spcPts val="0"/>
-              </a:spcBef>
-              <a:spcAft>
-                <a:spcPts val="0"/>
-              </a:spcAft>
-              <a:buSzPts val="1700"/>
-              <a:buFont typeface="Arial"/>
-              <a:buChar char="●"/>
-            </a:pPr>
-            <a:r>
-              <a:rPr lang="en" sz="1700">
-                <a:latin typeface="Arial"/>
-                <a:ea typeface="Arial"/>
-                <a:cs typeface="Arial"/>
-                <a:sym typeface="Arial"/>
-              </a:rPr>
-              <a:t>Advanced NLP techniques</a:t>
-            </a:r>
-            <a:endParaRPr sz="1700">
-              <a:latin typeface="Arial"/>
-              <a:ea typeface="Arial"/>
-              <a:cs typeface="Arial"/>
-              <a:sym typeface="Arial"/>
-            </a:endParaRPr>
-          </a:p>
-          <a:p>
-            <a:pPr indent="-336550" lvl="0" marL="457200" rtl="0" algn="l">
-              <a:spcBef>
-                <a:spcPts val="0"/>
-              </a:spcBef>
-              <a:spcAft>
-                <a:spcPts val="0"/>
-              </a:spcAft>
-              <a:buSzPts val="1700"/>
-              <a:buFont typeface="Arial"/>
-              <a:buChar char="●"/>
-            </a:pPr>
-            <a:r>
-              <a:rPr lang="en" sz="1700">
-                <a:latin typeface="Arial"/>
-                <a:ea typeface="Arial"/>
-                <a:cs typeface="Arial"/>
-                <a:sym typeface="Arial"/>
-              </a:rPr>
-              <a:t>Performance optimization strategies</a:t>
-            </a:r>
-            <a:endParaRPr sz="1700">
-              <a:latin typeface="Arial"/>
-              <a:ea typeface="Arial"/>
-              <a:cs typeface="Arial"/>
-              <a:sym typeface="Arial"/>
-            </a:endParaRPr>
-          </a:p>
-          <a:p>
-            <a:pPr indent="-336550" lvl="0" marL="457200" rtl="0" algn="l">
-              <a:spcBef>
-                <a:spcPts val="0"/>
-              </a:spcBef>
-              <a:spcAft>
-                <a:spcPts val="0"/>
-              </a:spcAft>
-              <a:buSzPts val="1700"/>
-              <a:buFont typeface="Arial"/>
-              <a:buChar char="●"/>
-            </a:pPr>
-            <a:r>
-              <a:rPr lang="en" sz="1700">
-                <a:latin typeface="Arial"/>
-                <a:ea typeface="Arial"/>
-                <a:cs typeface="Arial"/>
-                <a:sym typeface="Arial"/>
-              </a:rPr>
-              <a:t>Dynamic node management</a:t>
-            </a:r>
-            <a:endParaRPr sz="1700">
-              <a:latin typeface="Arial"/>
-              <a:ea typeface="Arial"/>
-              <a:cs typeface="Arial"/>
-              <a:sym typeface="Arial"/>
-            </a:endParaRPr>
-          </a:p>
-          <a:p>
-            <a:pPr indent="-336550" lvl="0" marL="457200" rtl="0" algn="l">
-              <a:spcBef>
-                <a:spcPts val="0"/>
-              </a:spcBef>
-              <a:spcAft>
-                <a:spcPts val="0"/>
-              </a:spcAft>
-              <a:buSzPts val="1700"/>
-              <a:buFont typeface="Arial"/>
-              <a:buChar char="●"/>
-            </a:pPr>
-            <a:r>
-              <a:rPr lang="en" sz="1700">
-                <a:latin typeface="Arial"/>
-                <a:ea typeface="Arial"/>
-                <a:cs typeface="Arial"/>
-                <a:sym typeface="Arial"/>
-              </a:rPr>
-              <a:t>Security enhancements</a:t>
-            </a:r>
-            <a:endParaRPr sz="1700">
-              <a:latin typeface="Arial"/>
-              <a:ea typeface="Arial"/>
-              <a:cs typeface="Arial"/>
-              <a:sym typeface="Arial"/>
-            </a:endParaRPr>
-          </a:p>
-          <a:p>
-            <a:pPr indent="-336550" lvl="0" marL="457200" rtl="0" algn="l">
-              <a:spcBef>
-                <a:spcPts val="0"/>
-              </a:spcBef>
-              <a:spcAft>
-                <a:spcPts val="0"/>
-              </a:spcAft>
-              <a:buSzPts val="1700"/>
-              <a:buFont typeface="Arial"/>
-              <a:buChar char="●"/>
-            </a:pPr>
-            <a:r>
-              <a:rPr lang="en" sz="1700">
-                <a:latin typeface="Arial"/>
-                <a:ea typeface="Arial"/>
-                <a:cs typeface="Arial"/>
-                <a:sym typeface="Arial"/>
-              </a:rPr>
-              <a:t>Explainable AI integration</a:t>
-            </a:r>
-            <a:endParaRPr sz="1300">
-              <a:latin typeface="Arial"/>
-              <a:ea typeface="Arial"/>
-              <a:cs typeface="Arial"/>
-              <a:sym typeface="Arial"/>
-            </a:endParaRPr>
-          </a:p>
-        </p:txBody>
-      </p:sp>
-      <p:sp>
-        <p:nvSpPr>
-          <p:cNvPr id="192" name="Google Shape;192;p30"/>
+          <p:cNvPr id="81" name="Google Shape;81;p15"/>
           <p:cNvSpPr txBox="1"/>
           <p:nvPr/>
         </p:nvSpPr>
@@ -12237,7 +12919,7 @@
                 <a:cs typeface="Roboto Slab"/>
                 <a:sym typeface="Roboto Slab"/>
               </a:rPr>
-              <a:t>16</a:t>
+              <a:t>1</a:t>
             </a:r>
             <a:endParaRPr b="1">
               <a:solidFill>
@@ -12251,1153 +12933,9 @@
           </a:p>
         </p:txBody>
       </p:sp>
-    </p:spTree>
-  </p:cSld>
-  <p:clrMapOvr>
-    <a:masterClrMapping/>
-  </p:clrMapOvr>
-  <p:timing>
-    <p:tnLst>
-      <p:par>
-        <p:cTn dur="indefinite" nodeType="tmRoot" restart="never">
-          <p:childTnLst>
-            <p:seq concurrent="1" nextAc="seek">
-              <p:cTn dur="indefinite" id="2" nodeType="mainSeq">
-                <p:childTnLst>
-                  <p:par>
-                    <p:cTn fill="hold">
-                      <p:stCondLst>
-                        <p:cond delay="indefinite"/>
-                      </p:stCondLst>
-                      <p:childTnLst>
-                        <p:par>
-                          <p:cTn fill="hold">
-                            <p:stCondLst>
-                              <p:cond delay="0"/>
-                            </p:stCondLst>
-                            <p:childTnLst>
-                              <p:par>
-                                <p:cTn fill="hold" nodeType="clickEffect" presetClass="entr" presetID="2" presetSubtype="8">
-                                  <p:stCondLst>
-                                    <p:cond delay="0"/>
-                                  </p:stCondLst>
-                                  <p:childTnLst>
-                                    <p:set>
-                                      <p:cBhvr>
-                                        <p:cTn dur="1" fill="hold">
-                                          <p:stCondLst>
-                                            <p:cond delay="0"/>
-                                          </p:stCondLst>
-                                        </p:cTn>
-                                        <p:tgtEl>
-                                          <p:spTgt spid="190"/>
-                                        </p:tgtEl>
-                                        <p:attrNameLst>
-                                          <p:attrName>style.visibility</p:attrName>
-                                        </p:attrNameLst>
-                                      </p:cBhvr>
-                                      <p:to>
-                                        <p:strVal val="visible"/>
-                                      </p:to>
-                                    </p:set>
-                                    <p:anim calcmode="lin" valueType="num">
-                                      <p:cBhvr additive="base">
-                                        <p:cTn dur="1000"/>
-                                        <p:tgtEl>
-                                          <p:spTgt spid="190"/>
-                                        </p:tgtEl>
-                                        <p:attrNameLst>
-                                          <p:attrName>ppt_x</p:attrName>
-                                        </p:attrNameLst>
-                                      </p:cBhvr>
-                                      <p:tavLst>
-                                        <p:tav fmla="" tm="0">
-                                          <p:val>
-                                            <p:strVal val="#ppt_x-1"/>
-                                          </p:val>
-                                        </p:tav>
-                                        <p:tav fmla="" tm="100000">
-                                          <p:val>
-                                            <p:strVal val="#ppt_x"/>
-                                          </p:val>
-                                        </p:tav>
-                                      </p:tavLst>
-                                    </p:anim>
-                                  </p:childTnLst>
-                                </p:cTn>
-                              </p:par>
-                            </p:childTnLst>
-                          </p:cTn>
-                        </p:par>
-                      </p:childTnLst>
-                    </p:cTn>
-                  </p:par>
-                  <p:par>
-                    <p:cTn fill="hold">
-                      <p:stCondLst>
-                        <p:cond delay="indefinite"/>
-                      </p:stCondLst>
-                      <p:childTnLst>
-                        <p:par>
-                          <p:cTn fill="hold">
-                            <p:stCondLst>
-                              <p:cond delay="0"/>
-                            </p:stCondLst>
-                            <p:childTnLst>
-                              <p:par>
-                                <p:cTn fill="hold" nodeType="clickEffect" presetClass="entr" presetID="2" presetSubtype="2">
-                                  <p:stCondLst>
-                                    <p:cond delay="0"/>
-                                  </p:stCondLst>
-                                  <p:childTnLst>
-                                    <p:set>
-                                      <p:cBhvr>
-                                        <p:cTn dur="1" fill="hold">
-                                          <p:stCondLst>
-                                            <p:cond delay="0"/>
-                                          </p:stCondLst>
-                                        </p:cTn>
-                                        <p:tgtEl>
-                                          <p:spTgt spid="191"/>
-                                        </p:tgtEl>
-                                        <p:attrNameLst>
-                                          <p:attrName>style.visibility</p:attrName>
-                                        </p:attrNameLst>
-                                      </p:cBhvr>
-                                      <p:to>
-                                        <p:strVal val="visible"/>
-                                      </p:to>
-                                    </p:set>
-                                    <p:anim calcmode="lin" valueType="num">
-                                      <p:cBhvr additive="base">
-                                        <p:cTn dur="1000"/>
-                                        <p:tgtEl>
-                                          <p:spTgt spid="191"/>
-                                        </p:tgtEl>
-                                        <p:attrNameLst>
-                                          <p:attrName>ppt_x</p:attrName>
-                                        </p:attrNameLst>
-                                      </p:cBhvr>
-                                      <p:tavLst>
-                                        <p:tav fmla="" tm="0">
-                                          <p:val>
-                                            <p:strVal val="#ppt_x+1"/>
-                                          </p:val>
-                                        </p:tav>
-                                        <p:tav fmla="" tm="100000">
-                                          <p:val>
-                                            <p:strVal val="#ppt_x"/>
-                                          </p:val>
-                                        </p:tav>
-                                      </p:tavLst>
-                                    </p:anim>
-                                  </p:childTnLst>
-                                </p:cTn>
-                              </p:par>
-                            </p:childTnLst>
-                          </p:cTn>
-                        </p:par>
-                      </p:childTnLst>
-                    </p:cTn>
-                  </p:par>
-                </p:childTnLst>
-              </p:cTn>
-              <p:prevCondLst>
-                <p:cond evt="onPrev">
-                  <p:tgtEl>
-                    <p:sldTgt/>
-                  </p:tgtEl>
-                </p:cond>
-              </p:prevCondLst>
-              <p:nextCondLst>
-                <p:cond evt="onNext">
-                  <p:tgtEl>
-                    <p:sldTgt/>
-                  </p:tgtEl>
-                </p:cond>
-              </p:nextCondLst>
-            </p:seq>
-          </p:childTnLst>
-        </p:cTn>
-      </p:par>
-    </p:tnLst>
-  </p:timing>
-</p:sld>
-</file>
-
-<file path=ppt/slides/slide18.xml><?xml version="1.0" encoding="utf-8"?>
-<p:sld xmlns:a="http://schemas.openxmlformats.org/drawingml/2006/main" xmlns:r="http://schemas.openxmlformats.org/officeDocument/2006/relationships" xmlns:mc="http://schemas.openxmlformats.org/markup-compatibility/2006" xmlns:mv="urn:schemas-microsoft-com:mac:vml" xmlns:p="http://schemas.openxmlformats.org/presentationml/2006/main" xmlns:c="http://schemas.openxmlformats.org/drawingml/2006/chart" xmlns:dgm="http://schemas.openxmlformats.org/drawingml/2006/diagram" xmlns:o="urn:schemas-microsoft-com:office:office" xmlns:v="urn:schemas-microsoft-com:vml" xmlns:pvml="urn:schemas-microsoft-com:office:powerpoint" xmlns:com="http://schemas.openxmlformats.org/drawingml/2006/compatibility" xmlns:p14="http://schemas.microsoft.com/office/powerpoint/2010/main" xmlns:p15="http://schemas.microsoft.com/office/powerpoint/2012/main" xmlns:ahyp="http://schemas.microsoft.com/office/drawing/2018/hyperlinkcolor">
-  <p:cSld>
-    <p:spTree>
-      <p:nvGrpSpPr>
-        <p:cNvPr id="196" name="Shape 196"/>
-        <p:cNvGrpSpPr/>
-        <p:nvPr/>
-      </p:nvGrpSpPr>
-      <p:grpSpPr>
-        <a:xfrm>
-          <a:off x="0" y="0"/>
-          <a:ext cx="0" cy="0"/>
-          <a:chOff x="0" y="0"/>
-          <a:chExt cx="0" cy="0"/>
-        </a:xfrm>
-      </p:grpSpPr>
       <p:sp>
         <p:nvSpPr>
-          <p:cNvPr id="197" name="Google Shape;197;p31"/>
-          <p:cNvSpPr txBox="1"/>
-          <p:nvPr>
-            <p:ph type="title"/>
-          </p:nvPr>
-        </p:nvSpPr>
-        <p:spPr>
-          <a:xfrm>
-            <a:off x="387900" y="458025"/>
-            <a:ext cx="8368200" cy="686100"/>
-          </a:xfrm>
-          <a:prstGeom prst="rect">
-            <a:avLst/>
-          </a:prstGeom>
-        </p:spPr>
-        <p:txBody>
-          <a:bodyPr anchorCtr="0" anchor="b" bIns="91425" lIns="91425" spcFirstLastPara="1" rIns="91425" wrap="square" tIns="91425">
-            <a:normAutofit/>
-          </a:bodyPr>
-          <a:lstStyle/>
-          <a:p>
-            <a:pPr indent="0" lvl="0" marL="0" rtl="0" algn="l">
-              <a:lnSpc>
-                <a:spcPct val="90000"/>
-              </a:lnSpc>
-              <a:spcBef>
-                <a:spcPts val="0"/>
-              </a:spcBef>
-              <a:spcAft>
-                <a:spcPts val="0"/>
-              </a:spcAft>
-              <a:buClr>
-                <a:srgbClr val="000000"/>
-              </a:buClr>
-              <a:buSzPts val="1400"/>
-              <a:buFont typeface="Arial"/>
-              <a:buNone/>
-            </a:pPr>
-            <a:r>
-              <a:rPr lang="en"/>
-              <a:t>References</a:t>
-            </a:r>
-            <a:endParaRPr/>
-          </a:p>
-        </p:txBody>
-      </p:sp>
-      <p:sp>
-        <p:nvSpPr>
-          <p:cNvPr id="198" name="Google Shape;198;p31"/>
-          <p:cNvSpPr txBox="1"/>
-          <p:nvPr>
-            <p:ph idx="1" type="body"/>
-          </p:nvPr>
-        </p:nvSpPr>
-        <p:spPr>
-          <a:xfrm>
-            <a:off x="387900" y="1489824"/>
-            <a:ext cx="8368200" cy="3078900"/>
-          </a:xfrm>
-          <a:prstGeom prst="rect">
-            <a:avLst/>
-          </a:prstGeom>
-        </p:spPr>
-        <p:txBody>
-          <a:bodyPr anchorCtr="0" anchor="t" bIns="91425" lIns="91425" spcFirstLastPara="1" rIns="91425" wrap="square" tIns="91425">
-            <a:noAutofit/>
-          </a:bodyPr>
-          <a:lstStyle/>
-          <a:p>
-            <a:pPr indent="-298450" lvl="0" marL="457200" rtl="0" algn="l">
-              <a:lnSpc>
-                <a:spcPct val="115000"/>
-              </a:lnSpc>
-              <a:spcBef>
-                <a:spcPts val="900"/>
-              </a:spcBef>
-              <a:spcAft>
-                <a:spcPts val="0"/>
-              </a:spcAft>
-              <a:buSzPts val="1100"/>
-              <a:buFont typeface="Arial"/>
-              <a:buChar char="●"/>
-            </a:pPr>
-            <a:r>
-              <a:rPr i="1" lang="en" sz="1100">
-                <a:latin typeface="Arial"/>
-                <a:ea typeface="Arial"/>
-                <a:cs typeface="Arial"/>
-                <a:sym typeface="Arial"/>
-              </a:rPr>
-              <a:t>Li, Wenjuan, et al. "Blockchain-based trust management in cloud computing systems: a taxonomy, review and future directions." Journal of Cloud Computing 10.1 (2021): 35.</a:t>
-            </a:r>
-            <a:endParaRPr i="1" sz="1100">
-              <a:latin typeface="Arial"/>
-              <a:ea typeface="Arial"/>
-              <a:cs typeface="Arial"/>
-              <a:sym typeface="Arial"/>
-            </a:endParaRPr>
-          </a:p>
-          <a:p>
-            <a:pPr indent="-298450" lvl="0" marL="457200" rtl="0" algn="l">
-              <a:lnSpc>
-                <a:spcPct val="115000"/>
-              </a:lnSpc>
-              <a:spcBef>
-                <a:spcPts val="0"/>
-              </a:spcBef>
-              <a:spcAft>
-                <a:spcPts val="0"/>
-              </a:spcAft>
-              <a:buSzPts val="1100"/>
-              <a:buFont typeface="Arial"/>
-              <a:buChar char="●"/>
-            </a:pPr>
-            <a:r>
-              <a:rPr i="1" lang="en" sz="1100">
-                <a:latin typeface="Arial"/>
-                <a:ea typeface="Arial"/>
-                <a:cs typeface="Arial"/>
-                <a:sym typeface="Arial"/>
-              </a:rPr>
-              <a:t>Zamora, Juan, Héctor Allende-Cid, and Marcelo Mendoza. "Distributed clustering of text collections." IEEE Access 7 (2019): 155671-155685.</a:t>
-            </a:r>
-            <a:endParaRPr i="1" sz="1100">
-              <a:latin typeface="Arial"/>
-              <a:ea typeface="Arial"/>
-              <a:cs typeface="Arial"/>
-              <a:sym typeface="Arial"/>
-            </a:endParaRPr>
-          </a:p>
-          <a:p>
-            <a:pPr indent="-298450" lvl="0" marL="457200" rtl="0" algn="l">
-              <a:lnSpc>
-                <a:spcPct val="115000"/>
-              </a:lnSpc>
-              <a:spcBef>
-                <a:spcPts val="0"/>
-              </a:spcBef>
-              <a:spcAft>
-                <a:spcPts val="0"/>
-              </a:spcAft>
-              <a:buSzPts val="1100"/>
-              <a:buFont typeface="Arial"/>
-              <a:buChar char="●"/>
-            </a:pPr>
-            <a:r>
-              <a:rPr i="1" lang="en" sz="1100">
-                <a:latin typeface="Arial"/>
-                <a:ea typeface="Arial"/>
-                <a:cs typeface="Arial"/>
-                <a:sym typeface="Arial"/>
-              </a:rPr>
-              <a:t>Chen, Chaochao, et al. "Privacy preserving point-of-interest recommendation using decentralized matrix factorization." Proceedings of the AAAI conference on artificial intelligence. Vol. 32. No. 1. 2018.</a:t>
-            </a:r>
-            <a:endParaRPr i="1" sz="1100">
-              <a:latin typeface="Arial"/>
-              <a:ea typeface="Arial"/>
-              <a:cs typeface="Arial"/>
-              <a:sym typeface="Arial"/>
-            </a:endParaRPr>
-          </a:p>
-          <a:p>
-            <a:pPr indent="-298450" lvl="0" marL="457200" rtl="0" algn="l">
-              <a:lnSpc>
-                <a:spcPct val="115000"/>
-              </a:lnSpc>
-              <a:spcBef>
-                <a:spcPts val="0"/>
-              </a:spcBef>
-              <a:spcAft>
-                <a:spcPts val="0"/>
-              </a:spcAft>
-              <a:buSzPts val="1100"/>
-              <a:buFont typeface="Arial"/>
-              <a:buChar char="●"/>
-            </a:pPr>
-            <a:r>
-              <a:rPr i="1" lang="en" sz="1100">
-                <a:latin typeface="Arial"/>
-                <a:ea typeface="Arial"/>
-                <a:cs typeface="Arial"/>
-                <a:sym typeface="Arial"/>
-              </a:rPr>
-              <a:t>Fadi, Oumaima, Zkik Karim, and Boulmalf Mohammed. "A survey on blockchain and artificial intelligence technologies for enhancing security and privacy in smart environments." IEEE Access 10 (2022): 93168-93186.</a:t>
-            </a:r>
-            <a:endParaRPr i="1" sz="1100">
-              <a:latin typeface="Arial"/>
-              <a:ea typeface="Arial"/>
-              <a:cs typeface="Arial"/>
-              <a:sym typeface="Arial"/>
-            </a:endParaRPr>
-          </a:p>
-          <a:p>
-            <a:pPr indent="-298450" lvl="0" marL="457200" rtl="0" algn="l">
-              <a:lnSpc>
-                <a:spcPct val="115000"/>
-              </a:lnSpc>
-              <a:spcBef>
-                <a:spcPts val="0"/>
-              </a:spcBef>
-              <a:spcAft>
-                <a:spcPts val="0"/>
-              </a:spcAft>
-              <a:buSzPts val="1100"/>
-              <a:buFont typeface="Arial"/>
-              <a:buChar char="●"/>
-            </a:pPr>
-            <a:r>
-              <a:rPr i="1" lang="en" sz="1100">
-                <a:latin typeface="Arial"/>
-                <a:ea typeface="Arial"/>
-                <a:cs typeface="Arial"/>
-                <a:sym typeface="Arial"/>
-              </a:rPr>
-              <a:t>Bobadilla, Dariel, and Carlo Lipizzi. "A blockchain-based collaborative filtering recommendation system based on trust." 2021 18th International Computer Conference on Wavelet Active Media Technology and Information Processing (ICCWAMTIP). IEEE, 2021.</a:t>
-            </a:r>
-            <a:endParaRPr i="1" sz="1100">
-              <a:latin typeface="Arial"/>
-              <a:ea typeface="Arial"/>
-              <a:cs typeface="Arial"/>
-              <a:sym typeface="Arial"/>
-            </a:endParaRPr>
-          </a:p>
-          <a:p>
-            <a:pPr indent="-298450" lvl="0" marL="457200" rtl="0" algn="l">
-              <a:lnSpc>
-                <a:spcPct val="115000"/>
-              </a:lnSpc>
-              <a:spcBef>
-                <a:spcPts val="0"/>
-              </a:spcBef>
-              <a:spcAft>
-                <a:spcPts val="0"/>
-              </a:spcAft>
-              <a:buSzPts val="1100"/>
-              <a:buFont typeface="Arial"/>
-              <a:buChar char="●"/>
-            </a:pPr>
-            <a:r>
-              <a:rPr i="1" lang="en" sz="1100">
-                <a:latin typeface="Arial"/>
-                <a:ea typeface="Arial"/>
-                <a:cs typeface="Arial"/>
-                <a:sym typeface="Arial"/>
-              </a:rPr>
-              <a:t>Lavanya, R., and B. Bharathi. "Movie recommendation system to solve data sparsity using collaborative filtering approach." Transactions on Asian and Low-Resource Language Information Processing 20.5 (2021): 1-14.</a:t>
-            </a:r>
-            <a:endParaRPr i="1" sz="1100">
-              <a:latin typeface="Arial"/>
-              <a:ea typeface="Arial"/>
-              <a:cs typeface="Arial"/>
-              <a:sym typeface="Arial"/>
-            </a:endParaRPr>
-          </a:p>
-          <a:p>
-            <a:pPr indent="-298450" lvl="0" marL="457200" rtl="0" algn="l">
-              <a:lnSpc>
-                <a:spcPct val="115000"/>
-              </a:lnSpc>
-              <a:spcBef>
-                <a:spcPts val="0"/>
-              </a:spcBef>
-              <a:spcAft>
-                <a:spcPts val="0"/>
-              </a:spcAft>
-              <a:buSzPts val="1100"/>
-              <a:buFont typeface="Arial"/>
-              <a:buChar char="●"/>
-            </a:pPr>
-            <a:r>
-              <a:rPr i="1" lang="en" sz="1100">
-                <a:latin typeface="Arial"/>
-                <a:ea typeface="Arial"/>
-                <a:cs typeface="Arial"/>
-                <a:sym typeface="Arial"/>
-              </a:rPr>
-              <a:t>Yeh, Tzu-Yu, and Rasha Kashef. "Trust-Based collaborative filtering recommendation systems on the blockchain." Advances in Internet of Things 10.4.(2020): 37-56.</a:t>
-            </a:r>
-            <a:endParaRPr i="1" sz="1100">
-              <a:latin typeface="Arial"/>
-              <a:ea typeface="Arial"/>
-              <a:cs typeface="Arial"/>
-              <a:sym typeface="Arial"/>
-            </a:endParaRPr>
-          </a:p>
-        </p:txBody>
-      </p:sp>
-    </p:spTree>
-  </p:cSld>
-  <p:clrMapOvr>
-    <a:masterClrMapping/>
-  </p:clrMapOvr>
-</p:sld>
-</file>
-
-<file path=ppt/slides/slide19.xml><?xml version="1.0" encoding="utf-8"?>
-<p:sld xmlns:a="http://schemas.openxmlformats.org/drawingml/2006/main" xmlns:r="http://schemas.openxmlformats.org/officeDocument/2006/relationships" xmlns:mc="http://schemas.openxmlformats.org/markup-compatibility/2006" xmlns:mv="urn:schemas-microsoft-com:mac:vml" xmlns:p="http://schemas.openxmlformats.org/presentationml/2006/main" xmlns:c="http://schemas.openxmlformats.org/drawingml/2006/chart" xmlns:dgm="http://schemas.openxmlformats.org/drawingml/2006/diagram" xmlns:o="urn:schemas-microsoft-com:office:office" xmlns:v="urn:schemas-microsoft-com:vml" xmlns:pvml="urn:schemas-microsoft-com:office:powerpoint" xmlns:com="http://schemas.openxmlformats.org/drawingml/2006/compatibility" xmlns:p14="http://schemas.microsoft.com/office/powerpoint/2010/main" xmlns:p15="http://schemas.microsoft.com/office/powerpoint/2012/main" xmlns:ahyp="http://schemas.microsoft.com/office/drawing/2018/hyperlinkcolor">
-  <p:cSld>
-    <p:spTree>
-      <p:nvGrpSpPr>
-        <p:cNvPr id="202" name="Shape 202"/>
-        <p:cNvGrpSpPr/>
-        <p:nvPr/>
-      </p:nvGrpSpPr>
-      <p:grpSpPr>
-        <a:xfrm>
-          <a:off x="0" y="0"/>
-          <a:ext cx="0" cy="0"/>
-          <a:chOff x="0" y="0"/>
-          <a:chExt cx="0" cy="0"/>
-        </a:xfrm>
-      </p:grpSpPr>
-      <p:sp>
-        <p:nvSpPr>
-          <p:cNvPr id="203" name="Google Shape;203;p32"/>
-          <p:cNvSpPr txBox="1"/>
-          <p:nvPr>
-            <p:ph type="title"/>
-          </p:nvPr>
-        </p:nvSpPr>
-        <p:spPr>
-          <a:xfrm>
-            <a:off x="387900" y="458025"/>
-            <a:ext cx="8368200" cy="686100"/>
-          </a:xfrm>
-          <a:prstGeom prst="rect">
-            <a:avLst/>
-          </a:prstGeom>
-        </p:spPr>
-        <p:txBody>
-          <a:bodyPr anchorCtr="0" anchor="b" bIns="91425" lIns="91425" spcFirstLastPara="1" rIns="91425" wrap="square" tIns="91425">
-            <a:normAutofit/>
-          </a:bodyPr>
-          <a:lstStyle/>
-          <a:p>
-            <a:pPr indent="0" lvl="0" marL="0" rtl="0" algn="l">
-              <a:lnSpc>
-                <a:spcPct val="90000"/>
-              </a:lnSpc>
-              <a:spcBef>
-                <a:spcPts val="0"/>
-              </a:spcBef>
-              <a:spcAft>
-                <a:spcPts val="0"/>
-              </a:spcAft>
-              <a:buNone/>
-            </a:pPr>
-            <a:r>
-              <a:rPr lang="en"/>
-              <a:t>References</a:t>
-            </a:r>
-            <a:endParaRPr/>
-          </a:p>
-        </p:txBody>
-      </p:sp>
-      <p:sp>
-        <p:nvSpPr>
-          <p:cNvPr id="204" name="Google Shape;204;p32"/>
-          <p:cNvSpPr txBox="1"/>
-          <p:nvPr>
-            <p:ph idx="1" type="body"/>
-          </p:nvPr>
-        </p:nvSpPr>
-        <p:spPr>
-          <a:xfrm>
-            <a:off x="387900" y="1489824"/>
-            <a:ext cx="8368200" cy="3078900"/>
-          </a:xfrm>
-          <a:prstGeom prst="rect">
-            <a:avLst/>
-          </a:prstGeom>
-        </p:spPr>
-        <p:txBody>
-          <a:bodyPr anchorCtr="0" anchor="t" bIns="91425" lIns="91425" spcFirstLastPara="1" rIns="91425" wrap="square" tIns="91425">
-            <a:noAutofit/>
-          </a:bodyPr>
-          <a:lstStyle/>
-          <a:p>
-            <a:pPr indent="-289433" lvl="0" marL="457200" rtl="0" algn="l">
-              <a:lnSpc>
-                <a:spcPct val="105000"/>
-              </a:lnSpc>
-              <a:spcBef>
-                <a:spcPts val="900"/>
-              </a:spcBef>
-              <a:spcAft>
-                <a:spcPts val="0"/>
-              </a:spcAft>
-              <a:buSzPts val="958"/>
-              <a:buFont typeface="Arial"/>
-              <a:buChar char="●"/>
-            </a:pPr>
-            <a:r>
-              <a:rPr i="1" lang="en" sz="1178">
-                <a:latin typeface="Arial"/>
-                <a:ea typeface="Arial"/>
-                <a:cs typeface="Arial"/>
-                <a:sym typeface="Arial"/>
-              </a:rPr>
-              <a:t>Sharma, Nisha, and Mala Dutta. "Movie recommendation systems: A brief overview." Proceedings of the 8th international conference on computer and communications management. 2020.</a:t>
-            </a:r>
-            <a:endParaRPr i="1" sz="1178">
-              <a:latin typeface="Arial"/>
-              <a:ea typeface="Arial"/>
-              <a:cs typeface="Arial"/>
-              <a:sym typeface="Arial"/>
-            </a:endParaRPr>
-          </a:p>
-          <a:p>
-            <a:pPr indent="-289433" lvl="0" marL="457200" rtl="0" algn="l">
-              <a:lnSpc>
-                <a:spcPct val="105000"/>
-              </a:lnSpc>
-              <a:spcBef>
-                <a:spcPts val="0"/>
-              </a:spcBef>
-              <a:spcAft>
-                <a:spcPts val="0"/>
-              </a:spcAft>
-              <a:buSzPts val="958"/>
-              <a:buFont typeface="Arial"/>
-              <a:buChar char="●"/>
-            </a:pPr>
-            <a:r>
-              <a:rPr i="1" lang="en" sz="1178">
-                <a:latin typeface="Arial"/>
-                <a:ea typeface="Arial"/>
-                <a:cs typeface="Arial"/>
-                <a:sym typeface="Arial"/>
-              </a:rPr>
-              <a:t>Abduljabbar, Tamara Abdulmunim, et al. "A Secured Movie Recommendation System using Decentralized Blockchain Network." 2022 9th International Conference on Behavioural and Social Computing (BESC). IEEE, 2022.</a:t>
-            </a:r>
-            <a:endParaRPr i="1" sz="1178">
-              <a:latin typeface="Arial"/>
-              <a:ea typeface="Arial"/>
-              <a:cs typeface="Arial"/>
-              <a:sym typeface="Arial"/>
-            </a:endParaRPr>
-          </a:p>
-          <a:p>
-            <a:pPr indent="-289433" lvl="0" marL="457200" rtl="0" algn="l">
-              <a:lnSpc>
-                <a:spcPct val="105000"/>
-              </a:lnSpc>
-              <a:spcBef>
-                <a:spcPts val="0"/>
-              </a:spcBef>
-              <a:spcAft>
-                <a:spcPts val="0"/>
-              </a:spcAft>
-              <a:buSzPts val="958"/>
-              <a:buFont typeface="Arial"/>
-              <a:buChar char="●"/>
-            </a:pPr>
-            <a:r>
-              <a:rPr i="1" lang="en" sz="1178">
-                <a:latin typeface="Arial"/>
-                <a:ea typeface="Arial"/>
-                <a:cs typeface="Arial"/>
-                <a:sym typeface="Arial"/>
-              </a:rPr>
-              <a:t>Kim, Jinsu, et al. "Efficient privacy-preserving matrix factorization for recommendation via fully homomorphic encryption." ACM Transactions on Privacy and Security (TOPS) 21.4 (2018): 1-30.</a:t>
-            </a:r>
-            <a:endParaRPr i="1" sz="1178">
-              <a:latin typeface="Arial"/>
-              <a:ea typeface="Arial"/>
-              <a:cs typeface="Arial"/>
-              <a:sym typeface="Arial"/>
-            </a:endParaRPr>
-          </a:p>
-          <a:p>
-            <a:pPr indent="-289433" lvl="0" marL="457200" rtl="0" algn="l">
-              <a:lnSpc>
-                <a:spcPct val="105000"/>
-              </a:lnSpc>
-              <a:spcBef>
-                <a:spcPts val="0"/>
-              </a:spcBef>
-              <a:spcAft>
-                <a:spcPts val="0"/>
-              </a:spcAft>
-              <a:buSzPts val="958"/>
-              <a:buFont typeface="Arial"/>
-              <a:buChar char="●"/>
-            </a:pPr>
-            <a:r>
-              <a:rPr i="1" lang="en" sz="1178">
-                <a:latin typeface="Arial"/>
-                <a:ea typeface="Arial"/>
-                <a:cs typeface="Arial"/>
-                <a:sym typeface="Arial"/>
-              </a:rPr>
-              <a:t>Guo, Jianlan, et al. "Decentralized federated learning with privacy-preserving for recommendation systems." Enterprise Information Systems 17.9 (2023): 2193163.</a:t>
-            </a:r>
-            <a:endParaRPr i="1" sz="1178">
-              <a:latin typeface="Arial"/>
-              <a:ea typeface="Arial"/>
-              <a:cs typeface="Arial"/>
-              <a:sym typeface="Arial"/>
-            </a:endParaRPr>
-          </a:p>
-          <a:p>
-            <a:pPr indent="-289433" lvl="0" marL="457200" rtl="0" algn="l">
-              <a:lnSpc>
-                <a:spcPct val="105000"/>
-              </a:lnSpc>
-              <a:spcBef>
-                <a:spcPts val="0"/>
-              </a:spcBef>
-              <a:spcAft>
-                <a:spcPts val="0"/>
-              </a:spcAft>
-              <a:buSzPts val="958"/>
-              <a:buFont typeface="Arial"/>
-              <a:buChar char="●"/>
-            </a:pPr>
-            <a:r>
-              <a:rPr i="1" lang="en" sz="1178">
-                <a:latin typeface="Arial"/>
-                <a:ea typeface="Arial"/>
-                <a:cs typeface="Arial"/>
-                <a:sym typeface="Arial"/>
-              </a:rPr>
-              <a:t>Abduljabbar, Tamara Abdulmunim, et al. "A Secured Movie Recommendation System using Decentralized Blockchain Network." 2022 9th International Conference on Behavioural and Social Computing (BESC). IEEE, 2022.</a:t>
-            </a:r>
-            <a:endParaRPr i="1" sz="1178">
-              <a:latin typeface="Arial"/>
-              <a:ea typeface="Arial"/>
-              <a:cs typeface="Arial"/>
-              <a:sym typeface="Arial"/>
-            </a:endParaRPr>
-          </a:p>
-          <a:p>
-            <a:pPr indent="-289433" lvl="0" marL="457200" rtl="0" algn="l">
-              <a:lnSpc>
-                <a:spcPct val="105000"/>
-              </a:lnSpc>
-              <a:spcBef>
-                <a:spcPts val="0"/>
-              </a:spcBef>
-              <a:spcAft>
-                <a:spcPts val="0"/>
-              </a:spcAft>
-              <a:buSzPts val="958"/>
-              <a:buFont typeface="Arial"/>
-              <a:buChar char="●"/>
-            </a:pPr>
-            <a:r>
-              <a:rPr i="1" lang="en" sz="1178">
-                <a:latin typeface="Arial"/>
-                <a:ea typeface="Arial"/>
-                <a:cs typeface="Arial"/>
-                <a:sym typeface="Arial"/>
-              </a:rPr>
-              <a:t>Chen, Chaochao, et al. "Privacy preserving point-of-interest recommendation using decentralized matrix factorization." Proceedings of the AAAI conference on artificial intelligence. Vol. 32. No. 1. 2018.</a:t>
-            </a:r>
-            <a:endParaRPr i="1" sz="1178">
-              <a:latin typeface="Arial"/>
-              <a:ea typeface="Arial"/>
-              <a:cs typeface="Arial"/>
-              <a:sym typeface="Arial"/>
-            </a:endParaRPr>
-          </a:p>
-          <a:p>
-            <a:pPr indent="-289433" lvl="0" marL="457200" rtl="0" algn="l">
-              <a:lnSpc>
-                <a:spcPct val="105000"/>
-              </a:lnSpc>
-              <a:spcBef>
-                <a:spcPts val="0"/>
-              </a:spcBef>
-              <a:spcAft>
-                <a:spcPts val="0"/>
-              </a:spcAft>
-              <a:buSzPts val="958"/>
-              <a:buFont typeface="Arial"/>
-              <a:buChar char="●"/>
-            </a:pPr>
-            <a:r>
-              <a:rPr i="1" lang="en" sz="1178">
-                <a:latin typeface="Arial"/>
-                <a:ea typeface="Arial"/>
-                <a:cs typeface="Arial"/>
-                <a:sym typeface="Arial"/>
-              </a:rPr>
-              <a:t>Kouicem, Djamel Eddine, et al. "Decentralized blockchain-based trust management protocol for the Internet of Things." IEEE Transactions on Dependable and Secure Computing 19.2 (2020): 1292-1306.</a:t>
-            </a:r>
-            <a:endParaRPr i="1" sz="1178">
-              <a:latin typeface="Arial"/>
-              <a:ea typeface="Arial"/>
-              <a:cs typeface="Arial"/>
-              <a:sym typeface="Arial"/>
-            </a:endParaRPr>
-          </a:p>
-          <a:p>
-            <a:pPr indent="-289433" lvl="0" marL="457200" rtl="0" algn="l">
-              <a:lnSpc>
-                <a:spcPct val="105000"/>
-              </a:lnSpc>
-              <a:spcBef>
-                <a:spcPts val="0"/>
-              </a:spcBef>
-              <a:spcAft>
-                <a:spcPts val="0"/>
-              </a:spcAft>
-              <a:buSzPts val="958"/>
-              <a:buFont typeface="Arial"/>
-              <a:buChar char="●"/>
-            </a:pPr>
-            <a:r>
-              <a:rPr i="1" lang="en" sz="1178">
-                <a:latin typeface="Arial"/>
-                <a:ea typeface="Arial"/>
-                <a:cs typeface="Arial"/>
-                <a:sym typeface="Arial"/>
-              </a:rPr>
-              <a:t>Himeur, Yassine, et al. "Blockchain-based recommender systems: Applications, challenges and future opportunities." Computer Science Review 43 (2022): 100439.</a:t>
-            </a:r>
-            <a:endParaRPr i="1" sz="1035">
-              <a:latin typeface="Arial"/>
-              <a:ea typeface="Arial"/>
-              <a:cs typeface="Arial"/>
-              <a:sym typeface="Arial"/>
-            </a:endParaRPr>
-          </a:p>
-        </p:txBody>
-      </p:sp>
-    </p:spTree>
-  </p:cSld>
-  <p:clrMapOvr>
-    <a:masterClrMapping/>
-  </p:clrMapOvr>
-</p:sld>
-</file>
-
-<file path=ppt/slides/slide2.xml><?xml version="1.0" encoding="utf-8"?>
-<p:sld xmlns:a="http://schemas.openxmlformats.org/drawingml/2006/main" xmlns:r="http://schemas.openxmlformats.org/officeDocument/2006/relationships" xmlns:mc="http://schemas.openxmlformats.org/markup-compatibility/2006" xmlns:mv="urn:schemas-microsoft-com:mac:vml" xmlns:p="http://schemas.openxmlformats.org/presentationml/2006/main" xmlns:c="http://schemas.openxmlformats.org/drawingml/2006/chart" xmlns:dgm="http://schemas.openxmlformats.org/drawingml/2006/diagram" xmlns:o="urn:schemas-microsoft-com:office:office" xmlns:v="urn:schemas-microsoft-com:vml" xmlns:pvml="urn:schemas-microsoft-com:office:powerpoint" xmlns:com="http://schemas.openxmlformats.org/drawingml/2006/compatibility" xmlns:p14="http://schemas.microsoft.com/office/powerpoint/2010/main" xmlns:p15="http://schemas.microsoft.com/office/powerpoint/2012/main" xmlns:ahyp="http://schemas.microsoft.com/office/drawing/2018/hyperlinkcolor">
-  <p:cSld>
-    <p:spTree>
-      <p:nvGrpSpPr>
-        <p:cNvPr id="77" name="Shape 77"/>
-        <p:cNvGrpSpPr/>
-        <p:nvPr/>
-      </p:nvGrpSpPr>
-      <p:grpSpPr>
-        <a:xfrm>
-          <a:off x="0" y="0"/>
-          <a:ext cx="0" cy="0"/>
-          <a:chOff x="0" y="0"/>
-          <a:chExt cx="0" cy="0"/>
-        </a:xfrm>
-      </p:grpSpPr>
-      <p:sp>
-        <p:nvSpPr>
-          <p:cNvPr id="78" name="Google Shape;78;p15"/>
-          <p:cNvSpPr txBox="1"/>
-          <p:nvPr>
-            <p:ph type="title"/>
-          </p:nvPr>
-        </p:nvSpPr>
-        <p:spPr>
-          <a:xfrm>
-            <a:off x="387900" y="458025"/>
-            <a:ext cx="8368200" cy="686100"/>
-          </a:xfrm>
-          <a:prstGeom prst="rect">
-            <a:avLst/>
-          </a:prstGeom>
-        </p:spPr>
-        <p:txBody>
-          <a:bodyPr anchorCtr="0" anchor="b" bIns="91425" lIns="91425" spcFirstLastPara="1" rIns="91425" wrap="square" tIns="91425">
-            <a:normAutofit/>
-          </a:bodyPr>
-          <a:lstStyle/>
-          <a:p>
-            <a:pPr indent="0" lvl="0" marL="0" rtl="0" algn="l">
-              <a:spcBef>
-                <a:spcPts val="0"/>
-              </a:spcBef>
-              <a:spcAft>
-                <a:spcPts val="0"/>
-              </a:spcAft>
-              <a:buNone/>
-            </a:pPr>
-            <a:r>
-              <a:rPr lang="en"/>
-              <a:t>Introduction</a:t>
-            </a:r>
-            <a:endParaRPr/>
-          </a:p>
-        </p:txBody>
-      </p:sp>
-      <p:sp>
-        <p:nvSpPr>
-          <p:cNvPr id="79" name="Google Shape;79;p15"/>
-          <p:cNvSpPr txBox="1"/>
-          <p:nvPr>
-            <p:ph idx="1" type="body"/>
-          </p:nvPr>
-        </p:nvSpPr>
-        <p:spPr>
-          <a:xfrm>
-            <a:off x="387900" y="1489825"/>
-            <a:ext cx="8368200" cy="1913400"/>
-          </a:xfrm>
-          <a:prstGeom prst="rect">
-            <a:avLst/>
-          </a:prstGeom>
-        </p:spPr>
-        <p:txBody>
-          <a:bodyPr anchorCtr="0" anchor="t" bIns="91425" lIns="91425" spcFirstLastPara="1" rIns="91425" wrap="square" tIns="91425">
-            <a:normAutofit/>
-          </a:bodyPr>
-          <a:lstStyle/>
-          <a:p>
-            <a:pPr indent="-342900" lvl="0" marL="457200" rtl="0" algn="l">
-              <a:spcBef>
-                <a:spcPts val="0"/>
-              </a:spcBef>
-              <a:spcAft>
-                <a:spcPts val="0"/>
-              </a:spcAft>
-              <a:buSzPts val="1800"/>
-              <a:buFont typeface="Arial"/>
-              <a:buChar char="❏"/>
-            </a:pPr>
-            <a:r>
-              <a:rPr lang="en">
-                <a:latin typeface="Arial"/>
-                <a:ea typeface="Arial"/>
-                <a:cs typeface="Arial"/>
-                <a:sym typeface="Arial"/>
-              </a:rPr>
-              <a:t> </a:t>
-            </a:r>
-            <a:r>
-              <a:rPr lang="en">
-                <a:latin typeface="Arial"/>
-                <a:ea typeface="Arial"/>
-                <a:cs typeface="Arial"/>
-                <a:sym typeface="Arial"/>
-              </a:rPr>
-              <a:t>Recommendation systems</a:t>
-            </a:r>
-            <a:endParaRPr>
-              <a:latin typeface="Arial"/>
-              <a:ea typeface="Arial"/>
-              <a:cs typeface="Arial"/>
-              <a:sym typeface="Arial"/>
-            </a:endParaRPr>
-          </a:p>
-          <a:p>
-            <a:pPr indent="-342900" lvl="0" marL="457200" rtl="0" algn="l">
-              <a:spcBef>
-                <a:spcPts val="0"/>
-              </a:spcBef>
-              <a:spcAft>
-                <a:spcPts val="0"/>
-              </a:spcAft>
-              <a:buSzPts val="1800"/>
-              <a:buFont typeface="Arial"/>
-              <a:buChar char="❏"/>
-            </a:pPr>
-            <a:r>
-              <a:rPr lang="en">
-                <a:latin typeface="Arial"/>
-                <a:ea typeface="Arial"/>
-                <a:cs typeface="Arial"/>
-                <a:sym typeface="Arial"/>
-              </a:rPr>
-              <a:t> </a:t>
-            </a:r>
-            <a:r>
-              <a:rPr lang="en">
-                <a:latin typeface="Arial"/>
-                <a:ea typeface="Arial"/>
-                <a:cs typeface="Arial"/>
-                <a:sym typeface="Arial"/>
-              </a:rPr>
-              <a:t>Prevalence in digital platforms (e-commerce, streaming services)</a:t>
-            </a:r>
-            <a:endParaRPr>
-              <a:latin typeface="Arial"/>
-              <a:ea typeface="Arial"/>
-              <a:cs typeface="Arial"/>
-              <a:sym typeface="Arial"/>
-            </a:endParaRPr>
-          </a:p>
-          <a:p>
-            <a:pPr indent="-342900" lvl="0" marL="457200" rtl="0" algn="l">
-              <a:spcBef>
-                <a:spcPts val="0"/>
-              </a:spcBef>
-              <a:spcAft>
-                <a:spcPts val="0"/>
-              </a:spcAft>
-              <a:buSzPts val="1800"/>
-              <a:buFont typeface="Arial"/>
-              <a:buChar char="❏"/>
-            </a:pPr>
-            <a:r>
-              <a:rPr lang="en">
-                <a:latin typeface="Arial"/>
-                <a:ea typeface="Arial"/>
-                <a:cs typeface="Arial"/>
-                <a:sym typeface="Arial"/>
-              </a:rPr>
-              <a:t> </a:t>
-            </a:r>
-            <a:r>
-              <a:rPr lang="en">
-                <a:latin typeface="Arial"/>
-                <a:ea typeface="Arial"/>
-                <a:cs typeface="Arial"/>
-                <a:sym typeface="Arial"/>
-              </a:rPr>
-              <a:t>Importance in enhancing user experience</a:t>
-            </a:r>
-            <a:endParaRPr>
-              <a:latin typeface="Arial"/>
-              <a:ea typeface="Arial"/>
-              <a:cs typeface="Arial"/>
-              <a:sym typeface="Arial"/>
-            </a:endParaRPr>
-          </a:p>
-          <a:p>
-            <a:pPr indent="-342900" lvl="0" marL="457200" rtl="0" algn="l">
-              <a:spcBef>
-                <a:spcPts val="0"/>
-              </a:spcBef>
-              <a:spcAft>
-                <a:spcPts val="0"/>
-              </a:spcAft>
-              <a:buSzPts val="1800"/>
-              <a:buFont typeface="Arial"/>
-              <a:buChar char="❏"/>
-            </a:pPr>
-            <a:r>
-              <a:rPr lang="en">
-                <a:latin typeface="Arial"/>
-                <a:ea typeface="Arial"/>
-                <a:cs typeface="Arial"/>
-                <a:sym typeface="Arial"/>
-              </a:rPr>
-              <a:t> </a:t>
-            </a:r>
-            <a:r>
-              <a:rPr lang="en">
-                <a:latin typeface="Arial"/>
-                <a:ea typeface="Arial"/>
-                <a:cs typeface="Arial"/>
-                <a:sym typeface="Arial"/>
-              </a:rPr>
-              <a:t>Challenges with centralized systems</a:t>
-            </a:r>
-            <a:r>
-              <a:rPr lang="en">
-                <a:latin typeface="Arial"/>
-                <a:ea typeface="Arial"/>
-                <a:cs typeface="Arial"/>
-                <a:sym typeface="Arial"/>
-              </a:rPr>
-              <a:t>:</a:t>
-            </a:r>
-            <a:endParaRPr>
-              <a:latin typeface="Arial"/>
-              <a:ea typeface="Arial"/>
-              <a:cs typeface="Arial"/>
-              <a:sym typeface="Arial"/>
-            </a:endParaRPr>
-          </a:p>
-          <a:p>
-            <a:pPr indent="0" lvl="0" marL="457200" rtl="0" algn="l">
-              <a:spcBef>
-                <a:spcPts val="1200"/>
-              </a:spcBef>
-              <a:spcAft>
-                <a:spcPts val="1200"/>
-              </a:spcAft>
-              <a:buNone/>
-            </a:pPr>
-            <a:r>
-              <a:t/>
-            </a:r>
-            <a:endParaRPr>
-              <a:latin typeface="Arial"/>
-              <a:ea typeface="Arial"/>
-              <a:cs typeface="Arial"/>
-              <a:sym typeface="Arial"/>
-            </a:endParaRPr>
-          </a:p>
-        </p:txBody>
-      </p:sp>
-      <p:sp>
-        <p:nvSpPr>
-          <p:cNvPr id="80" name="Google Shape;80;p15"/>
-          <p:cNvSpPr txBox="1"/>
-          <p:nvPr/>
-        </p:nvSpPr>
-        <p:spPr>
-          <a:xfrm>
-            <a:off x="8276725" y="235625"/>
-            <a:ext cx="541500" cy="326400"/>
-          </a:xfrm>
-          <a:prstGeom prst="rect">
-            <a:avLst/>
-          </a:prstGeom>
-          <a:noFill/>
-          <a:ln>
-            <a:noFill/>
-          </a:ln>
-        </p:spPr>
-        <p:txBody>
-          <a:bodyPr anchorCtr="0" anchor="t" bIns="91425" lIns="91425" spcFirstLastPara="1" rIns="91425" wrap="square" tIns="91425">
-            <a:noAutofit/>
-          </a:bodyPr>
-          <a:lstStyle/>
-          <a:p>
-            <a:pPr indent="0" lvl="0" marL="0" rtl="0" algn="ctr">
-              <a:spcBef>
-                <a:spcPts val="0"/>
-              </a:spcBef>
-              <a:spcAft>
-                <a:spcPts val="0"/>
-              </a:spcAft>
-              <a:buNone/>
-            </a:pPr>
-            <a:r>
-              <a:rPr b="1" lang="en">
-                <a:solidFill>
-                  <a:schemeClr val="dk1"/>
-                </a:solidFill>
-                <a:latin typeface="Roboto Slab"/>
-                <a:ea typeface="Roboto Slab"/>
-                <a:cs typeface="Roboto Slab"/>
-                <a:sym typeface="Roboto Slab"/>
-              </a:rPr>
-              <a:t>1</a:t>
-            </a:r>
-            <a:endParaRPr b="1">
-              <a:solidFill>
-                <a:schemeClr val="dk1"/>
-              </a:solidFill>
-              <a:latin typeface="Roboto Slab"/>
-              <a:ea typeface="Roboto Slab"/>
-              <a:cs typeface="Roboto Slab"/>
-              <a:sym typeface="Roboto Slab"/>
-            </a:endParaRPr>
-          </a:p>
-        </p:txBody>
-      </p:sp>
-      <p:sp>
-        <p:nvSpPr>
-          <p:cNvPr id="81" name="Google Shape;81;p15"/>
+          <p:cNvPr id="82" name="Google Shape;82;p15"/>
           <p:cNvSpPr txBox="1"/>
           <p:nvPr/>
         </p:nvSpPr>
@@ -13607,7 +13145,7 @@
             </a:pPr>
             <a:r>
               <a:rPr lang="en"/>
-              <a:t> Q&amp;A</a:t>
+              <a:t>Future Work</a:t>
             </a:r>
             <a:endParaRPr/>
           </a:p>
@@ -13623,8 +13161,8 @@
         </p:nvSpPr>
         <p:spPr>
           <a:xfrm>
-            <a:off x="387900" y="1489824"/>
-            <a:ext cx="8368200" cy="3078900"/>
+            <a:off x="309375" y="1638775"/>
+            <a:ext cx="3804300" cy="3078900"/>
           </a:xfrm>
           <a:prstGeom prst="rect">
             <a:avLst/>
@@ -13636,69 +13174,314 @@
           </a:bodyPr>
           <a:lstStyle/>
           <a:p>
-            <a:pPr indent="0" lvl="0" marL="0" rtl="0" algn="ctr">
-              <a:lnSpc>
-                <a:spcPct val="90000"/>
-              </a:lnSpc>
-              <a:spcBef>
-                <a:spcPts val="900"/>
-              </a:spcBef>
-              <a:spcAft>
-                <a:spcPts val="0"/>
-              </a:spcAft>
-              <a:buNone/>
-            </a:pPr>
-            <a:r>
-              <a:rPr b="1" i="1" lang="en" sz="4000">
-                <a:latin typeface="Impact"/>
-                <a:ea typeface="Impact"/>
-                <a:cs typeface="Impact"/>
-                <a:sym typeface="Impact"/>
+            <a:pPr indent="-336550" lvl="0" marL="457200" rtl="0" algn="l">
+              <a:spcBef>
+                <a:spcPts val="0"/>
+              </a:spcBef>
+              <a:spcAft>
+                <a:spcPts val="0"/>
+              </a:spcAft>
+              <a:buSzPts val="1700"/>
+              <a:buFont typeface="Arial"/>
+              <a:buChar char="●"/>
+            </a:pPr>
+            <a:r>
+              <a:rPr lang="en" sz="1700">
+                <a:latin typeface="Arial"/>
+                <a:ea typeface="Arial"/>
+                <a:cs typeface="Arial"/>
+                <a:sym typeface="Arial"/>
               </a:rPr>
-              <a:t>Thank YOU…</a:t>
-            </a:r>
-            <a:endParaRPr sz="1000">
-              <a:latin typeface="Impact"/>
-              <a:ea typeface="Impact"/>
-              <a:cs typeface="Impact"/>
-              <a:sym typeface="Impact"/>
+              <a:t>Hybrid recommendation    approaches</a:t>
+            </a:r>
+            <a:endParaRPr sz="1700">
+              <a:latin typeface="Arial"/>
+              <a:ea typeface="Arial"/>
+              <a:cs typeface="Arial"/>
+              <a:sym typeface="Arial"/>
             </a:endParaRPr>
           </a:p>
           <a:p>
-            <a:pPr indent="0" lvl="0" marL="0" rtl="0" algn="l">
-              <a:spcBef>
-                <a:spcPts val="0"/>
-              </a:spcBef>
-              <a:spcAft>
-                <a:spcPts val="0"/>
-              </a:spcAft>
-              <a:buNone/>
-            </a:pPr>
-            <a:r>
-              <a:t/>
-            </a:r>
-            <a:endParaRPr/>
-          </a:p>
-          <a:p>
-            <a:pPr indent="0" lvl="0" marL="0" rtl="0" algn="l">
-              <a:spcBef>
-                <a:spcPts val="1200"/>
-              </a:spcBef>
-              <a:spcAft>
-                <a:spcPts val="1200"/>
-              </a:spcAft>
-              <a:buNone/>
-            </a:pPr>
-            <a:r>
-              <a:t/>
-            </a:r>
-            <a:endParaRPr/>
+            <a:pPr indent="-336550" lvl="0" marL="457200" rtl="0" algn="l">
+              <a:spcBef>
+                <a:spcPts val="0"/>
+              </a:spcBef>
+              <a:spcAft>
+                <a:spcPts val="0"/>
+              </a:spcAft>
+              <a:buSzPts val="1700"/>
+              <a:buFont typeface="Arial"/>
+              <a:buChar char="●"/>
+            </a:pPr>
+            <a:r>
+              <a:rPr lang="en" sz="1700">
+                <a:latin typeface="Arial"/>
+                <a:ea typeface="Arial"/>
+                <a:cs typeface="Arial"/>
+                <a:sym typeface="Arial"/>
+              </a:rPr>
+              <a:t>Enhanced data collection methods</a:t>
+            </a:r>
+            <a:endParaRPr sz="1700">
+              <a:latin typeface="Arial"/>
+              <a:ea typeface="Arial"/>
+              <a:cs typeface="Arial"/>
+              <a:sym typeface="Arial"/>
+            </a:endParaRPr>
+          </a:p>
+          <a:p>
+            <a:pPr indent="-336550" lvl="0" marL="457200" rtl="0" algn="l">
+              <a:spcBef>
+                <a:spcPts val="0"/>
+              </a:spcBef>
+              <a:spcAft>
+                <a:spcPts val="0"/>
+              </a:spcAft>
+              <a:buSzPts val="1700"/>
+              <a:buFont typeface="Arial"/>
+              <a:buChar char="●"/>
+            </a:pPr>
+            <a:r>
+              <a:rPr lang="en" sz="1700">
+                <a:latin typeface="Arial"/>
+                <a:ea typeface="Arial"/>
+                <a:cs typeface="Arial"/>
+                <a:sym typeface="Arial"/>
+              </a:rPr>
+              <a:t>Personalization improvements</a:t>
+            </a:r>
+            <a:endParaRPr sz="1700">
+              <a:latin typeface="Arial"/>
+              <a:ea typeface="Arial"/>
+              <a:cs typeface="Arial"/>
+              <a:sym typeface="Arial"/>
+            </a:endParaRPr>
+          </a:p>
+          <a:p>
+            <a:pPr indent="-336550" lvl="0" marL="457200" rtl="0" algn="l">
+              <a:spcBef>
+                <a:spcPts val="0"/>
+              </a:spcBef>
+              <a:spcAft>
+                <a:spcPts val="0"/>
+              </a:spcAft>
+              <a:buSzPts val="1700"/>
+              <a:buFont typeface="Arial"/>
+              <a:buChar char="●"/>
+            </a:pPr>
+            <a:r>
+              <a:rPr lang="en" sz="1700">
+                <a:latin typeface="Arial"/>
+                <a:ea typeface="Arial"/>
+                <a:cs typeface="Arial"/>
+                <a:sym typeface="Arial"/>
+              </a:rPr>
+              <a:t>Cross-platform deployment</a:t>
+            </a:r>
+            <a:endParaRPr sz="1700">
+              <a:latin typeface="Arial"/>
+              <a:ea typeface="Arial"/>
+              <a:cs typeface="Arial"/>
+              <a:sym typeface="Arial"/>
+            </a:endParaRPr>
+          </a:p>
+          <a:p>
+            <a:pPr indent="-336550" lvl="0" marL="457200" rtl="0" algn="l">
+              <a:spcBef>
+                <a:spcPts val="0"/>
+              </a:spcBef>
+              <a:spcAft>
+                <a:spcPts val="0"/>
+              </a:spcAft>
+              <a:buSzPts val="1700"/>
+              <a:buFont typeface="Arial"/>
+              <a:buChar char="●"/>
+            </a:pPr>
+            <a:r>
+              <a:rPr lang="en" sz="1700">
+                <a:latin typeface="Arial"/>
+                <a:ea typeface="Arial"/>
+                <a:cs typeface="Arial"/>
+                <a:sym typeface="Arial"/>
+              </a:rPr>
+              <a:t>Blockchain integration possibilities</a:t>
+            </a:r>
+            <a:endParaRPr sz="1300">
+              <a:latin typeface="Arial"/>
+              <a:ea typeface="Arial"/>
+              <a:cs typeface="Arial"/>
+              <a:sym typeface="Arial"/>
+            </a:endParaRPr>
           </a:p>
         </p:txBody>
       </p:sp>
       <p:sp>
         <p:nvSpPr>
           <p:cNvPr id="211" name="Google Shape;211;p33"/>
+          <p:cNvSpPr txBox="1"/>
+          <p:nvPr>
+            <p:ph idx="2" type="body"/>
+          </p:nvPr>
+        </p:nvSpPr>
+        <p:spPr>
+          <a:xfrm>
+            <a:off x="4756200" y="1638775"/>
+            <a:ext cx="3999900" cy="3078900"/>
+          </a:xfrm>
+          <a:prstGeom prst="rect">
+            <a:avLst/>
+          </a:prstGeom>
+        </p:spPr>
+        <p:txBody>
+          <a:bodyPr anchorCtr="0" anchor="t" bIns="91425" lIns="91425" spcFirstLastPara="1" rIns="91425" wrap="square" tIns="91425">
+            <a:normAutofit/>
+          </a:bodyPr>
+          <a:lstStyle/>
+          <a:p>
+            <a:pPr indent="-336550" lvl="0" marL="457200" rtl="0" algn="l">
+              <a:spcBef>
+                <a:spcPts val="0"/>
+              </a:spcBef>
+              <a:spcAft>
+                <a:spcPts val="0"/>
+              </a:spcAft>
+              <a:buSzPts val="1700"/>
+              <a:buFont typeface="Arial"/>
+              <a:buChar char="●"/>
+            </a:pPr>
+            <a:r>
+              <a:rPr lang="en" sz="1700">
+                <a:latin typeface="Arial"/>
+                <a:ea typeface="Arial"/>
+                <a:cs typeface="Arial"/>
+                <a:sym typeface="Arial"/>
+              </a:rPr>
+              <a:t>Advanced NLP techniques</a:t>
+            </a:r>
+            <a:endParaRPr sz="1700">
+              <a:latin typeface="Arial"/>
+              <a:ea typeface="Arial"/>
+              <a:cs typeface="Arial"/>
+              <a:sym typeface="Arial"/>
+            </a:endParaRPr>
+          </a:p>
+          <a:p>
+            <a:pPr indent="-336550" lvl="0" marL="457200" rtl="0" algn="l">
+              <a:spcBef>
+                <a:spcPts val="0"/>
+              </a:spcBef>
+              <a:spcAft>
+                <a:spcPts val="0"/>
+              </a:spcAft>
+              <a:buSzPts val="1700"/>
+              <a:buFont typeface="Arial"/>
+              <a:buChar char="●"/>
+            </a:pPr>
+            <a:r>
+              <a:rPr lang="en" sz="1700">
+                <a:latin typeface="Arial"/>
+                <a:ea typeface="Arial"/>
+                <a:cs typeface="Arial"/>
+                <a:sym typeface="Arial"/>
+              </a:rPr>
+              <a:t>Performance optimization strategies</a:t>
+            </a:r>
+            <a:endParaRPr sz="1700">
+              <a:latin typeface="Arial"/>
+              <a:ea typeface="Arial"/>
+              <a:cs typeface="Arial"/>
+              <a:sym typeface="Arial"/>
+            </a:endParaRPr>
+          </a:p>
+          <a:p>
+            <a:pPr indent="-336550" lvl="0" marL="457200" rtl="0" algn="l">
+              <a:spcBef>
+                <a:spcPts val="0"/>
+              </a:spcBef>
+              <a:spcAft>
+                <a:spcPts val="0"/>
+              </a:spcAft>
+              <a:buSzPts val="1700"/>
+              <a:buFont typeface="Arial"/>
+              <a:buChar char="●"/>
+            </a:pPr>
+            <a:r>
+              <a:rPr lang="en" sz="1700">
+                <a:latin typeface="Arial"/>
+                <a:ea typeface="Arial"/>
+                <a:cs typeface="Arial"/>
+                <a:sym typeface="Arial"/>
+              </a:rPr>
+              <a:t>Dynamic node management</a:t>
+            </a:r>
+            <a:endParaRPr sz="1700">
+              <a:latin typeface="Arial"/>
+              <a:ea typeface="Arial"/>
+              <a:cs typeface="Arial"/>
+              <a:sym typeface="Arial"/>
+            </a:endParaRPr>
+          </a:p>
+          <a:p>
+            <a:pPr indent="-336550" lvl="0" marL="457200" rtl="0" algn="l">
+              <a:spcBef>
+                <a:spcPts val="0"/>
+              </a:spcBef>
+              <a:spcAft>
+                <a:spcPts val="0"/>
+              </a:spcAft>
+              <a:buSzPts val="1700"/>
+              <a:buFont typeface="Arial"/>
+              <a:buChar char="●"/>
+            </a:pPr>
+            <a:r>
+              <a:rPr lang="en" sz="1700">
+                <a:latin typeface="Arial"/>
+                <a:ea typeface="Arial"/>
+                <a:cs typeface="Arial"/>
+                <a:sym typeface="Arial"/>
+              </a:rPr>
+              <a:t>Security enhancements</a:t>
+            </a:r>
+            <a:endParaRPr sz="1700">
+              <a:latin typeface="Arial"/>
+              <a:ea typeface="Arial"/>
+              <a:cs typeface="Arial"/>
+              <a:sym typeface="Arial"/>
+            </a:endParaRPr>
+          </a:p>
+          <a:p>
+            <a:pPr indent="-336550" lvl="0" marL="457200" rtl="0" algn="l">
+              <a:spcBef>
+                <a:spcPts val="0"/>
+              </a:spcBef>
+              <a:spcAft>
+                <a:spcPts val="0"/>
+              </a:spcAft>
+              <a:buSzPts val="1700"/>
+              <a:buFont typeface="Arial"/>
+              <a:buChar char="●"/>
+            </a:pPr>
+            <a:r>
+              <a:rPr lang="en" sz="1700">
+                <a:latin typeface="Arial"/>
+                <a:ea typeface="Arial"/>
+                <a:cs typeface="Arial"/>
+                <a:sym typeface="Arial"/>
+              </a:rPr>
+              <a:t>Explainable AI integration</a:t>
+            </a:r>
+            <a:endParaRPr sz="1300">
+              <a:latin typeface="Arial"/>
+              <a:ea typeface="Arial"/>
+              <a:cs typeface="Arial"/>
+              <a:sym typeface="Arial"/>
+            </a:endParaRPr>
+          </a:p>
+        </p:txBody>
+      </p:sp>
+      <p:sp>
+        <p:nvSpPr>
+          <p:cNvPr id="212" name="Google Shape;212;p33"/>
           <p:cNvSpPr txBox="1"/>
           <p:nvPr/>
         </p:nvSpPr>
@@ -13731,7 +13514,1044 @@
               <a:buNone/>
             </a:pPr>
             <a:r>
+              <a:rPr b="1" lang="en">
+                <a:solidFill>
+                  <a:schemeClr val="dk1"/>
+                </a:solidFill>
+                <a:latin typeface="Roboto Slab"/>
+                <a:ea typeface="Roboto Slab"/>
+                <a:cs typeface="Roboto Slab"/>
+                <a:sym typeface="Roboto Slab"/>
+              </a:rPr>
+              <a:t>19</a:t>
+            </a:r>
+            <a:endParaRPr b="1">
+              <a:solidFill>
+                <a:schemeClr val="dk1"/>
+              </a:solidFill>
+              <a:latin typeface="Roboto Slab"/>
+              <a:ea typeface="Roboto Slab"/>
+              <a:cs typeface="Roboto Slab"/>
+              <a:sym typeface="Roboto Slab"/>
+            </a:endParaRPr>
+          </a:p>
+        </p:txBody>
+      </p:sp>
+    </p:spTree>
+  </p:cSld>
+  <p:clrMapOvr>
+    <a:masterClrMapping/>
+  </p:clrMapOvr>
+  <p:transition spd="med">
+    <p:push dir="r"/>
+  </p:transition>
+</p:sld>
+</file>
+
+<file path=ppt/slides/slide21.xml><?xml version="1.0" encoding="utf-8"?>
+<p:sld xmlns:a="http://schemas.openxmlformats.org/drawingml/2006/main" xmlns:r="http://schemas.openxmlformats.org/officeDocument/2006/relationships" xmlns:mc="http://schemas.openxmlformats.org/markup-compatibility/2006" xmlns:mv="urn:schemas-microsoft-com:mac:vml" xmlns:p="http://schemas.openxmlformats.org/presentationml/2006/main" xmlns:c="http://schemas.openxmlformats.org/drawingml/2006/chart" xmlns:dgm="http://schemas.openxmlformats.org/drawingml/2006/diagram" xmlns:o="urn:schemas-microsoft-com:office:office" xmlns:v="urn:schemas-microsoft-com:vml" xmlns:pvml="urn:schemas-microsoft-com:office:powerpoint" xmlns:com="http://schemas.openxmlformats.org/drawingml/2006/compatibility" xmlns:p14="http://schemas.microsoft.com/office/powerpoint/2010/main" xmlns:p15="http://schemas.microsoft.com/office/powerpoint/2012/main" xmlns:ahyp="http://schemas.microsoft.com/office/drawing/2018/hyperlinkcolor">
+  <p:cSld>
+    <p:spTree>
+      <p:nvGrpSpPr>
+        <p:cNvPr id="216" name="Shape 216"/>
+        <p:cNvGrpSpPr/>
+        <p:nvPr/>
+      </p:nvGrpSpPr>
+      <p:grpSpPr>
+        <a:xfrm>
+          <a:off x="0" y="0"/>
+          <a:ext cx="0" cy="0"/>
+          <a:chOff x="0" y="0"/>
+          <a:chExt cx="0" cy="0"/>
+        </a:xfrm>
+      </p:grpSpPr>
+      <p:sp>
+        <p:nvSpPr>
+          <p:cNvPr id="217" name="Google Shape;217;p34"/>
+          <p:cNvSpPr txBox="1"/>
+          <p:nvPr>
+            <p:ph type="title"/>
+          </p:nvPr>
+        </p:nvSpPr>
+        <p:spPr>
+          <a:xfrm>
+            <a:off x="387900" y="458025"/>
+            <a:ext cx="8368200" cy="686100"/>
+          </a:xfrm>
+          <a:prstGeom prst="rect">
+            <a:avLst/>
+          </a:prstGeom>
+        </p:spPr>
+        <p:txBody>
+          <a:bodyPr anchorCtr="0" anchor="b" bIns="91425" lIns="91425" spcFirstLastPara="1" rIns="91425" wrap="square" tIns="91425">
+            <a:normAutofit/>
+          </a:bodyPr>
+          <a:lstStyle/>
+          <a:p>
+            <a:pPr indent="0" lvl="0" marL="0" rtl="0" algn="l">
+              <a:lnSpc>
+                <a:spcPct val="90000"/>
+              </a:lnSpc>
+              <a:spcBef>
+                <a:spcPts val="0"/>
+              </a:spcBef>
+              <a:spcAft>
+                <a:spcPts val="0"/>
+              </a:spcAft>
+              <a:buClr>
+                <a:srgbClr val="000000"/>
+              </a:buClr>
+              <a:buSzPts val="1400"/>
+              <a:buFont typeface="Arial"/>
+              <a:buNone/>
+            </a:pPr>
+            <a:r>
+              <a:rPr lang="en"/>
+              <a:t>References</a:t>
+            </a:r>
+            <a:endParaRPr/>
+          </a:p>
+        </p:txBody>
+      </p:sp>
+      <p:sp>
+        <p:nvSpPr>
+          <p:cNvPr id="218" name="Google Shape;218;p34"/>
+          <p:cNvSpPr txBox="1"/>
+          <p:nvPr>
+            <p:ph idx="1" type="body"/>
+          </p:nvPr>
+        </p:nvSpPr>
+        <p:spPr>
+          <a:xfrm>
+            <a:off x="387900" y="1489824"/>
+            <a:ext cx="8368200" cy="3078900"/>
+          </a:xfrm>
+          <a:prstGeom prst="rect">
+            <a:avLst/>
+          </a:prstGeom>
+        </p:spPr>
+        <p:txBody>
+          <a:bodyPr anchorCtr="0" anchor="t" bIns="91425" lIns="91425" spcFirstLastPara="1" rIns="91425" wrap="square" tIns="91425">
+            <a:noAutofit/>
+          </a:bodyPr>
+          <a:lstStyle/>
+          <a:p>
+            <a:pPr indent="-298450" lvl="0" marL="457200" rtl="0" algn="l">
+              <a:lnSpc>
+                <a:spcPct val="115000"/>
+              </a:lnSpc>
+              <a:spcBef>
+                <a:spcPts val="900"/>
+              </a:spcBef>
+              <a:spcAft>
+                <a:spcPts val="0"/>
+              </a:spcAft>
+              <a:buSzPts val="1100"/>
+              <a:buFont typeface="Arial"/>
+              <a:buChar char="●"/>
+            </a:pPr>
+            <a:r>
+              <a:rPr i="1" lang="en" sz="1100">
+                <a:latin typeface="Arial"/>
+                <a:ea typeface="Arial"/>
+                <a:cs typeface="Arial"/>
+                <a:sym typeface="Arial"/>
+              </a:rPr>
+              <a:t>Li, Wenjuan, et al. "Blockchain-based trust management in cloud computing systems: a taxonomy, review and future directions." Journal of Cloud Computing 10.1 (2021): 35.</a:t>
+            </a:r>
+            <a:endParaRPr i="1" sz="1100">
+              <a:latin typeface="Arial"/>
+              <a:ea typeface="Arial"/>
+              <a:cs typeface="Arial"/>
+              <a:sym typeface="Arial"/>
+            </a:endParaRPr>
+          </a:p>
+          <a:p>
+            <a:pPr indent="-298450" lvl="0" marL="457200" rtl="0" algn="l">
+              <a:lnSpc>
+                <a:spcPct val="115000"/>
+              </a:lnSpc>
+              <a:spcBef>
+                <a:spcPts val="0"/>
+              </a:spcBef>
+              <a:spcAft>
+                <a:spcPts val="0"/>
+              </a:spcAft>
+              <a:buSzPts val="1100"/>
+              <a:buFont typeface="Arial"/>
+              <a:buChar char="●"/>
+            </a:pPr>
+            <a:r>
+              <a:rPr i="1" lang="en" sz="1100">
+                <a:latin typeface="Arial"/>
+                <a:ea typeface="Arial"/>
+                <a:cs typeface="Arial"/>
+                <a:sym typeface="Arial"/>
+              </a:rPr>
+              <a:t>Zamora, Juan, Héctor Allende-Cid, and Marcelo Mendoza. "Distributed clustering of text collections." IEEE Access 7 (2019): 155671-155685.</a:t>
+            </a:r>
+            <a:endParaRPr i="1" sz="1100">
+              <a:latin typeface="Arial"/>
+              <a:ea typeface="Arial"/>
+              <a:cs typeface="Arial"/>
+              <a:sym typeface="Arial"/>
+            </a:endParaRPr>
+          </a:p>
+          <a:p>
+            <a:pPr indent="-298450" lvl="0" marL="457200" rtl="0" algn="l">
+              <a:lnSpc>
+                <a:spcPct val="115000"/>
+              </a:lnSpc>
+              <a:spcBef>
+                <a:spcPts val="0"/>
+              </a:spcBef>
+              <a:spcAft>
+                <a:spcPts val="0"/>
+              </a:spcAft>
+              <a:buSzPts val="1100"/>
+              <a:buFont typeface="Arial"/>
+              <a:buChar char="●"/>
+            </a:pPr>
+            <a:r>
+              <a:rPr i="1" lang="en" sz="1100">
+                <a:latin typeface="Arial"/>
+                <a:ea typeface="Arial"/>
+                <a:cs typeface="Arial"/>
+                <a:sym typeface="Arial"/>
+              </a:rPr>
+              <a:t>Chen, Chaochao, et al. "Privacy preserving point-of-interest recommendation using decentralized matrix factorization." Proceedings of the AAAI conference on artificial intelligence. Vol. 32. No. 1. 2018.</a:t>
+            </a:r>
+            <a:endParaRPr i="1" sz="1100">
+              <a:latin typeface="Arial"/>
+              <a:ea typeface="Arial"/>
+              <a:cs typeface="Arial"/>
+              <a:sym typeface="Arial"/>
+            </a:endParaRPr>
+          </a:p>
+          <a:p>
+            <a:pPr indent="-298450" lvl="0" marL="457200" rtl="0" algn="l">
+              <a:lnSpc>
+                <a:spcPct val="115000"/>
+              </a:lnSpc>
+              <a:spcBef>
+                <a:spcPts val="0"/>
+              </a:spcBef>
+              <a:spcAft>
+                <a:spcPts val="0"/>
+              </a:spcAft>
+              <a:buSzPts val="1100"/>
+              <a:buFont typeface="Arial"/>
+              <a:buChar char="●"/>
+            </a:pPr>
+            <a:r>
+              <a:rPr i="1" lang="en" sz="1100">
+                <a:latin typeface="Arial"/>
+                <a:ea typeface="Arial"/>
+                <a:cs typeface="Arial"/>
+                <a:sym typeface="Arial"/>
+              </a:rPr>
+              <a:t>Fadi, Oumaima, Zkik Karim, and Boulmalf Mohammed. "A survey on blockchain and artificial intelligence technologies for enhancing security and privacy in smart environments." IEEE Access 10 (2022): 93168-93186.</a:t>
+            </a:r>
+            <a:endParaRPr i="1" sz="1100">
+              <a:latin typeface="Arial"/>
+              <a:ea typeface="Arial"/>
+              <a:cs typeface="Arial"/>
+              <a:sym typeface="Arial"/>
+            </a:endParaRPr>
+          </a:p>
+          <a:p>
+            <a:pPr indent="-298450" lvl="0" marL="457200" rtl="0" algn="l">
+              <a:lnSpc>
+                <a:spcPct val="115000"/>
+              </a:lnSpc>
+              <a:spcBef>
+                <a:spcPts val="0"/>
+              </a:spcBef>
+              <a:spcAft>
+                <a:spcPts val="0"/>
+              </a:spcAft>
+              <a:buSzPts val="1100"/>
+              <a:buFont typeface="Arial"/>
+              <a:buChar char="●"/>
+            </a:pPr>
+            <a:r>
+              <a:rPr i="1" lang="en" sz="1100">
+                <a:latin typeface="Arial"/>
+                <a:ea typeface="Arial"/>
+                <a:cs typeface="Arial"/>
+                <a:sym typeface="Arial"/>
+              </a:rPr>
+              <a:t>Bobadilla, Dariel, and Carlo Lipizzi. "A blockchain-based collaborative filtering recommendation system based on trust." 2021 18th International Computer Conference on Wavelet Active Media Technology and Information Processing (ICCWAMTIP). IEEE, 2021.</a:t>
+            </a:r>
+            <a:endParaRPr i="1" sz="1100">
+              <a:latin typeface="Arial"/>
+              <a:ea typeface="Arial"/>
+              <a:cs typeface="Arial"/>
+              <a:sym typeface="Arial"/>
+            </a:endParaRPr>
+          </a:p>
+          <a:p>
+            <a:pPr indent="-298450" lvl="0" marL="457200" rtl="0" algn="l">
+              <a:lnSpc>
+                <a:spcPct val="115000"/>
+              </a:lnSpc>
+              <a:spcBef>
+                <a:spcPts val="0"/>
+              </a:spcBef>
+              <a:spcAft>
+                <a:spcPts val="0"/>
+              </a:spcAft>
+              <a:buSzPts val="1100"/>
+              <a:buFont typeface="Arial"/>
+              <a:buChar char="●"/>
+            </a:pPr>
+            <a:r>
+              <a:rPr i="1" lang="en" sz="1100">
+                <a:latin typeface="Arial"/>
+                <a:ea typeface="Arial"/>
+                <a:cs typeface="Arial"/>
+                <a:sym typeface="Arial"/>
+              </a:rPr>
+              <a:t>Lavanya, R., and B. Bharathi. "Movie recommendation system to solve data sparsity using collaborative filtering approach." Transactions on Asian and Low-Resource Language Information Processing 20.5 (2021): 1-14.</a:t>
+            </a:r>
+            <a:endParaRPr i="1" sz="1100">
+              <a:latin typeface="Arial"/>
+              <a:ea typeface="Arial"/>
+              <a:cs typeface="Arial"/>
+              <a:sym typeface="Arial"/>
+            </a:endParaRPr>
+          </a:p>
+          <a:p>
+            <a:pPr indent="-298450" lvl="0" marL="457200" rtl="0" algn="l">
+              <a:lnSpc>
+                <a:spcPct val="115000"/>
+              </a:lnSpc>
+              <a:spcBef>
+                <a:spcPts val="0"/>
+              </a:spcBef>
+              <a:spcAft>
+                <a:spcPts val="0"/>
+              </a:spcAft>
+              <a:buSzPts val="1100"/>
+              <a:buFont typeface="Arial"/>
+              <a:buChar char="●"/>
+            </a:pPr>
+            <a:r>
+              <a:rPr i="1" lang="en" sz="1100">
+                <a:latin typeface="Arial"/>
+                <a:ea typeface="Arial"/>
+                <a:cs typeface="Arial"/>
+                <a:sym typeface="Arial"/>
+              </a:rPr>
+              <a:t>Yeh, Tzu-Yu, and Rasha Kashef. "Trust-Based collaborative filtering recommendation systems on the blockchain." Advances in Internet of Things 10.4.(2020): 37-56.</a:t>
+            </a:r>
+            <a:endParaRPr i="1" sz="1100">
+              <a:latin typeface="Arial"/>
+              <a:ea typeface="Arial"/>
+              <a:cs typeface="Arial"/>
+              <a:sym typeface="Arial"/>
+            </a:endParaRPr>
+          </a:p>
+        </p:txBody>
+      </p:sp>
+      <p:sp>
+        <p:nvSpPr>
+          <p:cNvPr id="219" name="Google Shape;219;p34"/>
+          <p:cNvSpPr txBox="1"/>
+          <p:nvPr/>
+        </p:nvSpPr>
+        <p:spPr>
+          <a:xfrm>
+            <a:off x="8276725" y="235625"/>
+            <a:ext cx="541500" cy="326400"/>
+          </a:xfrm>
+          <a:prstGeom prst="rect">
+            <a:avLst/>
+          </a:prstGeom>
+          <a:noFill/>
+          <a:ln>
+            <a:noFill/>
+          </a:ln>
+        </p:spPr>
+        <p:txBody>
+          <a:bodyPr anchorCtr="0" anchor="t" bIns="91425" lIns="91425" spcFirstLastPara="1" rIns="91425" wrap="square" tIns="91425">
+            <a:noAutofit/>
+          </a:bodyPr>
+          <a:lstStyle/>
+          <a:p>
+            <a:pPr indent="0" lvl="0" marL="0" rtl="0" algn="ctr">
+              <a:spcBef>
+                <a:spcPts val="0"/>
+              </a:spcBef>
+              <a:spcAft>
+                <a:spcPts val="0"/>
+              </a:spcAft>
+              <a:buNone/>
+            </a:pPr>
+            <a:r>
+              <a:rPr b="1" lang="en">
+                <a:solidFill>
+                  <a:schemeClr val="dk1"/>
+                </a:solidFill>
+                <a:latin typeface="Roboto Slab"/>
+                <a:ea typeface="Roboto Slab"/>
+                <a:cs typeface="Roboto Slab"/>
+                <a:sym typeface="Roboto Slab"/>
+              </a:rPr>
+              <a:t>20</a:t>
+            </a:r>
+            <a:endParaRPr b="1">
+              <a:solidFill>
+                <a:schemeClr val="dk1"/>
+              </a:solidFill>
+              <a:latin typeface="Roboto Slab"/>
+              <a:ea typeface="Roboto Slab"/>
+              <a:cs typeface="Roboto Slab"/>
+              <a:sym typeface="Roboto Slab"/>
+            </a:endParaRPr>
+          </a:p>
+        </p:txBody>
+      </p:sp>
+    </p:spTree>
+  </p:cSld>
+  <p:clrMapOvr>
+    <a:masterClrMapping/>
+  </p:clrMapOvr>
+</p:sld>
+</file>
+
+<file path=ppt/slides/slide22.xml><?xml version="1.0" encoding="utf-8"?>
+<p:sld xmlns:a="http://schemas.openxmlformats.org/drawingml/2006/main" xmlns:r="http://schemas.openxmlformats.org/officeDocument/2006/relationships" xmlns:mc="http://schemas.openxmlformats.org/markup-compatibility/2006" xmlns:mv="urn:schemas-microsoft-com:mac:vml" xmlns:p="http://schemas.openxmlformats.org/presentationml/2006/main" xmlns:c="http://schemas.openxmlformats.org/drawingml/2006/chart" xmlns:dgm="http://schemas.openxmlformats.org/drawingml/2006/diagram" xmlns:o="urn:schemas-microsoft-com:office:office" xmlns:v="urn:schemas-microsoft-com:vml" xmlns:pvml="urn:schemas-microsoft-com:office:powerpoint" xmlns:com="http://schemas.openxmlformats.org/drawingml/2006/compatibility" xmlns:p14="http://schemas.microsoft.com/office/powerpoint/2010/main" xmlns:p15="http://schemas.microsoft.com/office/powerpoint/2012/main" xmlns:ahyp="http://schemas.microsoft.com/office/drawing/2018/hyperlinkcolor">
+  <p:cSld>
+    <p:spTree>
+      <p:nvGrpSpPr>
+        <p:cNvPr id="223" name="Shape 223"/>
+        <p:cNvGrpSpPr/>
+        <p:nvPr/>
+      </p:nvGrpSpPr>
+      <p:grpSpPr>
+        <a:xfrm>
+          <a:off x="0" y="0"/>
+          <a:ext cx="0" cy="0"/>
+          <a:chOff x="0" y="0"/>
+          <a:chExt cx="0" cy="0"/>
+        </a:xfrm>
+      </p:grpSpPr>
+      <p:sp>
+        <p:nvSpPr>
+          <p:cNvPr id="224" name="Google Shape;224;p35"/>
+          <p:cNvSpPr txBox="1"/>
+          <p:nvPr>
+            <p:ph type="title"/>
+          </p:nvPr>
+        </p:nvSpPr>
+        <p:spPr>
+          <a:xfrm>
+            <a:off x="387900" y="458025"/>
+            <a:ext cx="8368200" cy="686100"/>
+          </a:xfrm>
+          <a:prstGeom prst="rect">
+            <a:avLst/>
+          </a:prstGeom>
+        </p:spPr>
+        <p:txBody>
+          <a:bodyPr anchorCtr="0" anchor="b" bIns="91425" lIns="91425" spcFirstLastPara="1" rIns="91425" wrap="square" tIns="91425">
+            <a:normAutofit/>
+          </a:bodyPr>
+          <a:lstStyle/>
+          <a:p>
+            <a:pPr indent="0" lvl="0" marL="0" rtl="0" algn="l">
+              <a:lnSpc>
+                <a:spcPct val="90000"/>
+              </a:lnSpc>
+              <a:spcBef>
+                <a:spcPts val="0"/>
+              </a:spcBef>
+              <a:spcAft>
+                <a:spcPts val="0"/>
+              </a:spcAft>
+              <a:buNone/>
+            </a:pPr>
+            <a:r>
+              <a:rPr lang="en"/>
+              <a:t>References</a:t>
+            </a:r>
+            <a:endParaRPr/>
+          </a:p>
+        </p:txBody>
+      </p:sp>
+      <p:sp>
+        <p:nvSpPr>
+          <p:cNvPr id="225" name="Google Shape;225;p35"/>
+          <p:cNvSpPr txBox="1"/>
+          <p:nvPr>
+            <p:ph idx="1" type="body"/>
+          </p:nvPr>
+        </p:nvSpPr>
+        <p:spPr>
+          <a:xfrm>
+            <a:off x="387900" y="1489824"/>
+            <a:ext cx="8368200" cy="3078900"/>
+          </a:xfrm>
+          <a:prstGeom prst="rect">
+            <a:avLst/>
+          </a:prstGeom>
+        </p:spPr>
+        <p:txBody>
+          <a:bodyPr anchorCtr="0" anchor="t" bIns="91425" lIns="91425" spcFirstLastPara="1" rIns="91425" wrap="square" tIns="91425">
+            <a:noAutofit/>
+          </a:bodyPr>
+          <a:lstStyle/>
+          <a:p>
+            <a:pPr indent="-289433" lvl="0" marL="457200" rtl="0" algn="l">
+              <a:lnSpc>
+                <a:spcPct val="105000"/>
+              </a:lnSpc>
+              <a:spcBef>
+                <a:spcPts val="900"/>
+              </a:spcBef>
+              <a:spcAft>
+                <a:spcPts val="0"/>
+              </a:spcAft>
+              <a:buSzPts val="958"/>
+              <a:buFont typeface="Arial"/>
+              <a:buChar char="●"/>
+            </a:pPr>
+            <a:r>
+              <a:rPr i="1" lang="en" sz="1178">
+                <a:latin typeface="Arial"/>
+                <a:ea typeface="Arial"/>
+                <a:cs typeface="Arial"/>
+                <a:sym typeface="Arial"/>
+              </a:rPr>
+              <a:t>Sharma, Nisha, and Mala Dutta. "Movie recommendation systems: A brief overview." Proceedings of the 8th international conference on computer and communications management. 2020.</a:t>
+            </a:r>
+            <a:endParaRPr i="1" sz="1178">
+              <a:latin typeface="Arial"/>
+              <a:ea typeface="Arial"/>
+              <a:cs typeface="Arial"/>
+              <a:sym typeface="Arial"/>
+            </a:endParaRPr>
+          </a:p>
+          <a:p>
+            <a:pPr indent="-289433" lvl="0" marL="457200" rtl="0" algn="l">
+              <a:lnSpc>
+                <a:spcPct val="105000"/>
+              </a:lnSpc>
+              <a:spcBef>
+                <a:spcPts val="0"/>
+              </a:spcBef>
+              <a:spcAft>
+                <a:spcPts val="0"/>
+              </a:spcAft>
+              <a:buSzPts val="958"/>
+              <a:buFont typeface="Arial"/>
+              <a:buChar char="●"/>
+            </a:pPr>
+            <a:r>
+              <a:rPr i="1" lang="en" sz="1178">
+                <a:latin typeface="Arial"/>
+                <a:ea typeface="Arial"/>
+                <a:cs typeface="Arial"/>
+                <a:sym typeface="Arial"/>
+              </a:rPr>
+              <a:t>Abduljabbar, Tamara Abdulmunim, et al. "A Secured Movie Recommendation System using Decentralized Blockchain Network." 2022 9th International Conference on Behavioural and Social Computing (BESC). IEEE, 2022.</a:t>
+            </a:r>
+            <a:endParaRPr i="1" sz="1178">
+              <a:latin typeface="Arial"/>
+              <a:ea typeface="Arial"/>
+              <a:cs typeface="Arial"/>
+              <a:sym typeface="Arial"/>
+            </a:endParaRPr>
+          </a:p>
+          <a:p>
+            <a:pPr indent="-289433" lvl="0" marL="457200" rtl="0" algn="l">
+              <a:lnSpc>
+                <a:spcPct val="105000"/>
+              </a:lnSpc>
+              <a:spcBef>
+                <a:spcPts val="0"/>
+              </a:spcBef>
+              <a:spcAft>
+                <a:spcPts val="0"/>
+              </a:spcAft>
+              <a:buSzPts val="958"/>
+              <a:buFont typeface="Arial"/>
+              <a:buChar char="●"/>
+            </a:pPr>
+            <a:r>
+              <a:rPr i="1" lang="en" sz="1178">
+                <a:latin typeface="Arial"/>
+                <a:ea typeface="Arial"/>
+                <a:cs typeface="Arial"/>
+                <a:sym typeface="Arial"/>
+              </a:rPr>
+              <a:t>Kim, Jinsu, et al. "Efficient privacy-preserving matrix factorization for recommendation via fully homomorphic encryption." ACM Transactions on Privacy and Security (TOPS) 21.4 (2018): 1-30.</a:t>
+            </a:r>
+            <a:endParaRPr i="1" sz="1178">
+              <a:latin typeface="Arial"/>
+              <a:ea typeface="Arial"/>
+              <a:cs typeface="Arial"/>
+              <a:sym typeface="Arial"/>
+            </a:endParaRPr>
+          </a:p>
+          <a:p>
+            <a:pPr indent="-289433" lvl="0" marL="457200" rtl="0" algn="l">
+              <a:lnSpc>
+                <a:spcPct val="105000"/>
+              </a:lnSpc>
+              <a:spcBef>
+                <a:spcPts val="0"/>
+              </a:spcBef>
+              <a:spcAft>
+                <a:spcPts val="0"/>
+              </a:spcAft>
+              <a:buSzPts val="958"/>
+              <a:buFont typeface="Arial"/>
+              <a:buChar char="●"/>
+            </a:pPr>
+            <a:r>
+              <a:rPr i="1" lang="en" sz="1178">
+                <a:latin typeface="Arial"/>
+                <a:ea typeface="Arial"/>
+                <a:cs typeface="Arial"/>
+                <a:sym typeface="Arial"/>
+              </a:rPr>
+              <a:t>Guo, Jianlan, et al. "Decentralized federated learning with privacy-preserving for recommendation systems." Enterprise Information Systems 17.9 (2023): 2193163.</a:t>
+            </a:r>
+            <a:endParaRPr i="1" sz="1178">
+              <a:latin typeface="Arial"/>
+              <a:ea typeface="Arial"/>
+              <a:cs typeface="Arial"/>
+              <a:sym typeface="Arial"/>
+            </a:endParaRPr>
+          </a:p>
+          <a:p>
+            <a:pPr indent="-289433" lvl="0" marL="457200" rtl="0" algn="l">
+              <a:lnSpc>
+                <a:spcPct val="105000"/>
+              </a:lnSpc>
+              <a:spcBef>
+                <a:spcPts val="0"/>
+              </a:spcBef>
+              <a:spcAft>
+                <a:spcPts val="0"/>
+              </a:spcAft>
+              <a:buSzPts val="958"/>
+              <a:buFont typeface="Arial"/>
+              <a:buChar char="●"/>
+            </a:pPr>
+            <a:r>
+              <a:rPr i="1" lang="en" sz="1178">
+                <a:latin typeface="Arial"/>
+                <a:ea typeface="Arial"/>
+                <a:cs typeface="Arial"/>
+                <a:sym typeface="Arial"/>
+              </a:rPr>
+              <a:t>Abduljabbar, Tamara Abdulmunim, et al. "A Secured Movie Recommendation System using Decentralized Blockchain Network." 2022 9th International Conference on Behavioural and Social Computing (BESC). IEEE, 2022.</a:t>
+            </a:r>
+            <a:endParaRPr i="1" sz="1178">
+              <a:latin typeface="Arial"/>
+              <a:ea typeface="Arial"/>
+              <a:cs typeface="Arial"/>
+              <a:sym typeface="Arial"/>
+            </a:endParaRPr>
+          </a:p>
+          <a:p>
+            <a:pPr indent="-289433" lvl="0" marL="457200" rtl="0" algn="l">
+              <a:lnSpc>
+                <a:spcPct val="105000"/>
+              </a:lnSpc>
+              <a:spcBef>
+                <a:spcPts val="0"/>
+              </a:spcBef>
+              <a:spcAft>
+                <a:spcPts val="0"/>
+              </a:spcAft>
+              <a:buSzPts val="958"/>
+              <a:buFont typeface="Arial"/>
+              <a:buChar char="●"/>
+            </a:pPr>
+            <a:r>
+              <a:rPr i="1" lang="en" sz="1178">
+                <a:latin typeface="Arial"/>
+                <a:ea typeface="Arial"/>
+                <a:cs typeface="Arial"/>
+                <a:sym typeface="Arial"/>
+              </a:rPr>
+              <a:t>Chen, Chaochao, et al. "Privacy preserving point-of-interest recommendation using decentralized matrix factorization." Proceedings of the AAAI conference on artificial intelligence. Vol. 32. No. 1. 2018.</a:t>
+            </a:r>
+            <a:endParaRPr i="1" sz="1178">
+              <a:latin typeface="Arial"/>
+              <a:ea typeface="Arial"/>
+              <a:cs typeface="Arial"/>
+              <a:sym typeface="Arial"/>
+            </a:endParaRPr>
+          </a:p>
+          <a:p>
+            <a:pPr indent="-289433" lvl="0" marL="457200" rtl="0" algn="l">
+              <a:lnSpc>
+                <a:spcPct val="105000"/>
+              </a:lnSpc>
+              <a:spcBef>
+                <a:spcPts val="0"/>
+              </a:spcBef>
+              <a:spcAft>
+                <a:spcPts val="0"/>
+              </a:spcAft>
+              <a:buSzPts val="958"/>
+              <a:buFont typeface="Arial"/>
+              <a:buChar char="●"/>
+            </a:pPr>
+            <a:r>
+              <a:rPr i="1" lang="en" sz="1178">
+                <a:latin typeface="Arial"/>
+                <a:ea typeface="Arial"/>
+                <a:cs typeface="Arial"/>
+                <a:sym typeface="Arial"/>
+              </a:rPr>
+              <a:t>Kouicem, Djamel Eddine, et al. "Decentralized blockchain-based trust management protocol for the Internet of Things." IEEE Transactions on Dependable and Secure Computing 19.2 (2020): 1292-1306.</a:t>
+            </a:r>
+            <a:endParaRPr i="1" sz="1178">
+              <a:latin typeface="Arial"/>
+              <a:ea typeface="Arial"/>
+              <a:cs typeface="Arial"/>
+              <a:sym typeface="Arial"/>
+            </a:endParaRPr>
+          </a:p>
+          <a:p>
+            <a:pPr indent="-289433" lvl="0" marL="457200" rtl="0" algn="l">
+              <a:lnSpc>
+                <a:spcPct val="105000"/>
+              </a:lnSpc>
+              <a:spcBef>
+                <a:spcPts val="0"/>
+              </a:spcBef>
+              <a:spcAft>
+                <a:spcPts val="0"/>
+              </a:spcAft>
+              <a:buSzPts val="958"/>
+              <a:buFont typeface="Arial"/>
+              <a:buChar char="●"/>
+            </a:pPr>
+            <a:r>
+              <a:rPr i="1" lang="en" sz="1178">
+                <a:latin typeface="Arial"/>
+                <a:ea typeface="Arial"/>
+                <a:cs typeface="Arial"/>
+                <a:sym typeface="Arial"/>
+              </a:rPr>
+              <a:t>Himeur, Yassine, et al. "Blockchain-based recommender systems: Applications, challenges and future opportunities." Computer Science Review 43 (2022): 100439.</a:t>
+            </a:r>
+            <a:endParaRPr i="1" sz="1035">
+              <a:latin typeface="Arial"/>
+              <a:ea typeface="Arial"/>
+              <a:cs typeface="Arial"/>
+              <a:sym typeface="Arial"/>
+            </a:endParaRPr>
+          </a:p>
+        </p:txBody>
+      </p:sp>
+      <p:sp>
+        <p:nvSpPr>
+          <p:cNvPr id="226" name="Google Shape;226;p35"/>
+          <p:cNvSpPr txBox="1"/>
+          <p:nvPr/>
+        </p:nvSpPr>
+        <p:spPr>
+          <a:xfrm>
+            <a:off x="8276725" y="235625"/>
+            <a:ext cx="541500" cy="326400"/>
+          </a:xfrm>
+          <a:prstGeom prst="rect">
+            <a:avLst/>
+          </a:prstGeom>
+          <a:noFill/>
+          <a:ln>
+            <a:noFill/>
+          </a:ln>
+        </p:spPr>
+        <p:txBody>
+          <a:bodyPr anchorCtr="0" anchor="t" bIns="91425" lIns="91425" spcFirstLastPara="1" rIns="91425" wrap="square" tIns="91425">
+            <a:noAutofit/>
+          </a:bodyPr>
+          <a:lstStyle/>
+          <a:p>
+            <a:pPr indent="0" lvl="0" marL="0" rtl="0" algn="ctr">
+              <a:spcBef>
+                <a:spcPts val="0"/>
+              </a:spcBef>
+              <a:spcAft>
+                <a:spcPts val="0"/>
+              </a:spcAft>
+              <a:buNone/>
+            </a:pPr>
+            <a:r>
+              <a:rPr b="1" lang="en">
+                <a:solidFill>
+                  <a:schemeClr val="dk1"/>
+                </a:solidFill>
+                <a:latin typeface="Roboto Slab"/>
+                <a:ea typeface="Roboto Slab"/>
+                <a:cs typeface="Roboto Slab"/>
+                <a:sym typeface="Roboto Slab"/>
+              </a:rPr>
+              <a:t>21</a:t>
+            </a:r>
+            <a:endParaRPr b="1">
+              <a:solidFill>
+                <a:schemeClr val="dk1"/>
+              </a:solidFill>
+              <a:latin typeface="Roboto Slab"/>
+              <a:ea typeface="Roboto Slab"/>
+              <a:cs typeface="Roboto Slab"/>
+              <a:sym typeface="Roboto Slab"/>
+            </a:endParaRPr>
+          </a:p>
+        </p:txBody>
+      </p:sp>
+    </p:spTree>
+  </p:cSld>
+  <p:clrMapOvr>
+    <a:masterClrMapping/>
+  </p:clrMapOvr>
+</p:sld>
+</file>
+
+<file path=ppt/slides/slide23.xml><?xml version="1.0" encoding="utf-8"?>
+<p:sld xmlns:a="http://schemas.openxmlformats.org/drawingml/2006/main" xmlns:r="http://schemas.openxmlformats.org/officeDocument/2006/relationships" xmlns:mc="http://schemas.openxmlformats.org/markup-compatibility/2006" xmlns:mv="urn:schemas-microsoft-com:mac:vml" xmlns:p="http://schemas.openxmlformats.org/presentationml/2006/main" xmlns:c="http://schemas.openxmlformats.org/drawingml/2006/chart" xmlns:dgm="http://schemas.openxmlformats.org/drawingml/2006/diagram" xmlns:o="urn:schemas-microsoft-com:office:office" xmlns:v="urn:schemas-microsoft-com:vml" xmlns:pvml="urn:schemas-microsoft-com:office:powerpoint" xmlns:com="http://schemas.openxmlformats.org/drawingml/2006/compatibility" xmlns:p14="http://schemas.microsoft.com/office/powerpoint/2010/main" xmlns:p15="http://schemas.microsoft.com/office/powerpoint/2012/main" xmlns:ahyp="http://schemas.microsoft.com/office/drawing/2018/hyperlinkcolor">
+  <p:cSld>
+    <p:spTree>
+      <p:nvGrpSpPr>
+        <p:cNvPr id="230" name="Shape 230"/>
+        <p:cNvGrpSpPr/>
+        <p:nvPr/>
+      </p:nvGrpSpPr>
+      <p:grpSpPr>
+        <a:xfrm>
+          <a:off x="0" y="0"/>
+          <a:ext cx="0" cy="0"/>
+          <a:chOff x="0" y="0"/>
+          <a:chExt cx="0" cy="0"/>
+        </a:xfrm>
+      </p:grpSpPr>
+      <p:sp>
+        <p:nvSpPr>
+          <p:cNvPr id="231" name="Google Shape;231;p36"/>
+          <p:cNvSpPr txBox="1"/>
+          <p:nvPr>
+            <p:ph type="title"/>
+          </p:nvPr>
+        </p:nvSpPr>
+        <p:spPr>
+          <a:xfrm>
+            <a:off x="387900" y="458025"/>
+            <a:ext cx="8368200" cy="686100"/>
+          </a:xfrm>
+          <a:prstGeom prst="rect">
+            <a:avLst/>
+          </a:prstGeom>
+        </p:spPr>
+        <p:txBody>
+          <a:bodyPr anchorCtr="0" anchor="b" bIns="91425" lIns="91425" spcFirstLastPara="1" rIns="91425" wrap="square" tIns="91425">
+            <a:normAutofit/>
+          </a:bodyPr>
+          <a:lstStyle/>
+          <a:p>
+            <a:pPr indent="0" lvl="0" marL="0" rtl="0" algn="l">
+              <a:spcBef>
+                <a:spcPts val="0"/>
+              </a:spcBef>
+              <a:spcAft>
+                <a:spcPts val="0"/>
+              </a:spcAft>
+              <a:buNone/>
+            </a:pPr>
+            <a:r>
+              <a:rPr lang="en"/>
+              <a:t> Q&amp;A</a:t>
+            </a:r>
+            <a:endParaRPr/>
+          </a:p>
+        </p:txBody>
+      </p:sp>
+      <p:sp>
+        <p:nvSpPr>
+          <p:cNvPr id="232" name="Google Shape;232;p36"/>
+          <p:cNvSpPr txBox="1"/>
+          <p:nvPr>
+            <p:ph idx="1" type="body"/>
+          </p:nvPr>
+        </p:nvSpPr>
+        <p:spPr>
+          <a:xfrm>
+            <a:off x="241050" y="1666775"/>
+            <a:ext cx="8661900" cy="3362100"/>
+          </a:xfrm>
+          <a:prstGeom prst="rect">
+            <a:avLst/>
+          </a:prstGeom>
+        </p:spPr>
+        <p:txBody>
+          <a:bodyPr anchorCtr="0" anchor="t" bIns="91425" lIns="91425" spcFirstLastPara="1" rIns="91425" wrap="square" tIns="91425">
+            <a:normAutofit/>
+          </a:bodyPr>
+          <a:lstStyle/>
+          <a:p>
+            <a:pPr indent="0" lvl="0" marL="0" rtl="0" algn="ctr">
+              <a:lnSpc>
+                <a:spcPct val="90000"/>
+              </a:lnSpc>
+              <a:spcBef>
+                <a:spcPts val="900"/>
+              </a:spcBef>
+              <a:spcAft>
+                <a:spcPts val="0"/>
+              </a:spcAft>
+              <a:buNone/>
+            </a:pPr>
+            <a:r>
+              <a:rPr b="1" i="1" lang="en" sz="4000">
+                <a:latin typeface="Impact"/>
+                <a:ea typeface="Impact"/>
+                <a:cs typeface="Impact"/>
+                <a:sym typeface="Impact"/>
+              </a:rPr>
+              <a:t>Thank YOU…</a:t>
+            </a:r>
+            <a:endParaRPr sz="1000">
+              <a:latin typeface="Impact"/>
+              <a:ea typeface="Impact"/>
+              <a:cs typeface="Impact"/>
+              <a:sym typeface="Impact"/>
+            </a:endParaRPr>
+          </a:p>
+          <a:p>
+            <a:pPr indent="0" lvl="0" marL="0" rtl="0" algn="l">
+              <a:spcBef>
+                <a:spcPts val="0"/>
+              </a:spcBef>
+              <a:spcAft>
+                <a:spcPts val="0"/>
+              </a:spcAft>
+              <a:buNone/>
+            </a:pPr>
+            <a:r>
               <a:t/>
+            </a:r>
+            <a:endParaRPr/>
+          </a:p>
+          <a:p>
+            <a:pPr indent="0" lvl="0" marL="0" rtl="0" algn="l">
+              <a:spcBef>
+                <a:spcPts val="1200"/>
+              </a:spcBef>
+              <a:spcAft>
+                <a:spcPts val="1200"/>
+              </a:spcAft>
+              <a:buNone/>
+            </a:pPr>
+            <a:r>
+              <a:t/>
+            </a:r>
+            <a:endParaRPr/>
+          </a:p>
+        </p:txBody>
+      </p:sp>
+      <p:sp>
+        <p:nvSpPr>
+          <p:cNvPr id="233" name="Google Shape;233;p36"/>
+          <p:cNvSpPr txBox="1"/>
+          <p:nvPr/>
+        </p:nvSpPr>
+        <p:spPr>
+          <a:xfrm>
+            <a:off x="8276725" y="235625"/>
+            <a:ext cx="541500" cy="326400"/>
+          </a:xfrm>
+          <a:prstGeom prst="rect">
+            <a:avLst/>
+          </a:prstGeom>
+          <a:noFill/>
+          <a:ln>
+            <a:noFill/>
+          </a:ln>
+        </p:spPr>
+        <p:txBody>
+          <a:bodyPr anchorCtr="0" anchor="t" bIns="91425" lIns="91425" spcFirstLastPara="1" rIns="91425" wrap="square" tIns="91425">
+            <a:noAutofit/>
+          </a:bodyPr>
+          <a:lstStyle/>
+          <a:p>
+            <a:pPr indent="0" lvl="0" marL="0" rtl="0" algn="ctr">
+              <a:spcBef>
+                <a:spcPts val="0"/>
+              </a:spcBef>
+              <a:spcAft>
+                <a:spcPts val="0"/>
+              </a:spcAft>
+              <a:buNone/>
+            </a:pPr>
+            <a:r>
+              <a:t/>
+            </a:r>
+            <a:endParaRPr b="1">
+              <a:solidFill>
+                <a:schemeClr val="dk1"/>
+              </a:solidFill>
+              <a:latin typeface="Roboto Slab"/>
+              <a:ea typeface="Roboto Slab"/>
+              <a:cs typeface="Roboto Slab"/>
+              <a:sym typeface="Roboto Slab"/>
+            </a:endParaRPr>
+          </a:p>
+        </p:txBody>
+      </p:sp>
+      <p:sp>
+        <p:nvSpPr>
+          <p:cNvPr id="234" name="Google Shape;234;p36"/>
+          <p:cNvSpPr txBox="1"/>
+          <p:nvPr/>
+        </p:nvSpPr>
+        <p:spPr>
+          <a:xfrm>
+            <a:off x="8276725" y="235625"/>
+            <a:ext cx="541500" cy="326400"/>
+          </a:xfrm>
+          <a:prstGeom prst="rect">
+            <a:avLst/>
+          </a:prstGeom>
+          <a:noFill/>
+          <a:ln>
+            <a:noFill/>
+          </a:ln>
+        </p:spPr>
+        <p:txBody>
+          <a:bodyPr anchorCtr="0" anchor="t" bIns="91425" lIns="91425" spcFirstLastPara="1" rIns="91425" wrap="square" tIns="91425">
+            <a:noAutofit/>
+          </a:bodyPr>
+          <a:lstStyle/>
+          <a:p>
+            <a:pPr indent="0" lvl="0" marL="0" rtl="0" algn="ctr">
+              <a:spcBef>
+                <a:spcPts val="0"/>
+              </a:spcBef>
+              <a:spcAft>
+                <a:spcPts val="0"/>
+              </a:spcAft>
+              <a:buNone/>
+            </a:pPr>
+            <a:r>
+              <a:rPr b="1" lang="en">
+                <a:solidFill>
+                  <a:schemeClr val="dk1"/>
+                </a:solidFill>
+                <a:latin typeface="Roboto Slab"/>
+                <a:ea typeface="Roboto Slab"/>
+                <a:cs typeface="Roboto Slab"/>
+                <a:sym typeface="Roboto Slab"/>
+              </a:rPr>
+              <a:t>22</a:t>
             </a:r>
             <a:endParaRPr b="1">
               <a:solidFill>
@@ -13780,7 +14600,7 @@
                                       <p:cBhvr>
                                         <p:cTn dur="1000"/>
                                         <p:tgtEl>
-                                          <p:spTgt spid="210"/>
+                                          <p:spTgt spid="232"/>
                                         </p:tgtEl>
                                       </p:cBhvr>
                                     </p:animEffect>
@@ -13792,7 +14612,7 @@
                                           </p:stCondLst>
                                         </p:cTn>
                                         <p:tgtEl>
-                                          <p:spTgt spid="210"/>
+                                          <p:spTgt spid="232"/>
                                         </p:tgtEl>
                                         <p:attrNameLst>
                                           <p:attrName>style.visibility</p:attrName>
@@ -13841,7 +14661,7 @@
   <p:cSld>
     <p:spTree>
       <p:nvGrpSpPr>
-        <p:cNvPr id="85" name="Shape 85"/>
+        <p:cNvPr id="86" name="Shape 86"/>
         <p:cNvGrpSpPr/>
         <p:nvPr/>
       </p:nvGrpSpPr>
@@ -13855,7 +14675,7 @@
       </p:grpSpPr>
       <p:sp>
         <p:nvSpPr>
-          <p:cNvPr id="86" name="Google Shape;86;p16"/>
+          <p:cNvPr id="87" name="Google Shape;87;p16"/>
           <p:cNvSpPr txBox="1"/>
           <p:nvPr>
             <p:ph type="title"/>
@@ -13895,7 +14715,7 @@
       </p:sp>
       <p:sp>
         <p:nvSpPr>
-          <p:cNvPr id="87" name="Google Shape;87;p16"/>
+          <p:cNvPr id="88" name="Google Shape;88;p16"/>
           <p:cNvSpPr txBox="1"/>
           <p:nvPr>
             <p:ph idx="1" type="body"/>
@@ -14079,7 +14899,7 @@
       </p:sp>
       <p:sp>
         <p:nvSpPr>
-          <p:cNvPr id="88" name="Google Shape;88;p16"/>
+          <p:cNvPr id="89" name="Google Shape;89;p16"/>
           <p:cNvSpPr txBox="1"/>
           <p:nvPr/>
         </p:nvSpPr>
@@ -14140,18 +14960,9 @@
   <p:clrMapOvr>
     <a:masterClrMapping/>
   </p:clrMapOvr>
-  <mc:AlternateContent>
-    <mc:Choice Requires="p14">
-      <p:transition spd="med">
-        <p14:flip dir="l"/>
-      </p:transition>
-    </mc:Choice>
-    <mc:Fallback>
-      <p:transition spd="med">
-        <p:fade/>
-      </p:transition>
-    </mc:Fallback>
-  </mc:AlternateContent>
+  <p:transition spd="med">
+    <p:push/>
+  </p:transition>
 </p:sld>
 </file>
 
@@ -14160,7 +14971,7 @@
   <p:cSld>
     <p:spTree>
       <p:nvGrpSpPr>
-        <p:cNvPr id="92" name="Shape 92"/>
+        <p:cNvPr id="93" name="Shape 93"/>
         <p:cNvGrpSpPr/>
         <p:nvPr/>
       </p:nvGrpSpPr>
@@ -14174,7 +14985,7 @@
       </p:grpSpPr>
       <p:sp>
         <p:nvSpPr>
-          <p:cNvPr id="93" name="Google Shape;93;p17"/>
+          <p:cNvPr id="94" name="Google Shape;94;p17"/>
           <p:cNvSpPr txBox="1"/>
           <p:nvPr>
             <p:ph type="title"/>
@@ -14214,386 +15025,7 @@
       </p:sp>
       <p:sp>
         <p:nvSpPr>
-          <p:cNvPr id="94" name="Google Shape;94;p17"/>
-          <p:cNvSpPr txBox="1"/>
-          <p:nvPr>
-            <p:ph idx="1" type="body"/>
-          </p:nvPr>
-        </p:nvSpPr>
-        <p:spPr>
-          <a:xfrm>
-            <a:off x="185375" y="1573225"/>
-            <a:ext cx="2687700" cy="3078900"/>
-          </a:xfrm>
-          <a:prstGeom prst="rect">
-            <a:avLst/>
-          </a:prstGeom>
-          <a:solidFill>
-            <a:schemeClr val="dk1"/>
-          </a:solidFill>
-        </p:spPr>
-        <p:txBody>
-          <a:bodyPr anchorCtr="0" anchor="t" bIns="91425" lIns="91425" spcFirstLastPara="1" rIns="91425" wrap="square" tIns="91425">
-            <a:normAutofit/>
-          </a:bodyPr>
-          <a:lstStyle/>
-          <a:p>
-            <a:pPr indent="0" lvl="0" marL="0" rtl="0" algn="l">
-              <a:spcBef>
-                <a:spcPts val="0"/>
-              </a:spcBef>
-              <a:spcAft>
-                <a:spcPts val="0"/>
-              </a:spcAft>
-              <a:buNone/>
-            </a:pPr>
-            <a:r>
-              <a:rPr lang="en" sz="1700">
-                <a:solidFill>
-                  <a:srgbClr val="000000"/>
-                </a:solidFill>
-                <a:latin typeface="Corbel"/>
-                <a:ea typeface="Corbel"/>
-                <a:cs typeface="Corbel"/>
-                <a:sym typeface="Corbel"/>
-              </a:rPr>
-              <a:t>1.</a:t>
-            </a:r>
-            <a:r>
-              <a:rPr lang="en" sz="1700">
-                <a:solidFill>
-                  <a:srgbClr val="000000"/>
-                </a:solidFill>
-                <a:latin typeface="Corbel"/>
-                <a:ea typeface="Corbel"/>
-                <a:cs typeface="Corbel"/>
-                <a:sym typeface="Corbel"/>
-              </a:rPr>
-              <a:t>Traditional centralized recommendation systems:</a:t>
-            </a:r>
-            <a:endParaRPr sz="1700">
-              <a:solidFill>
-                <a:srgbClr val="000000"/>
-              </a:solidFill>
-              <a:latin typeface="Corbel"/>
-              <a:ea typeface="Corbel"/>
-              <a:cs typeface="Corbel"/>
-              <a:sym typeface="Corbel"/>
-            </a:endParaRPr>
-          </a:p>
-          <a:p>
-            <a:pPr indent="-336550" lvl="0" marL="457200" rtl="0" algn="l">
-              <a:spcBef>
-                <a:spcPts val="1200"/>
-              </a:spcBef>
-              <a:spcAft>
-                <a:spcPts val="0"/>
-              </a:spcAft>
-              <a:buClr>
-                <a:srgbClr val="000000"/>
-              </a:buClr>
-              <a:buSzPts val="1700"/>
-              <a:buFont typeface="Corbel"/>
-              <a:buChar char="●"/>
-            </a:pPr>
-            <a:r>
-              <a:rPr lang="en" sz="1700">
-                <a:solidFill>
-                  <a:srgbClr val="000000"/>
-                </a:solidFill>
-                <a:latin typeface="Corbel"/>
-                <a:ea typeface="Corbel"/>
-                <a:cs typeface="Corbel"/>
-                <a:sym typeface="Corbel"/>
-              </a:rPr>
-              <a:t>Collaborative filtering</a:t>
-            </a:r>
-            <a:endParaRPr sz="1700">
-              <a:solidFill>
-                <a:srgbClr val="000000"/>
-              </a:solidFill>
-              <a:latin typeface="Corbel"/>
-              <a:ea typeface="Corbel"/>
-              <a:cs typeface="Corbel"/>
-              <a:sym typeface="Corbel"/>
-            </a:endParaRPr>
-          </a:p>
-          <a:p>
-            <a:pPr indent="-336550" lvl="0" marL="457200" rtl="0" algn="l">
-              <a:spcBef>
-                <a:spcPts val="0"/>
-              </a:spcBef>
-              <a:spcAft>
-                <a:spcPts val="0"/>
-              </a:spcAft>
-              <a:buClr>
-                <a:srgbClr val="000000"/>
-              </a:buClr>
-              <a:buSzPts val="1700"/>
-              <a:buFont typeface="Corbel"/>
-              <a:buChar char="●"/>
-            </a:pPr>
-            <a:r>
-              <a:rPr lang="en" sz="1700">
-                <a:solidFill>
-                  <a:srgbClr val="000000"/>
-                </a:solidFill>
-                <a:latin typeface="Corbel"/>
-                <a:ea typeface="Corbel"/>
-                <a:cs typeface="Corbel"/>
-                <a:sym typeface="Corbel"/>
-              </a:rPr>
-              <a:t>Content-based filtering</a:t>
-            </a:r>
-            <a:endParaRPr sz="1700">
-              <a:solidFill>
-                <a:srgbClr val="000000"/>
-              </a:solidFill>
-              <a:latin typeface="Corbel"/>
-              <a:ea typeface="Corbel"/>
-              <a:cs typeface="Corbel"/>
-              <a:sym typeface="Corbel"/>
-            </a:endParaRPr>
-          </a:p>
-          <a:p>
-            <a:pPr indent="-336550" lvl="0" marL="457200" rtl="0" algn="l">
-              <a:spcBef>
-                <a:spcPts val="0"/>
-              </a:spcBef>
-              <a:spcAft>
-                <a:spcPts val="0"/>
-              </a:spcAft>
-              <a:buClr>
-                <a:srgbClr val="000000"/>
-              </a:buClr>
-              <a:buSzPts val="1700"/>
-              <a:buFont typeface="Corbel"/>
-              <a:buChar char="●"/>
-            </a:pPr>
-            <a:r>
-              <a:rPr lang="en" sz="1700">
-                <a:solidFill>
-                  <a:srgbClr val="000000"/>
-                </a:solidFill>
-                <a:latin typeface="Corbel"/>
-                <a:ea typeface="Corbel"/>
-                <a:cs typeface="Corbel"/>
-                <a:sym typeface="Corbel"/>
-              </a:rPr>
-              <a:t>Hybrid methods</a:t>
-            </a:r>
-            <a:endParaRPr sz="1700">
-              <a:solidFill>
-                <a:srgbClr val="000000"/>
-              </a:solidFill>
-              <a:latin typeface="Corbel"/>
-              <a:ea typeface="Corbel"/>
-              <a:cs typeface="Corbel"/>
-              <a:sym typeface="Corbel"/>
-            </a:endParaRPr>
-          </a:p>
-          <a:p>
-            <a:pPr indent="0" lvl="0" marL="0" rtl="0" algn="l">
-              <a:spcBef>
-                <a:spcPts val="1200"/>
-              </a:spcBef>
-              <a:spcAft>
-                <a:spcPts val="1200"/>
-              </a:spcAft>
-              <a:buNone/>
-            </a:pPr>
-            <a:r>
-              <a:t/>
-            </a:r>
-            <a:endParaRPr/>
-          </a:p>
-        </p:txBody>
-      </p:sp>
-      <p:sp>
-        <p:nvSpPr>
           <p:cNvPr id="95" name="Google Shape;95;p17"/>
-          <p:cNvSpPr txBox="1"/>
-          <p:nvPr>
-            <p:ph idx="2" type="body"/>
-          </p:nvPr>
-        </p:nvSpPr>
-        <p:spPr>
-          <a:xfrm>
-            <a:off x="6217750" y="1573225"/>
-            <a:ext cx="2687700" cy="3078900"/>
-          </a:xfrm>
-          <a:prstGeom prst="rect">
-            <a:avLst/>
-          </a:prstGeom>
-          <a:solidFill>
-            <a:schemeClr val="dk1"/>
-          </a:solidFill>
-        </p:spPr>
-        <p:txBody>
-          <a:bodyPr anchorCtr="0" anchor="t" bIns="91425" lIns="91425" spcFirstLastPara="1" rIns="91425" wrap="square" tIns="91425">
-            <a:normAutofit/>
-          </a:bodyPr>
-          <a:lstStyle/>
-          <a:p>
-            <a:pPr indent="0" lvl="0" marL="0" rtl="0" algn="l">
-              <a:spcBef>
-                <a:spcPts val="0"/>
-              </a:spcBef>
-              <a:spcAft>
-                <a:spcPts val="0"/>
-              </a:spcAft>
-              <a:buNone/>
-            </a:pPr>
-            <a:r>
-              <a:rPr lang="en" sz="1700">
-                <a:solidFill>
-                  <a:srgbClr val="000000"/>
-                </a:solidFill>
-                <a:latin typeface="Corbel"/>
-                <a:ea typeface="Corbel"/>
-                <a:cs typeface="Corbel"/>
-                <a:sym typeface="Corbel"/>
-              </a:rPr>
-              <a:t>3.</a:t>
-            </a:r>
-            <a:r>
-              <a:rPr lang="en" sz="1700">
-                <a:solidFill>
-                  <a:srgbClr val="000000"/>
-                </a:solidFill>
-                <a:latin typeface="Corbel"/>
-                <a:ea typeface="Corbel"/>
-                <a:cs typeface="Corbel"/>
-                <a:sym typeface="Corbel"/>
-              </a:rPr>
-              <a:t>Emerging decentralized technologies:</a:t>
-            </a:r>
-            <a:endParaRPr sz="1700">
-              <a:solidFill>
-                <a:srgbClr val="000000"/>
-              </a:solidFill>
-              <a:latin typeface="Corbel"/>
-              <a:ea typeface="Corbel"/>
-              <a:cs typeface="Corbel"/>
-              <a:sym typeface="Corbel"/>
-            </a:endParaRPr>
-          </a:p>
-          <a:p>
-            <a:pPr indent="-336550" lvl="0" marL="457200" rtl="0" algn="l">
-              <a:spcBef>
-                <a:spcPts val="1200"/>
-              </a:spcBef>
-              <a:spcAft>
-                <a:spcPts val="0"/>
-              </a:spcAft>
-              <a:buClr>
-                <a:srgbClr val="000000"/>
-              </a:buClr>
-              <a:buSzPts val="1700"/>
-              <a:buFont typeface="Corbel"/>
-              <a:buChar char="●"/>
-            </a:pPr>
-            <a:r>
-              <a:rPr lang="en" sz="1700">
-                <a:solidFill>
-                  <a:srgbClr val="000000"/>
-                </a:solidFill>
-                <a:latin typeface="Corbel"/>
-                <a:ea typeface="Corbel"/>
-                <a:cs typeface="Corbel"/>
-                <a:sym typeface="Corbel"/>
-              </a:rPr>
-              <a:t>  Blockchain</a:t>
-            </a:r>
-            <a:endParaRPr sz="1700">
-              <a:solidFill>
-                <a:srgbClr val="000000"/>
-              </a:solidFill>
-              <a:latin typeface="Corbel"/>
-              <a:ea typeface="Corbel"/>
-              <a:cs typeface="Corbel"/>
-              <a:sym typeface="Corbel"/>
-            </a:endParaRPr>
-          </a:p>
-          <a:p>
-            <a:pPr indent="-336550" lvl="0" marL="457200" rtl="0" algn="l">
-              <a:spcBef>
-                <a:spcPts val="0"/>
-              </a:spcBef>
-              <a:spcAft>
-                <a:spcPts val="0"/>
-              </a:spcAft>
-              <a:buClr>
-                <a:srgbClr val="000000"/>
-              </a:buClr>
-              <a:buSzPts val="1700"/>
-              <a:buFont typeface="Corbel"/>
-              <a:buChar char="●"/>
-            </a:pPr>
-            <a:r>
-              <a:rPr lang="en" sz="1700">
-                <a:solidFill>
-                  <a:srgbClr val="000000"/>
-                </a:solidFill>
-                <a:latin typeface="Corbel"/>
-                <a:ea typeface="Corbel"/>
-                <a:cs typeface="Corbel"/>
-                <a:sym typeface="Corbel"/>
-              </a:rPr>
-              <a:t>  Federated learning</a:t>
-            </a:r>
-            <a:endParaRPr sz="1700">
-              <a:solidFill>
-                <a:srgbClr val="000000"/>
-              </a:solidFill>
-              <a:latin typeface="Corbel"/>
-              <a:ea typeface="Corbel"/>
-              <a:cs typeface="Corbel"/>
-              <a:sym typeface="Corbel"/>
-            </a:endParaRPr>
-          </a:p>
-          <a:p>
-            <a:pPr indent="-336550" lvl="0" marL="457200" rtl="0" algn="l">
-              <a:spcBef>
-                <a:spcPts val="0"/>
-              </a:spcBef>
-              <a:spcAft>
-                <a:spcPts val="0"/>
-              </a:spcAft>
-              <a:buClr>
-                <a:srgbClr val="000000"/>
-              </a:buClr>
-              <a:buSzPts val="1700"/>
-              <a:buFont typeface="Corbel"/>
-              <a:buChar char="●"/>
-            </a:pPr>
-            <a:r>
-              <a:rPr lang="en" sz="1700">
-                <a:solidFill>
-                  <a:srgbClr val="000000"/>
-                </a:solidFill>
-                <a:latin typeface="Corbel"/>
-                <a:ea typeface="Corbel"/>
-                <a:cs typeface="Corbel"/>
-                <a:sym typeface="Corbel"/>
-              </a:rPr>
-              <a:t>  Peer-to-peer networks</a:t>
-            </a:r>
-            <a:endParaRPr sz="1700">
-              <a:solidFill>
-                <a:srgbClr val="000000"/>
-              </a:solidFill>
-              <a:latin typeface="Corbel"/>
-              <a:ea typeface="Corbel"/>
-              <a:cs typeface="Corbel"/>
-              <a:sym typeface="Corbel"/>
-            </a:endParaRPr>
-          </a:p>
-        </p:txBody>
-      </p:sp>
-      <p:sp>
-        <p:nvSpPr>
-          <p:cNvPr id="96" name="Google Shape;96;p17"/>
           <p:cNvSpPr txBox="1"/>
           <p:nvPr/>
         </p:nvSpPr>
@@ -14649,435 +15081,624 @@
           </a:p>
         </p:txBody>
       </p:sp>
-      <p:sp>
-        <p:nvSpPr>
-          <p:cNvPr id="97" name="Google Shape;97;p17"/>
-          <p:cNvSpPr txBox="1"/>
+      <p:graphicFrame>
+        <p:nvGraphicFramePr>
+          <p:cNvPr id="96" name="Google Shape;96;p17"/>
+          <p:cNvGraphicFramePr/>
           <p:nvPr/>
-        </p:nvSpPr>
-        <p:spPr>
-          <a:xfrm>
-            <a:off x="3156613" y="1573225"/>
-            <a:ext cx="2781300" cy="2421300"/>
-          </a:xfrm>
-          <a:prstGeom prst="rect">
-            <a:avLst/>
-          </a:prstGeom>
-          <a:solidFill>
-            <a:schemeClr val="dk1"/>
-          </a:solidFill>
-          <a:ln>
-            <a:noFill/>
-          </a:ln>
-        </p:spPr>
-        <p:txBody>
-          <a:bodyPr anchorCtr="0" anchor="t" bIns="91425" lIns="91425" spcFirstLastPara="1" rIns="91425" wrap="square" tIns="91425">
-            <a:spAutoFit/>
-          </a:bodyPr>
-          <a:lstStyle/>
-          <a:p>
-            <a:pPr indent="0" lvl="0" marL="0" rtl="0" algn="l">
-              <a:lnSpc>
-                <a:spcPct val="115000"/>
-              </a:lnSpc>
-              <a:spcBef>
-                <a:spcPts val="0"/>
-              </a:spcBef>
-              <a:spcAft>
-                <a:spcPts val="0"/>
-              </a:spcAft>
-              <a:buNone/>
-            </a:pPr>
-            <a:r>
-              <a:rPr lang="en" sz="1700">
-                <a:latin typeface="Corbel"/>
-                <a:ea typeface="Corbel"/>
-                <a:cs typeface="Corbel"/>
-                <a:sym typeface="Corbel"/>
-              </a:rPr>
-              <a:t>2. </a:t>
-            </a:r>
-            <a:r>
-              <a:rPr lang="en" sz="1700">
-                <a:latin typeface="Corbel"/>
-                <a:ea typeface="Corbel"/>
-                <a:cs typeface="Corbel"/>
-                <a:sym typeface="Corbel"/>
-              </a:rPr>
-              <a:t>Privacy and security concerns:</a:t>
-            </a:r>
-            <a:endParaRPr sz="1700">
-              <a:latin typeface="Corbel"/>
-              <a:ea typeface="Corbel"/>
-              <a:cs typeface="Corbel"/>
-              <a:sym typeface="Corbel"/>
-            </a:endParaRPr>
-          </a:p>
-          <a:p>
-            <a:pPr indent="-336550" lvl="0" marL="457200" rtl="0" algn="l">
-              <a:lnSpc>
-                <a:spcPct val="115000"/>
-              </a:lnSpc>
-              <a:spcBef>
-                <a:spcPts val="1200"/>
-              </a:spcBef>
-              <a:spcAft>
-                <a:spcPts val="0"/>
-              </a:spcAft>
-              <a:buSzPts val="1700"/>
-              <a:buFont typeface="Corbel"/>
-              <a:buChar char="●"/>
-            </a:pPr>
-            <a:r>
-              <a:rPr lang="en" sz="1700">
-                <a:latin typeface="Corbel"/>
-                <a:ea typeface="Corbel"/>
-                <a:cs typeface="Corbel"/>
-                <a:sym typeface="Corbel"/>
-              </a:rPr>
-              <a:t>Data breaches</a:t>
-            </a:r>
-            <a:endParaRPr sz="1700">
-              <a:latin typeface="Corbel"/>
-              <a:ea typeface="Corbel"/>
-              <a:cs typeface="Corbel"/>
-              <a:sym typeface="Corbel"/>
-            </a:endParaRPr>
-          </a:p>
-          <a:p>
-            <a:pPr indent="-336550" lvl="0" marL="457200" rtl="0" algn="l">
-              <a:lnSpc>
-                <a:spcPct val="115000"/>
-              </a:lnSpc>
-              <a:spcBef>
-                <a:spcPts val="0"/>
-              </a:spcBef>
-              <a:spcAft>
-                <a:spcPts val="0"/>
-              </a:spcAft>
-              <a:buSzPts val="1700"/>
-              <a:buFont typeface="Corbel"/>
-              <a:buChar char="●"/>
-            </a:pPr>
-            <a:r>
-              <a:rPr lang="en" sz="1700">
-                <a:latin typeface="Corbel"/>
-                <a:ea typeface="Corbel"/>
-                <a:cs typeface="Corbel"/>
-                <a:sym typeface="Corbel"/>
-              </a:rPr>
-              <a:t>Unauthorized data usage</a:t>
-            </a:r>
-            <a:endParaRPr sz="1700">
-              <a:latin typeface="Corbel"/>
-              <a:ea typeface="Corbel"/>
-              <a:cs typeface="Corbel"/>
-              <a:sym typeface="Corbel"/>
-            </a:endParaRPr>
-          </a:p>
-          <a:p>
-            <a:pPr indent="-336550" lvl="0" marL="457200" rtl="0" algn="l">
-              <a:lnSpc>
-                <a:spcPct val="115000"/>
-              </a:lnSpc>
-              <a:spcBef>
-                <a:spcPts val="0"/>
-              </a:spcBef>
-              <a:spcAft>
-                <a:spcPts val="0"/>
-              </a:spcAft>
-              <a:buSzPts val="1700"/>
-              <a:buFont typeface="Corbel"/>
-              <a:buChar char="●"/>
-            </a:pPr>
-            <a:r>
-              <a:rPr lang="en" sz="1700">
-                <a:latin typeface="Corbel"/>
-                <a:ea typeface="Corbel"/>
-                <a:cs typeface="Corbel"/>
-                <a:sym typeface="Corbel"/>
-              </a:rPr>
-              <a:t>User profiling</a:t>
-            </a:r>
-            <a:endParaRPr sz="1700">
-              <a:latin typeface="Corbel"/>
-              <a:ea typeface="Corbel"/>
-              <a:cs typeface="Corbel"/>
-              <a:sym typeface="Corbel"/>
-            </a:endParaRPr>
-          </a:p>
-          <a:p>
-            <a:pPr indent="-342900" lvl="0" marL="457200" rtl="0" algn="l">
-              <a:lnSpc>
-                <a:spcPct val="115000"/>
-              </a:lnSpc>
-              <a:spcBef>
-                <a:spcPts val="0"/>
-              </a:spcBef>
-              <a:spcAft>
-                <a:spcPts val="0"/>
-              </a:spcAft>
-              <a:buClr>
-                <a:schemeClr val="dk1"/>
-              </a:buClr>
-              <a:buSzPts val="1800"/>
-              <a:buFont typeface="Roboto"/>
-              <a:buChar char="●"/>
-            </a:pPr>
-            <a:r>
-              <a:t/>
-            </a:r>
-            <a:endParaRPr sz="1800">
-              <a:solidFill>
-                <a:schemeClr val="dk1"/>
-              </a:solidFill>
-              <a:latin typeface="Roboto"/>
-              <a:ea typeface="Roboto"/>
-              <a:cs typeface="Roboto"/>
-              <a:sym typeface="Roboto"/>
-            </a:endParaRPr>
-          </a:p>
-        </p:txBody>
-      </p:sp>
+        </p:nvGraphicFramePr>
+        <p:xfrm>
+          <a:off x="604838" y="1888250"/>
+          <a:ext cx="3000000" cy="3000000"/>
+        </p:xfrm>
+        <a:graphic>
+          <a:graphicData uri="http://schemas.openxmlformats.org/drawingml/2006/table">
+            <a:tbl>
+              <a:tblPr>
+                <a:noFill/>
+                <a:tableStyleId>{C8D129E7-569E-4ADE-9AB4-6A633296B2EF}</a:tableStyleId>
+              </a:tblPr>
+              <a:tblGrid>
+                <a:gridCol w="2644775"/>
+                <a:gridCol w="2644775"/>
+                <a:gridCol w="2644775"/>
+              </a:tblGrid>
+              <a:tr h="2272250">
+                <a:tc>
+                  <a:txBody>
+                    <a:bodyPr/>
+                    <a:lstStyle/>
+                    <a:p>
+                      <a:pPr indent="0" lvl="0" marL="0" rtl="0" algn="l">
+                        <a:lnSpc>
+                          <a:spcPct val="115000"/>
+                        </a:lnSpc>
+                        <a:spcBef>
+                          <a:spcPts val="0"/>
+                        </a:spcBef>
+                        <a:spcAft>
+                          <a:spcPts val="0"/>
+                        </a:spcAft>
+                        <a:buNone/>
+                      </a:pPr>
+                      <a:r>
+                        <a:rPr lang="en" sz="1700">
+                          <a:solidFill>
+                            <a:schemeClr val="dk1"/>
+                          </a:solidFill>
+                          <a:latin typeface="Corbel"/>
+                          <a:ea typeface="Corbel"/>
+                          <a:cs typeface="Corbel"/>
+                          <a:sym typeface="Corbel"/>
+                        </a:rPr>
+                        <a:t>1. Traditional centralized recommendation systems:</a:t>
+                      </a:r>
+                      <a:endParaRPr sz="1700">
+                        <a:solidFill>
+                          <a:schemeClr val="dk1"/>
+                        </a:solidFill>
+                        <a:latin typeface="Corbel"/>
+                        <a:ea typeface="Corbel"/>
+                        <a:cs typeface="Corbel"/>
+                        <a:sym typeface="Corbel"/>
+                      </a:endParaRPr>
+                    </a:p>
+                    <a:p>
+                      <a:pPr indent="-317500" lvl="0" marL="457200" rtl="0" algn="l">
+                        <a:lnSpc>
+                          <a:spcPct val="115000"/>
+                        </a:lnSpc>
+                        <a:spcBef>
+                          <a:spcPts val="1200"/>
+                        </a:spcBef>
+                        <a:spcAft>
+                          <a:spcPts val="0"/>
+                        </a:spcAft>
+                        <a:buClr>
+                          <a:schemeClr val="dk1"/>
+                        </a:buClr>
+                        <a:buSzPts val="1400"/>
+                        <a:buFont typeface="Corbel"/>
+                        <a:buChar char="●"/>
+                      </a:pPr>
+                      <a:r>
+                        <a:rPr lang="en">
+                          <a:solidFill>
+                            <a:schemeClr val="dk1"/>
+                          </a:solidFill>
+                          <a:latin typeface="Corbel"/>
+                          <a:ea typeface="Corbel"/>
+                          <a:cs typeface="Corbel"/>
+                          <a:sym typeface="Corbel"/>
+                        </a:rPr>
+                        <a:t>Collaborative filtering</a:t>
+                      </a:r>
+                      <a:endParaRPr>
+                        <a:solidFill>
+                          <a:schemeClr val="dk1"/>
+                        </a:solidFill>
+                        <a:latin typeface="Corbel"/>
+                        <a:ea typeface="Corbel"/>
+                        <a:cs typeface="Corbel"/>
+                        <a:sym typeface="Corbel"/>
+                      </a:endParaRPr>
+                    </a:p>
+                    <a:p>
+                      <a:pPr indent="-317500" lvl="0" marL="457200" rtl="0" algn="l">
+                        <a:lnSpc>
+                          <a:spcPct val="115000"/>
+                        </a:lnSpc>
+                        <a:spcBef>
+                          <a:spcPts val="0"/>
+                        </a:spcBef>
+                        <a:spcAft>
+                          <a:spcPts val="0"/>
+                        </a:spcAft>
+                        <a:buClr>
+                          <a:schemeClr val="dk1"/>
+                        </a:buClr>
+                        <a:buSzPts val="1400"/>
+                        <a:buFont typeface="Corbel"/>
+                        <a:buChar char="●"/>
+                      </a:pPr>
+                      <a:r>
+                        <a:rPr lang="en">
+                          <a:solidFill>
+                            <a:schemeClr val="dk1"/>
+                          </a:solidFill>
+                          <a:latin typeface="Corbel"/>
+                          <a:ea typeface="Corbel"/>
+                          <a:cs typeface="Corbel"/>
+                          <a:sym typeface="Corbel"/>
+                        </a:rPr>
+                        <a:t>Content-based filtering</a:t>
+                      </a:r>
+                      <a:endParaRPr>
+                        <a:solidFill>
+                          <a:schemeClr val="dk1"/>
+                        </a:solidFill>
+                        <a:latin typeface="Corbel"/>
+                        <a:ea typeface="Corbel"/>
+                        <a:cs typeface="Corbel"/>
+                        <a:sym typeface="Corbel"/>
+                      </a:endParaRPr>
+                    </a:p>
+                    <a:p>
+                      <a:pPr indent="-317500" lvl="0" marL="457200" rtl="0" algn="l">
+                        <a:lnSpc>
+                          <a:spcPct val="115000"/>
+                        </a:lnSpc>
+                        <a:spcBef>
+                          <a:spcPts val="0"/>
+                        </a:spcBef>
+                        <a:spcAft>
+                          <a:spcPts val="0"/>
+                        </a:spcAft>
+                        <a:buClr>
+                          <a:schemeClr val="dk1"/>
+                        </a:buClr>
+                        <a:buSzPts val="1400"/>
+                        <a:buFont typeface="Corbel"/>
+                        <a:buChar char="●"/>
+                      </a:pPr>
+                      <a:r>
+                        <a:rPr lang="en">
+                          <a:solidFill>
+                            <a:schemeClr val="dk1"/>
+                          </a:solidFill>
+                          <a:latin typeface="Corbel"/>
+                          <a:ea typeface="Corbel"/>
+                          <a:cs typeface="Corbel"/>
+                          <a:sym typeface="Corbel"/>
+                        </a:rPr>
+                        <a:t>Hybrid methods</a:t>
+                      </a:r>
+                      <a:endParaRPr sz="1100"/>
+                    </a:p>
+                  </a:txBody>
+                  <a:tcPr marT="91425" marB="91425" marR="91425" marL="91425">
+                    <a:lnL cap="flat" cmpd="sng" w="38100">
+                      <a:solidFill>
+                        <a:srgbClr val="9E9E9E"/>
+                      </a:solidFill>
+                      <a:prstDash val="solid"/>
+                      <a:round/>
+                      <a:headEnd len="sm" w="sm" type="none"/>
+                      <a:tailEnd len="sm" w="sm" type="none"/>
+                    </a:lnL>
+                    <a:lnR cap="flat" cmpd="sng" w="38100">
+                      <a:solidFill>
+                        <a:srgbClr val="9E9E9E"/>
+                      </a:solidFill>
+                      <a:prstDash val="solid"/>
+                      <a:round/>
+                      <a:headEnd len="sm" w="sm" type="none"/>
+                      <a:tailEnd len="sm" w="sm" type="none"/>
+                    </a:lnR>
+                    <a:lnT cap="flat" cmpd="sng" w="38100">
+                      <a:solidFill>
+                        <a:srgbClr val="9E9E9E"/>
+                      </a:solidFill>
+                      <a:prstDash val="solid"/>
+                      <a:round/>
+                      <a:headEnd len="sm" w="sm" type="none"/>
+                      <a:tailEnd len="sm" w="sm" type="none"/>
+                    </a:lnT>
+                    <a:lnB cap="flat" cmpd="sng" w="38100">
+                      <a:solidFill>
+                        <a:srgbClr val="9E9E9E"/>
+                      </a:solidFill>
+                      <a:prstDash val="solid"/>
+                      <a:round/>
+                      <a:headEnd len="sm" w="sm" type="none"/>
+                      <a:tailEnd len="sm" w="sm" type="none"/>
+                    </a:lnB>
+                  </a:tcPr>
+                </a:tc>
+                <a:tc>
+                  <a:txBody>
+                    <a:bodyPr/>
+                    <a:lstStyle/>
+                    <a:p>
+                      <a:pPr indent="0" lvl="0" marL="0" rtl="0" algn="l">
+                        <a:lnSpc>
+                          <a:spcPct val="115000"/>
+                        </a:lnSpc>
+                        <a:spcBef>
+                          <a:spcPts val="0"/>
+                        </a:spcBef>
+                        <a:spcAft>
+                          <a:spcPts val="0"/>
+                        </a:spcAft>
+                        <a:buNone/>
+                      </a:pPr>
+                      <a:r>
+                        <a:rPr lang="en" sz="1700">
+                          <a:solidFill>
+                            <a:schemeClr val="dk1"/>
+                          </a:solidFill>
+                          <a:latin typeface="Corbel"/>
+                          <a:ea typeface="Corbel"/>
+                          <a:cs typeface="Corbel"/>
+                          <a:sym typeface="Corbel"/>
+                        </a:rPr>
+                        <a:t>2. Privacy and security concerns:</a:t>
+                      </a:r>
+                      <a:endParaRPr sz="1700">
+                        <a:solidFill>
+                          <a:schemeClr val="dk1"/>
+                        </a:solidFill>
+                        <a:latin typeface="Corbel"/>
+                        <a:ea typeface="Corbel"/>
+                        <a:cs typeface="Corbel"/>
+                        <a:sym typeface="Corbel"/>
+                      </a:endParaRPr>
+                    </a:p>
+                    <a:p>
+                      <a:pPr indent="-317500" lvl="0" marL="457200" rtl="0" algn="l">
+                        <a:lnSpc>
+                          <a:spcPct val="115000"/>
+                        </a:lnSpc>
+                        <a:spcBef>
+                          <a:spcPts val="1200"/>
+                        </a:spcBef>
+                        <a:spcAft>
+                          <a:spcPts val="0"/>
+                        </a:spcAft>
+                        <a:buClr>
+                          <a:schemeClr val="dk1"/>
+                        </a:buClr>
+                        <a:buSzPts val="1400"/>
+                        <a:buFont typeface="Corbel"/>
+                        <a:buChar char="●"/>
+                      </a:pPr>
+                      <a:r>
+                        <a:rPr lang="en">
+                          <a:solidFill>
+                            <a:schemeClr val="dk1"/>
+                          </a:solidFill>
+                          <a:latin typeface="Corbel"/>
+                          <a:ea typeface="Corbel"/>
+                          <a:cs typeface="Corbel"/>
+                          <a:sym typeface="Corbel"/>
+                        </a:rPr>
+                        <a:t>Data breaches</a:t>
+                      </a:r>
+                      <a:endParaRPr>
+                        <a:solidFill>
+                          <a:schemeClr val="dk1"/>
+                        </a:solidFill>
+                        <a:latin typeface="Corbel"/>
+                        <a:ea typeface="Corbel"/>
+                        <a:cs typeface="Corbel"/>
+                        <a:sym typeface="Corbel"/>
+                      </a:endParaRPr>
+                    </a:p>
+                    <a:p>
+                      <a:pPr indent="-317500" lvl="0" marL="457200" rtl="0" algn="l">
+                        <a:lnSpc>
+                          <a:spcPct val="115000"/>
+                        </a:lnSpc>
+                        <a:spcBef>
+                          <a:spcPts val="0"/>
+                        </a:spcBef>
+                        <a:spcAft>
+                          <a:spcPts val="0"/>
+                        </a:spcAft>
+                        <a:buClr>
+                          <a:schemeClr val="dk1"/>
+                        </a:buClr>
+                        <a:buSzPts val="1400"/>
+                        <a:buFont typeface="Corbel"/>
+                        <a:buChar char="●"/>
+                      </a:pPr>
+                      <a:r>
+                        <a:rPr lang="en">
+                          <a:solidFill>
+                            <a:schemeClr val="dk1"/>
+                          </a:solidFill>
+                          <a:latin typeface="Corbel"/>
+                          <a:ea typeface="Corbel"/>
+                          <a:cs typeface="Corbel"/>
+                          <a:sym typeface="Corbel"/>
+                        </a:rPr>
+                        <a:t>Unauthorized data usage</a:t>
+                      </a:r>
+                      <a:endParaRPr>
+                        <a:solidFill>
+                          <a:schemeClr val="dk1"/>
+                        </a:solidFill>
+                        <a:latin typeface="Corbel"/>
+                        <a:ea typeface="Corbel"/>
+                        <a:cs typeface="Corbel"/>
+                        <a:sym typeface="Corbel"/>
+                      </a:endParaRPr>
+                    </a:p>
+                    <a:p>
+                      <a:pPr indent="-317500" lvl="0" marL="457200" rtl="0" algn="l">
+                        <a:lnSpc>
+                          <a:spcPct val="115000"/>
+                        </a:lnSpc>
+                        <a:spcBef>
+                          <a:spcPts val="0"/>
+                        </a:spcBef>
+                        <a:spcAft>
+                          <a:spcPts val="0"/>
+                        </a:spcAft>
+                        <a:buClr>
+                          <a:schemeClr val="dk1"/>
+                        </a:buClr>
+                        <a:buSzPts val="1400"/>
+                        <a:buFont typeface="Corbel"/>
+                        <a:buChar char="●"/>
+                      </a:pPr>
+                      <a:r>
+                        <a:rPr lang="en">
+                          <a:solidFill>
+                            <a:schemeClr val="dk1"/>
+                          </a:solidFill>
+                          <a:latin typeface="Corbel"/>
+                          <a:ea typeface="Corbel"/>
+                          <a:cs typeface="Corbel"/>
+                          <a:sym typeface="Corbel"/>
+                        </a:rPr>
+                        <a:t>User profiling</a:t>
+                      </a:r>
+                      <a:endParaRPr sz="1100"/>
+                    </a:p>
+                  </a:txBody>
+                  <a:tcPr marT="91425" marB="91425" marR="91425" marL="91425">
+                    <a:lnL cap="flat" cmpd="sng" w="38100">
+                      <a:solidFill>
+                        <a:srgbClr val="9E9E9E"/>
+                      </a:solidFill>
+                      <a:prstDash val="solid"/>
+                      <a:round/>
+                      <a:headEnd len="sm" w="sm" type="none"/>
+                      <a:tailEnd len="sm" w="sm" type="none"/>
+                    </a:lnL>
+                    <a:lnR cap="flat" cmpd="sng" w="38100">
+                      <a:solidFill>
+                        <a:srgbClr val="9E9E9E"/>
+                      </a:solidFill>
+                      <a:prstDash val="solid"/>
+                      <a:round/>
+                      <a:headEnd len="sm" w="sm" type="none"/>
+                      <a:tailEnd len="sm" w="sm" type="none"/>
+                    </a:lnR>
+                    <a:lnT cap="flat" cmpd="sng" w="38100">
+                      <a:solidFill>
+                        <a:srgbClr val="9E9E9E"/>
+                      </a:solidFill>
+                      <a:prstDash val="solid"/>
+                      <a:round/>
+                      <a:headEnd len="sm" w="sm" type="none"/>
+                      <a:tailEnd len="sm" w="sm" type="none"/>
+                    </a:lnT>
+                    <a:lnB cap="flat" cmpd="sng" w="38100">
+                      <a:solidFill>
+                        <a:srgbClr val="9E9E9E"/>
+                      </a:solidFill>
+                      <a:prstDash val="solid"/>
+                      <a:round/>
+                      <a:headEnd len="sm" w="sm" type="none"/>
+                      <a:tailEnd len="sm" w="sm" type="none"/>
+                    </a:lnB>
+                  </a:tcPr>
+                </a:tc>
+                <a:tc>
+                  <a:txBody>
+                    <a:bodyPr/>
+                    <a:lstStyle/>
+                    <a:p>
+                      <a:pPr indent="0" lvl="0" marL="0" rtl="0" algn="l">
+                        <a:lnSpc>
+                          <a:spcPct val="115000"/>
+                        </a:lnSpc>
+                        <a:spcBef>
+                          <a:spcPts val="0"/>
+                        </a:spcBef>
+                        <a:spcAft>
+                          <a:spcPts val="0"/>
+                        </a:spcAft>
+                        <a:buNone/>
+                      </a:pPr>
+                      <a:r>
+                        <a:rPr lang="en" sz="1700">
+                          <a:solidFill>
+                            <a:schemeClr val="dk1"/>
+                          </a:solidFill>
+                          <a:latin typeface="Corbel"/>
+                          <a:ea typeface="Corbel"/>
+                          <a:cs typeface="Corbel"/>
+                          <a:sym typeface="Corbel"/>
+                        </a:rPr>
+                        <a:t>3. Emerging decentralized technologies:</a:t>
+                      </a:r>
+                      <a:endParaRPr sz="1700">
+                        <a:solidFill>
+                          <a:schemeClr val="dk1"/>
+                        </a:solidFill>
+                        <a:latin typeface="Corbel"/>
+                        <a:ea typeface="Corbel"/>
+                        <a:cs typeface="Corbel"/>
+                        <a:sym typeface="Corbel"/>
+                      </a:endParaRPr>
+                    </a:p>
+                    <a:p>
+                      <a:pPr indent="-317500" lvl="0" marL="457200" rtl="0" algn="l">
+                        <a:lnSpc>
+                          <a:spcPct val="115000"/>
+                        </a:lnSpc>
+                        <a:spcBef>
+                          <a:spcPts val="1200"/>
+                        </a:spcBef>
+                        <a:spcAft>
+                          <a:spcPts val="0"/>
+                        </a:spcAft>
+                        <a:buClr>
+                          <a:schemeClr val="dk1"/>
+                        </a:buClr>
+                        <a:buSzPts val="1400"/>
+                        <a:buFont typeface="Corbel"/>
+                        <a:buChar char="●"/>
+                      </a:pPr>
+                      <a:r>
+                        <a:rPr lang="en">
+                          <a:solidFill>
+                            <a:schemeClr val="dk1"/>
+                          </a:solidFill>
+                          <a:latin typeface="Corbel"/>
+                          <a:ea typeface="Corbel"/>
+                          <a:cs typeface="Corbel"/>
+                          <a:sym typeface="Corbel"/>
+                        </a:rPr>
+                        <a:t>  Blockchain</a:t>
+                      </a:r>
+                      <a:endParaRPr>
+                        <a:solidFill>
+                          <a:schemeClr val="dk1"/>
+                        </a:solidFill>
+                        <a:latin typeface="Corbel"/>
+                        <a:ea typeface="Corbel"/>
+                        <a:cs typeface="Corbel"/>
+                        <a:sym typeface="Corbel"/>
+                      </a:endParaRPr>
+                    </a:p>
+                    <a:p>
+                      <a:pPr indent="-317500" lvl="0" marL="457200" rtl="0" algn="l">
+                        <a:lnSpc>
+                          <a:spcPct val="115000"/>
+                        </a:lnSpc>
+                        <a:spcBef>
+                          <a:spcPts val="0"/>
+                        </a:spcBef>
+                        <a:spcAft>
+                          <a:spcPts val="0"/>
+                        </a:spcAft>
+                        <a:buClr>
+                          <a:schemeClr val="dk1"/>
+                        </a:buClr>
+                        <a:buSzPts val="1400"/>
+                        <a:buFont typeface="Corbel"/>
+                        <a:buChar char="●"/>
+                      </a:pPr>
+                      <a:r>
+                        <a:rPr lang="en">
+                          <a:solidFill>
+                            <a:schemeClr val="dk1"/>
+                          </a:solidFill>
+                          <a:latin typeface="Corbel"/>
+                          <a:ea typeface="Corbel"/>
+                          <a:cs typeface="Corbel"/>
+                          <a:sym typeface="Corbel"/>
+                        </a:rPr>
+                        <a:t>  Federated learning</a:t>
+                      </a:r>
+                      <a:endParaRPr>
+                        <a:solidFill>
+                          <a:schemeClr val="dk1"/>
+                        </a:solidFill>
+                        <a:latin typeface="Corbel"/>
+                        <a:ea typeface="Corbel"/>
+                        <a:cs typeface="Corbel"/>
+                        <a:sym typeface="Corbel"/>
+                      </a:endParaRPr>
+                    </a:p>
+                    <a:p>
+                      <a:pPr indent="-317500" lvl="0" marL="457200" rtl="0" algn="l">
+                        <a:lnSpc>
+                          <a:spcPct val="115000"/>
+                        </a:lnSpc>
+                        <a:spcBef>
+                          <a:spcPts val="0"/>
+                        </a:spcBef>
+                        <a:spcAft>
+                          <a:spcPts val="0"/>
+                        </a:spcAft>
+                        <a:buClr>
+                          <a:schemeClr val="dk1"/>
+                        </a:buClr>
+                        <a:buSzPts val="1400"/>
+                        <a:buFont typeface="Corbel"/>
+                        <a:buChar char="●"/>
+                      </a:pPr>
+                      <a:r>
+                        <a:rPr lang="en">
+                          <a:solidFill>
+                            <a:schemeClr val="dk1"/>
+                          </a:solidFill>
+                          <a:latin typeface="Corbel"/>
+                          <a:ea typeface="Corbel"/>
+                          <a:cs typeface="Corbel"/>
+                          <a:sym typeface="Corbel"/>
+                        </a:rPr>
+                        <a:t>  Peer-to-peer networks</a:t>
+                      </a:r>
+                      <a:endParaRPr sz="1100"/>
+                    </a:p>
+                  </a:txBody>
+                  <a:tcPr marT="91425" marB="91425" marR="91425" marL="91425">
+                    <a:lnL cap="flat" cmpd="sng" w="38100">
+                      <a:solidFill>
+                        <a:srgbClr val="9E9E9E"/>
+                      </a:solidFill>
+                      <a:prstDash val="solid"/>
+                      <a:round/>
+                      <a:headEnd len="sm" w="sm" type="none"/>
+                      <a:tailEnd len="sm" w="sm" type="none"/>
+                    </a:lnL>
+                    <a:lnR cap="flat" cmpd="sng" w="38100">
+                      <a:solidFill>
+                        <a:srgbClr val="9E9E9E"/>
+                      </a:solidFill>
+                      <a:prstDash val="solid"/>
+                      <a:round/>
+                      <a:headEnd len="sm" w="sm" type="none"/>
+                      <a:tailEnd len="sm" w="sm" type="none"/>
+                    </a:lnR>
+                    <a:lnT cap="flat" cmpd="sng" w="38100">
+                      <a:solidFill>
+                        <a:srgbClr val="9E9E9E"/>
+                      </a:solidFill>
+                      <a:prstDash val="solid"/>
+                      <a:round/>
+                      <a:headEnd len="sm" w="sm" type="none"/>
+                      <a:tailEnd len="sm" w="sm" type="none"/>
+                    </a:lnT>
+                    <a:lnB cap="flat" cmpd="sng" w="38100">
+                      <a:solidFill>
+                        <a:srgbClr val="9E9E9E"/>
+                      </a:solidFill>
+                      <a:prstDash val="solid"/>
+                      <a:round/>
+                      <a:headEnd len="sm" w="sm" type="none"/>
+                      <a:tailEnd len="sm" w="sm" type="none"/>
+                    </a:lnB>
+                  </a:tcPr>
+                </a:tc>
+              </a:tr>
+            </a:tbl>
+          </a:graphicData>
+        </a:graphic>
+      </p:graphicFrame>
     </p:spTree>
   </p:cSld>
   <p:clrMapOvr>
     <a:masterClrMapping/>
   </p:clrMapOvr>
-  <p:timing>
-    <p:tnLst>
-      <p:par>
-        <p:cTn dur="indefinite" nodeType="tmRoot" restart="never">
-          <p:childTnLst>
-            <p:seq concurrent="1" nextAc="seek">
-              <p:cTn dur="indefinite" id="2" nodeType="mainSeq">
-                <p:childTnLst>
-                  <p:par>
-                    <p:cTn fill="hold">
-                      <p:stCondLst>
-                        <p:cond delay="indefinite"/>
-                      </p:stCondLst>
-                      <p:childTnLst>
-                        <p:par>
-                          <p:cTn fill="hold">
-                            <p:stCondLst>
-                              <p:cond delay="0"/>
-                            </p:stCondLst>
-                            <p:childTnLst>
-                              <p:par>
-                                <p:cTn fill="hold" nodeType="clickEffect" presetClass="entr" presetID="2" presetSubtype="8">
-                                  <p:stCondLst>
-                                    <p:cond delay="0"/>
-                                  </p:stCondLst>
-                                  <p:childTnLst>
-                                    <p:set>
-                                      <p:cBhvr>
-                                        <p:cTn dur="1" fill="hold">
-                                          <p:stCondLst>
-                                            <p:cond delay="0"/>
-                                          </p:stCondLst>
-                                        </p:cTn>
-                                        <p:tgtEl>
-                                          <p:spTgt spid="94"/>
-                                        </p:tgtEl>
-                                        <p:attrNameLst>
-                                          <p:attrName>style.visibility</p:attrName>
-                                        </p:attrNameLst>
-                                      </p:cBhvr>
-                                      <p:to>
-                                        <p:strVal val="visible"/>
-                                      </p:to>
-                                    </p:set>
-                                    <p:anim calcmode="lin" valueType="num">
-                                      <p:cBhvr additive="base">
-                                        <p:cTn dur="1000"/>
-                                        <p:tgtEl>
-                                          <p:spTgt spid="94"/>
-                                        </p:tgtEl>
-                                        <p:attrNameLst>
-                                          <p:attrName>ppt_x</p:attrName>
-                                        </p:attrNameLst>
-                                      </p:cBhvr>
-                                      <p:tavLst>
-                                        <p:tav fmla="" tm="0">
-                                          <p:val>
-                                            <p:strVal val="#ppt_x-1"/>
-                                          </p:val>
-                                        </p:tav>
-                                        <p:tav fmla="" tm="100000">
-                                          <p:val>
-                                            <p:strVal val="#ppt_x"/>
-                                          </p:val>
-                                        </p:tav>
-                                      </p:tavLst>
-                                    </p:anim>
-                                  </p:childTnLst>
-                                </p:cTn>
-                              </p:par>
-                            </p:childTnLst>
-                          </p:cTn>
-                        </p:par>
-                      </p:childTnLst>
-                    </p:cTn>
-                  </p:par>
-                  <p:par>
-                    <p:cTn fill="hold">
-                      <p:stCondLst>
-                        <p:cond delay="indefinite"/>
-                      </p:stCondLst>
-                      <p:childTnLst>
-                        <p:par>
-                          <p:cTn fill="hold">
-                            <p:stCondLst>
-                              <p:cond delay="0"/>
-                            </p:stCondLst>
-                            <p:childTnLst>
-                              <p:par>
-                                <p:cTn fill="hold" nodeType="clickEffect" presetClass="entr" presetID="2" presetSubtype="4">
-                                  <p:stCondLst>
-                                    <p:cond delay="0"/>
-                                  </p:stCondLst>
-                                  <p:childTnLst>
-                                    <p:set>
-                                      <p:cBhvr>
-                                        <p:cTn dur="1" fill="hold">
-                                          <p:stCondLst>
-                                            <p:cond delay="0"/>
-                                          </p:stCondLst>
-                                        </p:cTn>
-                                        <p:tgtEl>
-                                          <p:spTgt spid="97"/>
-                                        </p:tgtEl>
-                                        <p:attrNameLst>
-                                          <p:attrName>style.visibility</p:attrName>
-                                        </p:attrNameLst>
-                                      </p:cBhvr>
-                                      <p:to>
-                                        <p:strVal val="visible"/>
-                                      </p:to>
-                                    </p:set>
-                                    <p:anim calcmode="lin" valueType="num">
-                                      <p:cBhvr additive="base">
-                                        <p:cTn dur="1000"/>
-                                        <p:tgtEl>
-                                          <p:spTgt spid="97"/>
-                                        </p:tgtEl>
-                                        <p:attrNameLst>
-                                          <p:attrName>ppt_y</p:attrName>
-                                        </p:attrNameLst>
-                                      </p:cBhvr>
-                                      <p:tavLst>
-                                        <p:tav fmla="" tm="0">
-                                          <p:val>
-                                            <p:strVal val="#ppt_y+1"/>
-                                          </p:val>
-                                        </p:tav>
-                                        <p:tav fmla="" tm="100000">
-                                          <p:val>
-                                            <p:strVal val="#ppt_y"/>
-                                          </p:val>
-                                        </p:tav>
-                                      </p:tavLst>
-                                    </p:anim>
-                                  </p:childTnLst>
-                                </p:cTn>
-                              </p:par>
-                            </p:childTnLst>
-                          </p:cTn>
-                        </p:par>
-                      </p:childTnLst>
-                    </p:cTn>
-                  </p:par>
-                  <p:par>
-                    <p:cTn fill="hold">
-                      <p:stCondLst>
-                        <p:cond delay="indefinite"/>
-                      </p:stCondLst>
-                      <p:childTnLst>
-                        <p:par>
-                          <p:cTn fill="hold">
-                            <p:stCondLst>
-                              <p:cond delay="0"/>
-                            </p:stCondLst>
-                            <p:childTnLst>
-                              <p:par>
-                                <p:cTn fill="hold" nodeType="clickEffect" presetClass="entr" presetID="2" presetSubtype="2">
-                                  <p:stCondLst>
-                                    <p:cond delay="0"/>
-                                  </p:stCondLst>
-                                  <p:childTnLst>
-                                    <p:set>
-                                      <p:cBhvr>
-                                        <p:cTn dur="1" fill="hold">
-                                          <p:stCondLst>
-                                            <p:cond delay="0"/>
-                                          </p:stCondLst>
-                                        </p:cTn>
-                                        <p:tgtEl>
-                                          <p:spTgt spid="95"/>
-                                        </p:tgtEl>
-                                        <p:attrNameLst>
-                                          <p:attrName>style.visibility</p:attrName>
-                                        </p:attrNameLst>
-                                      </p:cBhvr>
-                                      <p:to>
-                                        <p:strVal val="visible"/>
-                                      </p:to>
-                                    </p:set>
-                                    <p:anim calcmode="lin" valueType="num">
-                                      <p:cBhvr additive="base">
-                                        <p:cTn dur="1000"/>
-                                        <p:tgtEl>
-                                          <p:spTgt spid="95"/>
-                                        </p:tgtEl>
-                                        <p:attrNameLst>
-                                          <p:attrName>ppt_x</p:attrName>
-                                        </p:attrNameLst>
-                                      </p:cBhvr>
-                                      <p:tavLst>
-                                        <p:tav fmla="" tm="0">
-                                          <p:val>
-                                            <p:strVal val="#ppt_x+1"/>
-                                          </p:val>
-                                        </p:tav>
-                                        <p:tav fmla="" tm="100000">
-                                          <p:val>
-                                            <p:strVal val="#ppt_x"/>
-                                          </p:val>
-                                        </p:tav>
-                                      </p:tavLst>
-                                    </p:anim>
-                                  </p:childTnLst>
-                                </p:cTn>
-                              </p:par>
-                            </p:childTnLst>
-                          </p:cTn>
-                        </p:par>
-                      </p:childTnLst>
-                    </p:cTn>
-                  </p:par>
-                </p:childTnLst>
-              </p:cTn>
-              <p:prevCondLst>
-                <p:cond evt="onPrev">
-                  <p:tgtEl>
-                    <p:sldTgt/>
-                  </p:tgtEl>
-                </p:cond>
-              </p:prevCondLst>
-              <p:nextCondLst>
-                <p:cond evt="onNext">
-                  <p:tgtEl>
-                    <p:sldTgt/>
-                  </p:tgtEl>
-                </p:cond>
-              </p:nextCondLst>
-            </p:seq>
-          </p:childTnLst>
-        </p:cTn>
-      </p:par>
-    </p:tnLst>
-  </p:timing>
+  <mc:AlternateContent>
+    <mc:Choice Requires="p14">
+      <p:transition spd="med">
+        <p14:flip dir="l"/>
+      </p:transition>
+    </mc:Choice>
+    <mc:Fallback>
+      <p:transition spd="med">
+        <p:fade/>
+      </p:transition>
+    </mc:Fallback>
+  </mc:AlternateContent>
 </p:sld>
 </file>
 
@@ -15086,7 +15707,7 @@
   <p:cSld>
     <p:spTree>
       <p:nvGrpSpPr>
-        <p:cNvPr id="101" name="Shape 101"/>
+        <p:cNvPr id="100" name="Shape 100"/>
         <p:cNvGrpSpPr/>
         <p:nvPr/>
       </p:nvGrpSpPr>
@@ -15100,7 +15721,7 @@
       </p:grpSpPr>
       <p:sp>
         <p:nvSpPr>
-          <p:cNvPr id="102" name="Google Shape;102;p18"/>
+          <p:cNvPr id="101" name="Google Shape;101;p18"/>
           <p:cNvSpPr txBox="1"/>
           <p:nvPr>
             <p:ph type="title"/>
@@ -15141,7 +15762,7 @@
       </p:sp>
       <p:sp>
         <p:nvSpPr>
-          <p:cNvPr id="103" name="Google Shape;103;p18"/>
+          <p:cNvPr id="102" name="Google Shape;102;p18"/>
           <p:cNvSpPr txBox="1"/>
           <p:nvPr>
             <p:ph idx="1" type="body"/>
@@ -15264,7 +15885,7 @@
       </p:sp>
       <p:sp>
         <p:nvSpPr>
-          <p:cNvPr id="104" name="Google Shape;104;p18"/>
+          <p:cNvPr id="103" name="Google Shape;103;p18"/>
           <p:cNvSpPr txBox="1"/>
           <p:nvPr/>
         </p:nvSpPr>
@@ -15322,7 +15943,7 @@
       </p:sp>
       <p:sp>
         <p:nvSpPr>
-          <p:cNvPr id="105" name="Google Shape;105;p18"/>
+          <p:cNvPr id="104" name="Google Shape;104;p18"/>
           <p:cNvSpPr txBox="1"/>
           <p:nvPr/>
         </p:nvSpPr>
@@ -15483,7 +16104,7 @@
   <p:cSld>
     <p:spTree>
       <p:nvGrpSpPr>
-        <p:cNvPr id="109" name="Shape 109"/>
+        <p:cNvPr id="108" name="Shape 108"/>
         <p:cNvGrpSpPr/>
         <p:nvPr/>
       </p:nvGrpSpPr>
@@ -15497,7 +16118,7 @@
       </p:grpSpPr>
       <p:sp>
         <p:nvSpPr>
-          <p:cNvPr id="110" name="Google Shape;110;p19"/>
+          <p:cNvPr id="109" name="Google Shape;109;p19"/>
           <p:cNvSpPr txBox="1"/>
           <p:nvPr>
             <p:ph type="title"/>
@@ -15537,7 +16158,7 @@
       </p:sp>
       <p:sp>
         <p:nvSpPr>
-          <p:cNvPr id="111" name="Google Shape;111;p19"/>
+          <p:cNvPr id="110" name="Google Shape;110;p19"/>
           <p:cNvSpPr txBox="1"/>
           <p:nvPr>
             <p:ph idx="1" type="body"/>
@@ -15757,7 +16378,7 @@
       </p:sp>
       <p:sp>
         <p:nvSpPr>
-          <p:cNvPr id="112" name="Google Shape;112;p19"/>
+          <p:cNvPr id="111" name="Google Shape;111;p19"/>
           <p:cNvSpPr txBox="1"/>
           <p:nvPr/>
         </p:nvSpPr>
@@ -15838,7 +16459,7 @@
   <p:cSld>
     <p:spTree>
       <p:nvGrpSpPr>
-        <p:cNvPr id="116" name="Shape 116"/>
+        <p:cNvPr id="115" name="Shape 115"/>
         <p:cNvGrpSpPr/>
         <p:nvPr/>
       </p:nvGrpSpPr>
@@ -15852,7 +16473,7 @@
       </p:grpSpPr>
       <p:sp>
         <p:nvSpPr>
-          <p:cNvPr id="117" name="Google Shape;117;p20"/>
+          <p:cNvPr id="116" name="Google Shape;116;p20"/>
           <p:cNvSpPr txBox="1"/>
           <p:nvPr>
             <p:ph type="title"/>
@@ -15892,7 +16513,7 @@
       </p:sp>
       <p:sp>
         <p:nvSpPr>
-          <p:cNvPr id="118" name="Google Shape;118;p20"/>
+          <p:cNvPr id="117" name="Google Shape;117;p20"/>
           <p:cNvSpPr txBox="1"/>
           <p:nvPr>
             <p:ph idx="1" type="body"/>
@@ -15943,7 +16564,7 @@
                 <a:cs typeface="Arial"/>
                 <a:sym typeface="Arial"/>
               </a:rPr>
-              <a:t>Web scraping process using Python's BeautifulSoup</a:t>
+              <a:t>Web scraping process using BeautifulSoup Library in Python</a:t>
             </a:r>
             <a:endParaRPr sz="1629">
               <a:latin typeface="Arial"/>
@@ -15974,7 +16595,20 @@
                 <a:cs typeface="Arial"/>
                 <a:sym typeface="Arial"/>
               </a:rPr>
-              <a:t>  Dataset details: 25,000 movies from IMDb</a:t>
+              <a:t>  Dataset details: 25,000 movies from IMDb. </a:t>
+            </a:r>
+            <a:r>
+              <a:rPr lang="en" sz="1629" u="sng">
+                <a:solidFill>
+                  <a:schemeClr val="hlink"/>
+                </a:solidFill>
+                <a:latin typeface="Arial"/>
+                <a:ea typeface="Arial"/>
+                <a:cs typeface="Arial"/>
+                <a:sym typeface="Arial"/>
+                <a:hlinkClick r:id="rId3"/>
+              </a:rPr>
+              <a:t>Link</a:t>
             </a:r>
             <a:endParaRPr sz="1629">
               <a:latin typeface="Arial"/>
@@ -16072,7 +16706,7 @@
       </p:sp>
       <p:sp>
         <p:nvSpPr>
-          <p:cNvPr id="119" name="Google Shape;119;p20"/>
+          <p:cNvPr id="118" name="Google Shape;118;p20"/>
           <p:cNvSpPr txBox="1"/>
           <p:nvPr/>
         </p:nvSpPr>
@@ -16130,7 +16764,7 @@
       </p:sp>
       <p:sp>
         <p:nvSpPr>
-          <p:cNvPr id="120" name="Google Shape;120;p20"/>
+          <p:cNvPr id="119" name="Google Shape;119;p20"/>
           <p:cNvSpPr txBox="1"/>
           <p:nvPr/>
         </p:nvSpPr>
@@ -16279,9 +16913,18 @@
   <p:clrMapOvr>
     <a:masterClrMapping/>
   </p:clrMapOvr>
-  <p:transition spd="med">
-    <p:push/>
-  </p:transition>
+  <mc:AlternateContent>
+    <mc:Choice Requires="p14">
+      <p:transition spd="med">
+        <p14:gallery dir="l"/>
+      </p:transition>
+    </mc:Choice>
+    <mc:Fallback>
+      <p:transition spd="med">
+        <p:fade/>
+      </p:transition>
+    </mc:Fallback>
+  </mc:AlternateContent>
 </p:sld>
 </file>
 
@@ -16290,7 +16933,7 @@
   <p:cSld>
     <p:spTree>
       <p:nvGrpSpPr>
-        <p:cNvPr id="124" name="Shape 124"/>
+        <p:cNvPr id="123" name="Shape 123"/>
         <p:cNvGrpSpPr/>
         <p:nvPr/>
       </p:nvGrpSpPr>
@@ -16304,7 +16947,7 @@
       </p:grpSpPr>
       <p:sp>
         <p:nvSpPr>
-          <p:cNvPr id="125" name="Google Shape;125;p21"/>
+          <p:cNvPr id="124" name="Google Shape;124;p21"/>
           <p:cNvSpPr txBox="1"/>
           <p:nvPr>
             <p:ph type="title"/>
@@ -16336,7 +16979,7 @@
             </a:pPr>
             <a:r>
               <a:rPr lang="en"/>
-              <a:t>Recommendation Algorithms</a:t>
+              <a:t> Data Analysis - Movie Distribution by Genre</a:t>
             </a:r>
             <a:endParaRPr/>
           </a:p>
@@ -16344,171 +16987,7 @@
       </p:sp>
       <p:sp>
         <p:nvSpPr>
-          <p:cNvPr id="126" name="Google Shape;126;p21"/>
-          <p:cNvSpPr txBox="1"/>
-          <p:nvPr>
-            <p:ph idx="1" type="body"/>
-          </p:nvPr>
-        </p:nvSpPr>
-        <p:spPr>
-          <a:xfrm>
-            <a:off x="387900" y="1489824"/>
-            <a:ext cx="8368200" cy="3078900"/>
-          </a:xfrm>
-          <a:prstGeom prst="rect">
-            <a:avLst/>
-          </a:prstGeom>
-        </p:spPr>
-        <p:txBody>
-          <a:bodyPr anchorCtr="0" anchor="t" bIns="91425" lIns="91425" spcFirstLastPara="1" rIns="91425" wrap="square" tIns="91425">
-            <a:normAutofit/>
-          </a:bodyPr>
-          <a:lstStyle/>
-          <a:p>
-            <a:pPr indent="-342900" lvl="0" marL="457200" rtl="0" algn="l">
-              <a:spcBef>
-                <a:spcPts val="0"/>
-              </a:spcBef>
-              <a:spcAft>
-                <a:spcPts val="0"/>
-              </a:spcAft>
-              <a:buSzPts val="1800"/>
-              <a:buFont typeface="Arial"/>
-              <a:buChar char="❏"/>
-            </a:pPr>
-            <a:r>
-              <a:rPr lang="en">
-                <a:latin typeface="Arial"/>
-                <a:ea typeface="Arial"/>
-                <a:cs typeface="Arial"/>
-                <a:sym typeface="Arial"/>
-              </a:rPr>
-              <a:t>   Content-based approach explanation</a:t>
-            </a:r>
-            <a:endParaRPr>
-              <a:latin typeface="Arial"/>
-              <a:ea typeface="Arial"/>
-              <a:cs typeface="Arial"/>
-              <a:sym typeface="Arial"/>
-            </a:endParaRPr>
-          </a:p>
-          <a:p>
-            <a:pPr indent="-342900" lvl="0" marL="457200" rtl="0" algn="l">
-              <a:spcBef>
-                <a:spcPts val="0"/>
-              </a:spcBef>
-              <a:spcAft>
-                <a:spcPts val="0"/>
-              </a:spcAft>
-              <a:buSzPts val="1800"/>
-              <a:buFont typeface="Arial"/>
-              <a:buChar char="❏"/>
-            </a:pPr>
-            <a:r>
-              <a:rPr lang="en">
-                <a:latin typeface="Arial"/>
-                <a:ea typeface="Arial"/>
-                <a:cs typeface="Arial"/>
-                <a:sym typeface="Arial"/>
-              </a:rPr>
-              <a:t>   Text vectorization using sklearn's CountVectorizer</a:t>
-            </a:r>
-            <a:endParaRPr>
-              <a:latin typeface="Arial"/>
-              <a:ea typeface="Arial"/>
-              <a:cs typeface="Arial"/>
-              <a:sym typeface="Arial"/>
-            </a:endParaRPr>
-          </a:p>
-          <a:p>
-            <a:pPr indent="-342900" lvl="0" marL="457200" rtl="0" algn="l">
-              <a:spcBef>
-                <a:spcPts val="0"/>
-              </a:spcBef>
-              <a:spcAft>
-                <a:spcPts val="0"/>
-              </a:spcAft>
-              <a:buSzPts val="1800"/>
-              <a:buFont typeface="Arial"/>
-              <a:buChar char="❏"/>
-            </a:pPr>
-            <a:r>
-              <a:rPr lang="en">
-                <a:latin typeface="Arial"/>
-                <a:ea typeface="Arial"/>
-                <a:cs typeface="Arial"/>
-                <a:sym typeface="Arial"/>
-              </a:rPr>
-              <a:t>   Cosine similarity calculation</a:t>
-            </a:r>
-            <a:endParaRPr>
-              <a:latin typeface="Arial"/>
-              <a:ea typeface="Arial"/>
-              <a:cs typeface="Arial"/>
-              <a:sym typeface="Arial"/>
-            </a:endParaRPr>
-          </a:p>
-          <a:p>
-            <a:pPr indent="-342900" lvl="0" marL="457200" rtl="0" algn="l">
-              <a:spcBef>
-                <a:spcPts val="0"/>
-              </a:spcBef>
-              <a:spcAft>
-                <a:spcPts val="0"/>
-              </a:spcAft>
-              <a:buSzPts val="1800"/>
-              <a:buFont typeface="Arial"/>
-              <a:buChar char="❏"/>
-            </a:pPr>
-            <a:r>
-              <a:rPr lang="en">
-                <a:latin typeface="Arial"/>
-                <a:ea typeface="Arial"/>
-                <a:cs typeface="Arial"/>
-                <a:sym typeface="Arial"/>
-              </a:rPr>
-              <a:t>   Top 5 recommendation generation process</a:t>
-            </a:r>
-            <a:endParaRPr>
-              <a:latin typeface="Arial"/>
-              <a:ea typeface="Arial"/>
-              <a:cs typeface="Arial"/>
-              <a:sym typeface="Arial"/>
-            </a:endParaRPr>
-          </a:p>
-          <a:p>
-            <a:pPr indent="-342900" lvl="0" marL="457200" rtl="0" algn="l">
-              <a:spcBef>
-                <a:spcPts val="0"/>
-              </a:spcBef>
-              <a:spcAft>
-                <a:spcPts val="0"/>
-              </a:spcAft>
-              <a:buSzPts val="1800"/>
-              <a:buFont typeface="Arial"/>
-              <a:buChar char="❏"/>
-            </a:pPr>
-            <a:r>
-              <a:rPr lang="en">
-                <a:latin typeface="Arial"/>
-                <a:ea typeface="Arial"/>
-                <a:cs typeface="Arial"/>
-                <a:sym typeface="Arial"/>
-              </a:rPr>
-              <a:t>   Advantages of this approach in a decentralized context</a:t>
-            </a:r>
-            <a:endParaRPr>
-              <a:latin typeface="Arial"/>
-              <a:ea typeface="Arial"/>
-              <a:cs typeface="Arial"/>
-              <a:sym typeface="Arial"/>
-            </a:endParaRPr>
-          </a:p>
-        </p:txBody>
-      </p:sp>
-      <p:sp>
-        <p:nvSpPr>
-          <p:cNvPr id="127" name="Google Shape;127;p21"/>
+          <p:cNvPr id="125" name="Google Shape;125;p21"/>
           <p:cNvSpPr txBox="1"/>
           <p:nvPr/>
         </p:nvSpPr>
@@ -16564,14 +17043,51 @@
           </a:p>
         </p:txBody>
       </p:sp>
+      <p:pic>
+        <p:nvPicPr>
+          <p:cNvPr id="126" name="Google Shape;126;p21"/>
+          <p:cNvPicPr preferRelativeResize="0"/>
+          <p:nvPr/>
+        </p:nvPicPr>
+        <p:blipFill>
+          <a:blip r:embed="rId3">
+            <a:alphaModFix/>
+          </a:blip>
+          <a:stretch>
+            <a:fillRect/>
+          </a:stretch>
+        </p:blipFill>
+        <p:spPr>
+          <a:xfrm>
+            <a:off x="1421375" y="1474175"/>
+            <a:ext cx="6350124" cy="3331900"/>
+          </a:xfrm>
+          <a:prstGeom prst="rect">
+            <a:avLst/>
+          </a:prstGeom>
+          <a:noFill/>
+          <a:ln>
+            <a:noFill/>
+          </a:ln>
+        </p:spPr>
+      </p:pic>
     </p:spTree>
   </p:cSld>
   <p:clrMapOvr>
     <a:masterClrMapping/>
   </p:clrMapOvr>
-  <p:transition spd="med">
-    <p:fade/>
-  </p:transition>
+  <mc:AlternateContent>
+    <mc:Choice Requires="p14">
+      <p:transition spd="med">
+        <p14:prism dir="l"/>
+      </p:transition>
+    </mc:Choice>
+    <mc:Fallback>
+      <p:transition spd="med">
+        <p:fade/>
+      </p:transition>
+    </mc:Fallback>
+  </mc:AlternateContent>
 </p:sld>
 </file>
 
@@ -16580,7 +17096,7 @@
   <p:cSld>
     <p:spTree>
       <p:nvGrpSpPr>
-        <p:cNvPr id="131" name="Shape 131"/>
+        <p:cNvPr id="130" name="Shape 130"/>
         <p:cNvGrpSpPr/>
         <p:nvPr/>
       </p:nvGrpSpPr>
@@ -16594,7 +17110,7 @@
       </p:grpSpPr>
       <p:sp>
         <p:nvSpPr>
-          <p:cNvPr id="132" name="Google Shape;132;p22"/>
+          <p:cNvPr id="131" name="Google Shape;131;p22"/>
           <p:cNvSpPr txBox="1"/>
           <p:nvPr>
             <p:ph type="title"/>
@@ -16626,7 +17142,11 @@
             </a:pPr>
             <a:r>
               <a:rPr lang="en"/>
-              <a:t>Decentralization Implementation</a:t>
+              <a:t> Data Analysis - </a:t>
+            </a:r>
+            <a:r>
+              <a:rPr lang="en"/>
+              <a:t>Movie Distribution by User</a:t>
             </a:r>
             <a:endParaRPr/>
           </a:p>
@@ -16634,180 +17154,7 @@
       </p:sp>
       <p:sp>
         <p:nvSpPr>
-          <p:cNvPr id="133" name="Google Shape;133;p22"/>
-          <p:cNvSpPr txBox="1"/>
-          <p:nvPr>
-            <p:ph idx="1" type="body"/>
-          </p:nvPr>
-        </p:nvSpPr>
-        <p:spPr>
-          <a:xfrm>
-            <a:off x="387900" y="1489824"/>
-            <a:ext cx="8368200" cy="3078900"/>
-          </a:xfrm>
-          <a:prstGeom prst="rect">
-            <a:avLst/>
-          </a:prstGeom>
-        </p:spPr>
-        <p:txBody>
-          <a:bodyPr anchorCtr="0" anchor="t" bIns="91425" lIns="91425" spcFirstLastPara="1" rIns="91425" wrap="square" tIns="91425">
-            <a:normAutofit/>
-          </a:bodyPr>
-          <a:lstStyle/>
-          <a:p>
-            <a:pPr indent="-342900" lvl="0" marL="457200" rtl="0" algn="l">
-              <a:spcBef>
-                <a:spcPts val="0"/>
-              </a:spcBef>
-              <a:spcAft>
-                <a:spcPts val="0"/>
-              </a:spcAft>
-              <a:buSzPts val="1800"/>
-              <a:buFont typeface="Arial"/>
-              <a:buChar char="❏"/>
-            </a:pPr>
-            <a:r>
-              <a:rPr lang="en">
-                <a:latin typeface="Arial"/>
-                <a:ea typeface="Arial"/>
-                <a:cs typeface="Arial"/>
-                <a:sym typeface="Arial"/>
-              </a:rPr>
-              <a:t>   </a:t>
-            </a:r>
-            <a:r>
-              <a:rPr lang="en">
-                <a:latin typeface="Arial"/>
-                <a:ea typeface="Arial"/>
-                <a:cs typeface="Arial"/>
-                <a:sym typeface="Arial"/>
-              </a:rPr>
-              <a:t>Local data storage on each node</a:t>
-            </a:r>
-            <a:endParaRPr>
-              <a:latin typeface="Arial"/>
-              <a:ea typeface="Arial"/>
-              <a:cs typeface="Arial"/>
-              <a:sym typeface="Arial"/>
-            </a:endParaRPr>
-          </a:p>
-          <a:p>
-            <a:pPr indent="-342900" lvl="0" marL="457200" rtl="0" algn="l">
-              <a:spcBef>
-                <a:spcPts val="0"/>
-              </a:spcBef>
-              <a:spcAft>
-                <a:spcPts val="0"/>
-              </a:spcAft>
-              <a:buSzPts val="1800"/>
-              <a:buFont typeface="Arial"/>
-              <a:buChar char="❏"/>
-            </a:pPr>
-            <a:r>
-              <a:rPr lang="en">
-                <a:latin typeface="Arial"/>
-                <a:ea typeface="Arial"/>
-                <a:cs typeface="Arial"/>
-                <a:sym typeface="Arial"/>
-              </a:rPr>
-              <a:t>   Independent recommendation generation</a:t>
-            </a:r>
-            <a:endParaRPr>
-              <a:latin typeface="Arial"/>
-              <a:ea typeface="Arial"/>
-              <a:cs typeface="Arial"/>
-              <a:sym typeface="Arial"/>
-            </a:endParaRPr>
-          </a:p>
-          <a:p>
-            <a:pPr indent="-342900" lvl="0" marL="457200" rtl="0" algn="l">
-              <a:spcBef>
-                <a:spcPts val="0"/>
-              </a:spcBef>
-              <a:spcAft>
-                <a:spcPts val="0"/>
-              </a:spcAft>
-              <a:buSzPts val="1800"/>
-              <a:buFont typeface="Arial"/>
-              <a:buChar char="❏"/>
-            </a:pPr>
-            <a:r>
-              <a:rPr lang="en">
-                <a:latin typeface="Arial"/>
-                <a:ea typeface="Arial"/>
-                <a:cs typeface="Arial"/>
-                <a:sym typeface="Arial"/>
-              </a:rPr>
-              <a:t>   Periodic updates mechanism</a:t>
-            </a:r>
-            <a:endParaRPr>
-              <a:latin typeface="Arial"/>
-              <a:ea typeface="Arial"/>
-              <a:cs typeface="Arial"/>
-              <a:sym typeface="Arial"/>
-            </a:endParaRPr>
-          </a:p>
-          <a:p>
-            <a:pPr indent="-342900" lvl="0" marL="457200" rtl="0" algn="l">
-              <a:spcBef>
-                <a:spcPts val="0"/>
-              </a:spcBef>
-              <a:spcAft>
-                <a:spcPts val="0"/>
-              </a:spcAft>
-              <a:buSzPts val="1800"/>
-              <a:buFont typeface="Arial"/>
-              <a:buChar char="❏"/>
-            </a:pPr>
-            <a:r>
-              <a:rPr lang="en">
-                <a:latin typeface="Arial"/>
-                <a:ea typeface="Arial"/>
-                <a:cs typeface="Arial"/>
-                <a:sym typeface="Arial"/>
-              </a:rPr>
-              <a:t>   Node discovery using UDP broadcasts</a:t>
-            </a:r>
-            <a:endParaRPr>
-              <a:latin typeface="Arial"/>
-              <a:ea typeface="Arial"/>
-              <a:cs typeface="Arial"/>
-              <a:sym typeface="Arial"/>
-            </a:endParaRPr>
-          </a:p>
-          <a:p>
-            <a:pPr indent="-342900" lvl="0" marL="457200" rtl="0" algn="l">
-              <a:spcBef>
-                <a:spcPts val="0"/>
-              </a:spcBef>
-              <a:spcAft>
-                <a:spcPts val="0"/>
-              </a:spcAft>
-              <a:buSzPts val="1800"/>
-              <a:buFont typeface="Arial"/>
-              <a:buChar char="❏"/>
-            </a:pPr>
-            <a:r>
-              <a:rPr lang="en">
-                <a:latin typeface="Arial"/>
-                <a:ea typeface="Arial"/>
-                <a:cs typeface="Arial"/>
-                <a:sym typeface="Arial"/>
-              </a:rPr>
-              <a:t>   Challenges addressed in decentralization</a:t>
-            </a:r>
-            <a:endParaRPr>
-              <a:latin typeface="Arial"/>
-              <a:ea typeface="Arial"/>
-              <a:cs typeface="Arial"/>
-              <a:sym typeface="Arial"/>
-            </a:endParaRPr>
-          </a:p>
-        </p:txBody>
-      </p:sp>
-      <p:sp>
-        <p:nvSpPr>
-          <p:cNvPr id="134" name="Google Shape;134;p22"/>
+          <p:cNvPr id="132" name="Google Shape;132;p22"/>
           <p:cNvSpPr txBox="1"/>
           <p:nvPr/>
         </p:nvSpPr>
@@ -16863,18 +17210,334 @@
           </a:p>
         </p:txBody>
       </p:sp>
+      <p:pic>
+        <p:nvPicPr>
+          <p:cNvPr id="133" name="Google Shape;133;p22"/>
+          <p:cNvPicPr preferRelativeResize="0"/>
+          <p:nvPr/>
+        </p:nvPicPr>
+        <p:blipFill>
+          <a:blip r:embed="rId3">
+            <a:alphaModFix/>
+          </a:blip>
+          <a:stretch>
+            <a:fillRect/>
+          </a:stretch>
+        </p:blipFill>
+        <p:spPr>
+          <a:xfrm>
+            <a:off x="1168525" y="1503175"/>
+            <a:ext cx="6806949" cy="3272201"/>
+          </a:xfrm>
+          <a:prstGeom prst="rect">
+            <a:avLst/>
+          </a:prstGeom>
+          <a:noFill/>
+          <a:ln>
+            <a:noFill/>
+          </a:ln>
+        </p:spPr>
+      </p:pic>
     </p:spTree>
   </p:cSld>
   <p:clrMapOvr>
     <a:masterClrMapping/>
   </p:clrMapOvr>
-  <p:transition spd="med">
-    <p:push dir="r"/>
-  </p:transition>
+  <mc:AlternateContent>
+    <mc:Choice Requires="p14">
+      <p:transition spd="med">
+        <p14:prism dir="l"/>
+      </p:transition>
+    </mc:Choice>
+    <mc:Fallback>
+      <p:transition spd="med">
+        <p:fade/>
+      </p:transition>
+    </mc:Fallback>
+  </mc:AlternateContent>
 </p:sld>
 </file>
 
 <file path=ppt/theme/theme1.xml><?xml version="1.0" encoding="utf-8"?>
+<a:theme xmlns:a="http://schemas.openxmlformats.org/drawingml/2006/main" xmlns:r="http://schemas.openxmlformats.org/officeDocument/2006/relationships" name="Marina">
+  <a:themeElements>
+    <a:clrScheme name="Marina">
+      <a:dk1>
+        <a:srgbClr val="FFFFFF"/>
+      </a:dk1>
+      <a:lt1>
+        <a:srgbClr val="00517C"/>
+      </a:lt1>
+      <a:dk2>
+        <a:srgbClr val="004065"/>
+      </a:dk2>
+      <a:lt2>
+        <a:srgbClr val="CFD8DC"/>
+      </a:lt2>
+      <a:accent1>
+        <a:srgbClr val="0277BD"/>
+      </a:accent1>
+      <a:accent2>
+        <a:srgbClr val="558B2F"/>
+      </a:accent2>
+      <a:accent3>
+        <a:srgbClr val="009688"/>
+      </a:accent3>
+      <a:accent4>
+        <a:srgbClr val="039BE5"/>
+      </a:accent4>
+      <a:accent5>
+        <a:srgbClr val="8BC34A"/>
+      </a:accent5>
+      <a:accent6>
+        <a:srgbClr val="FFEB38"/>
+      </a:accent6>
+      <a:hlink>
+        <a:srgbClr val="8BC34A"/>
+      </a:hlink>
+      <a:folHlink>
+        <a:srgbClr val="8BC34A"/>
+      </a:folHlink>
+    </a:clrScheme>
+    <a:fontScheme name="Office">
+      <a:majorFont>
+        <a:latin typeface="Arial"/>
+        <a:ea typeface=""/>
+        <a:cs typeface=""/>
+        <a:font script="Jpan" typeface="ＭＳ Ｐゴシック"/>
+        <a:font script="Hang" typeface="맑은 고딕"/>
+        <a:font script="Hans" typeface="宋体"/>
+        <a:font script="Hant" typeface="新細明體"/>
+        <a:font script="Arab" typeface="Times New Roman"/>
+        <a:font script="Hebr" typeface="Times New Roman"/>
+        <a:font script="Thai" typeface="Angsana New"/>
+        <a:font script="Ethi" typeface="Nyala"/>
+        <a:font script="Beng" typeface="Vrinda"/>
+        <a:font script="Gujr" typeface="Shruti"/>
+        <a:font script="Khmr" typeface="MoolBoran"/>
+        <a:font script="Knda" typeface="Tunga"/>
+        <a:font script="Guru" typeface="Raavi"/>
+        <a:font script="Cans" typeface="Euphemia"/>
+        <a:font script="Cher" typeface="Plantagenet Cherokee"/>
+        <a:font script="Yiii" typeface="Microsoft Yi Baiti"/>
+        <a:font script="Tibt" typeface="Microsoft Himalaya"/>
+        <a:font script="Thaa" typeface="MV Boli"/>
+        <a:font script="Deva" typeface="Mangal"/>
+        <a:font script="Telu" typeface="Gautami"/>
+        <a:font script="Taml" typeface="Latha"/>
+        <a:font script="Syrc" typeface="Estrangelo Edessa"/>
+        <a:font script="Orya" typeface="Kalinga"/>
+        <a:font script="Mlym" typeface="Kartika"/>
+        <a:font script="Laoo" typeface="DokChampa"/>
+        <a:font script="Sinh" typeface="Iskoola Pota"/>
+        <a:font script="Mong" typeface="Mongolian Baiti"/>
+        <a:font script="Viet" typeface="Times New Roman"/>
+        <a:font script="Uigh" typeface="Microsoft Uighur"/>
+        <a:font script="Geor" typeface="Sylfaen"/>
+      </a:majorFont>
+      <a:minorFont>
+        <a:latin typeface="Arial"/>
+        <a:ea typeface=""/>
+        <a:cs typeface=""/>
+        <a:font script="Jpan" typeface="ＭＳ Ｐゴシック"/>
+        <a:font script="Hang" typeface="맑은 고딕"/>
+        <a:font script="Hans" typeface="宋体"/>
+        <a:font script="Hant" typeface="新細明體"/>
+        <a:font script="Arab" typeface="Arial"/>
+        <a:font script="Hebr" typeface="Arial"/>
+        <a:font script="Thai" typeface="Cordia New"/>
+        <a:font script="Ethi" typeface="Nyala"/>
+        <a:font script="Beng" typeface="Vrinda"/>
+        <a:font script="Gujr" typeface="Shruti"/>
+        <a:font script="Khmr" typeface="DaunPenh"/>
+        <a:font script="Knda" typeface="Tunga"/>
+        <a:font script="Guru" typeface="Raavi"/>
+        <a:font script="Cans" typeface="Euphemia"/>
+        <a:font script="Cher" typeface="Plantagenet Cherokee"/>
+        <a:font script="Yiii" typeface="Microsoft Yi Baiti"/>
+        <a:font script="Tibt" typeface="Microsoft Himalaya"/>
+        <a:font script="Thaa" typeface="MV Boli"/>
+        <a:font script="Deva" typeface="Mangal"/>
+        <a:font script="Telu" typeface="Gautami"/>
+        <a:font script="Taml" typeface="Latha"/>
+        <a:font script="Syrc" typeface="Estrangelo Edessa"/>
+        <a:font script="Orya" typeface="Kalinga"/>
+        <a:font script="Mlym" typeface="Kartika"/>
+        <a:font script="Laoo" typeface="DokChampa"/>
+        <a:font script="Sinh" typeface="Iskoola Pota"/>
+        <a:font script="Mong" typeface="Mongolian Baiti"/>
+        <a:font script="Viet" typeface="Arial"/>
+        <a:font script="Uigh" typeface="Microsoft Uighur"/>
+        <a:font script="Geor" typeface="Sylfaen"/>
+      </a:minorFont>
+    </a:fontScheme>
+    <a:fmtScheme name="Office">
+      <a:fillStyleLst>
+        <a:solidFill>
+          <a:schemeClr val="phClr"/>
+        </a:solidFill>
+        <a:gradFill rotWithShape="1">
+          <a:gsLst>
+            <a:gs pos="0">
+              <a:schemeClr val="phClr">
+                <a:tint val="50000"/>
+                <a:satMod val="300000"/>
+              </a:schemeClr>
+            </a:gs>
+            <a:gs pos="35000">
+              <a:schemeClr val="phClr">
+                <a:tint val="37000"/>
+                <a:satMod val="300000"/>
+              </a:schemeClr>
+            </a:gs>
+            <a:gs pos="100000">
+              <a:schemeClr val="phClr">
+                <a:tint val="15000"/>
+                <a:satMod val="350000"/>
+              </a:schemeClr>
+            </a:gs>
+          </a:gsLst>
+          <a:lin ang="16200000" scaled="1"/>
+        </a:gradFill>
+        <a:gradFill rotWithShape="1">
+          <a:gsLst>
+            <a:gs pos="0">
+              <a:schemeClr val="phClr">
+                <a:tint val="100000"/>
+                <a:shade val="100000"/>
+                <a:satMod val="130000"/>
+              </a:schemeClr>
+            </a:gs>
+            <a:gs pos="100000">
+              <a:schemeClr val="phClr">
+                <a:tint val="50000"/>
+                <a:shade val="100000"/>
+                <a:satMod val="350000"/>
+              </a:schemeClr>
+            </a:gs>
+          </a:gsLst>
+          <a:lin ang="16200000" scaled="0"/>
+        </a:gradFill>
+      </a:fillStyleLst>
+      <a:lnStyleLst>
+        <a:ln w="9525" cap="flat" cmpd="sng" algn="ctr">
+          <a:solidFill>
+            <a:schemeClr val="phClr">
+              <a:shade val="95000"/>
+              <a:satMod val="105000"/>
+            </a:schemeClr>
+          </a:solidFill>
+          <a:prstDash val="solid"/>
+        </a:ln>
+        <a:ln w="25400" cap="flat" cmpd="sng" algn="ctr">
+          <a:solidFill>
+            <a:schemeClr val="phClr"/>
+          </a:solidFill>
+          <a:prstDash val="solid"/>
+        </a:ln>
+        <a:ln w="38100" cap="flat" cmpd="sng" algn="ctr">
+          <a:solidFill>
+            <a:schemeClr val="phClr"/>
+          </a:solidFill>
+          <a:prstDash val="solid"/>
+        </a:ln>
+      </a:lnStyleLst>
+      <a:effectStyleLst>
+        <a:effectStyle>
+          <a:effectLst>
+            <a:outerShdw blurRad="40000" dist="20000" dir="5400000" rotWithShape="0">
+              <a:srgbClr val="000000">
+                <a:alpha val="38000"/>
+              </a:srgbClr>
+            </a:outerShdw>
+          </a:effectLst>
+        </a:effectStyle>
+        <a:effectStyle>
+          <a:effectLst>
+            <a:outerShdw blurRad="40000" dist="23000" dir="5400000" rotWithShape="0">
+              <a:srgbClr val="000000">
+                <a:alpha val="35000"/>
+              </a:srgbClr>
+            </a:outerShdw>
+          </a:effectLst>
+        </a:effectStyle>
+        <a:effectStyle>
+          <a:effectLst>
+            <a:outerShdw blurRad="40000" dist="23000" dir="5400000" rotWithShape="0">
+              <a:srgbClr val="000000">
+                <a:alpha val="35000"/>
+              </a:srgbClr>
+            </a:outerShdw>
+          </a:effectLst>
+          <a:scene3d>
+            <a:camera prst="orthographicFront">
+              <a:rot lat="0" lon="0" rev="0"/>
+            </a:camera>
+            <a:lightRig rig="threePt" dir="t">
+              <a:rot lat="0" lon="0" rev="1200000"/>
+            </a:lightRig>
+          </a:scene3d>
+          <a:sp3d>
+            <a:bevelT w="63500" h="25400"/>
+          </a:sp3d>
+        </a:effectStyle>
+      </a:effectStyleLst>
+      <a:bgFillStyleLst>
+        <a:solidFill>
+          <a:schemeClr val="phClr"/>
+        </a:solidFill>
+        <a:gradFill rotWithShape="1">
+          <a:gsLst>
+            <a:gs pos="0">
+              <a:schemeClr val="phClr">
+                <a:tint val="40000"/>
+                <a:satMod val="350000"/>
+              </a:schemeClr>
+            </a:gs>
+            <a:gs pos="40000">
+              <a:schemeClr val="phClr">
+                <a:tint val="45000"/>
+                <a:shade val="99000"/>
+                <a:satMod val="350000"/>
+              </a:schemeClr>
+            </a:gs>
+            <a:gs pos="100000">
+              <a:schemeClr val="phClr">
+                <a:shade val="20000"/>
+                <a:satMod val="255000"/>
+              </a:schemeClr>
+            </a:gs>
+          </a:gsLst>
+          <a:path path="circle">
+            <a:fillToRect l="50000" t="-80000" r="50000" b="180000"/>
+          </a:path>
+        </a:gradFill>
+        <a:gradFill rotWithShape="1">
+          <a:gsLst>
+            <a:gs pos="0">
+              <a:schemeClr val="phClr">
+                <a:tint val="80000"/>
+                <a:satMod val="300000"/>
+              </a:schemeClr>
+            </a:gs>
+            <a:gs pos="100000">
+              <a:schemeClr val="phClr">
+                <a:shade val="30000"/>
+                <a:satMod val="200000"/>
+              </a:schemeClr>
+            </a:gs>
+          </a:gsLst>
+          <a:path path="circle">
+            <a:fillToRect l="50000" t="50000" r="50000" b="50000"/>
+          </a:path>
+        </a:gradFill>
+      </a:bgFillStyleLst>
+    </a:fmtScheme>
+  </a:themeElements>
+</a:theme>
+</file>
+
+<file path=ppt/theme/theme2.xml><?xml version="1.0" encoding="utf-8"?>
 <a:theme xmlns:a="http://schemas.openxmlformats.org/drawingml/2006/main" xmlns:r="http://schemas.openxmlformats.org/officeDocument/2006/relationships">
   <a:themeElements>
     <a:clrScheme name="Default">
@@ -17151,283 +17814,4 @@
     </a:fmtScheme>
   </a:themeElements>
 </a:theme>
-</file>
-
-<file path=ppt/theme/theme2.xml><?xml version="1.0" encoding="utf-8"?>
-<a:theme xmlns:a="http://schemas.openxmlformats.org/drawingml/2006/main" xmlns:r="http://schemas.openxmlformats.org/officeDocument/2006/relationships" name="Marina">
-  <a:themeElements>
-    <a:clrScheme name="Marina">
-      <a:dk1>
-        <a:srgbClr val="FFFFFF"/>
-      </a:dk1>
-      <a:lt1>
-        <a:srgbClr val="00517C"/>
-      </a:lt1>
-      <a:dk2>
-        <a:srgbClr val="004065"/>
-      </a:dk2>
-      <a:lt2>
-        <a:srgbClr val="CFD8DC"/>
-      </a:lt2>
-      <a:accent1>
-        <a:srgbClr val="0277BD"/>
-      </a:accent1>
-      <a:accent2>
-        <a:srgbClr val="558B2F"/>
-      </a:accent2>
-      <a:accent3>
-        <a:srgbClr val="009688"/>
-      </a:accent3>
-      <a:accent4>
-        <a:srgbClr val="039BE5"/>
-      </a:accent4>
-      <a:accent5>
-        <a:srgbClr val="8BC34A"/>
-      </a:accent5>
-      <a:accent6>
-        <a:srgbClr val="FFEB38"/>
-      </a:accent6>
-      <a:hlink>
-        <a:srgbClr val="8BC34A"/>
-      </a:hlink>
-      <a:folHlink>
-        <a:srgbClr val="8BC34A"/>
-      </a:folHlink>
-    </a:clrScheme>
-    <a:fontScheme name="Office">
-      <a:majorFont>
-        <a:latin typeface="Arial"/>
-        <a:ea typeface=""/>
-        <a:cs typeface=""/>
-        <a:font script="Jpan" typeface="ＭＳ Ｐゴシック"/>
-        <a:font script="Hang" typeface="맑은 고딕"/>
-        <a:font script="Hans" typeface="宋体"/>
-        <a:font script="Hant" typeface="新細明體"/>
-        <a:font script="Arab" typeface="Times New Roman"/>
-        <a:font script="Hebr" typeface="Times New Roman"/>
-        <a:font script="Thai" typeface="Angsana New"/>
-        <a:font script="Ethi" typeface="Nyala"/>
-        <a:font script="Beng" typeface="Vrinda"/>
-        <a:font script="Gujr" typeface="Shruti"/>
-        <a:font script="Khmr" typeface="MoolBoran"/>
-        <a:font script="Knda" typeface="Tunga"/>
-        <a:font script="Guru" typeface="Raavi"/>
-        <a:font script="Cans" typeface="Euphemia"/>
-        <a:font script="Cher" typeface="Plantagenet Cherokee"/>
-        <a:font script="Yiii" typeface="Microsoft Yi Baiti"/>
-        <a:font script="Tibt" typeface="Microsoft Himalaya"/>
-        <a:font script="Thaa" typeface="MV Boli"/>
-        <a:font script="Deva" typeface="Mangal"/>
-        <a:font script="Telu" typeface="Gautami"/>
-        <a:font script="Taml" typeface="Latha"/>
-        <a:font script="Syrc" typeface="Estrangelo Edessa"/>
-        <a:font script="Orya" typeface="Kalinga"/>
-        <a:font script="Mlym" typeface="Kartika"/>
-        <a:font script="Laoo" typeface="DokChampa"/>
-        <a:font script="Sinh" typeface="Iskoola Pota"/>
-        <a:font script="Mong" typeface="Mongolian Baiti"/>
-        <a:font script="Viet" typeface="Times New Roman"/>
-        <a:font script="Uigh" typeface="Microsoft Uighur"/>
-        <a:font script="Geor" typeface="Sylfaen"/>
-      </a:majorFont>
-      <a:minorFont>
-        <a:latin typeface="Arial"/>
-        <a:ea typeface=""/>
-        <a:cs typeface=""/>
-        <a:font script="Jpan" typeface="ＭＳ Ｐゴシック"/>
-        <a:font script="Hang" typeface="맑은 고딕"/>
-        <a:font script="Hans" typeface="宋体"/>
-        <a:font script="Hant" typeface="新細明體"/>
-        <a:font script="Arab" typeface="Arial"/>
-        <a:font script="Hebr" typeface="Arial"/>
-        <a:font script="Thai" typeface="Cordia New"/>
-        <a:font script="Ethi" typeface="Nyala"/>
-        <a:font script="Beng" typeface="Vrinda"/>
-        <a:font script="Gujr" typeface="Shruti"/>
-        <a:font script="Khmr" typeface="DaunPenh"/>
-        <a:font script="Knda" typeface="Tunga"/>
-        <a:font script="Guru" typeface="Raavi"/>
-        <a:font script="Cans" typeface="Euphemia"/>
-        <a:font script="Cher" typeface="Plantagenet Cherokee"/>
-        <a:font script="Yiii" typeface="Microsoft Yi Baiti"/>
-        <a:font script="Tibt" typeface="Microsoft Himalaya"/>
-        <a:font script="Thaa" typeface="MV Boli"/>
-        <a:font script="Deva" typeface="Mangal"/>
-        <a:font script="Telu" typeface="Gautami"/>
-        <a:font script="Taml" typeface="Latha"/>
-        <a:font script="Syrc" typeface="Estrangelo Edessa"/>
-        <a:font script="Orya" typeface="Kalinga"/>
-        <a:font script="Mlym" typeface="Kartika"/>
-        <a:font script="Laoo" typeface="DokChampa"/>
-        <a:font script="Sinh" typeface="Iskoola Pota"/>
-        <a:font script="Mong" typeface="Mongolian Baiti"/>
-        <a:font script="Viet" typeface="Arial"/>
-        <a:font script="Uigh" typeface="Microsoft Uighur"/>
-        <a:font script="Geor" typeface="Sylfaen"/>
-      </a:minorFont>
-    </a:fontScheme>
-    <a:fmtScheme name="Office">
-      <a:fillStyleLst>
-        <a:solidFill>
-          <a:schemeClr val="phClr"/>
-        </a:solidFill>
-        <a:gradFill rotWithShape="1">
-          <a:gsLst>
-            <a:gs pos="0">
-              <a:schemeClr val="phClr">
-                <a:tint val="50000"/>
-                <a:satMod val="300000"/>
-              </a:schemeClr>
-            </a:gs>
-            <a:gs pos="35000">
-              <a:schemeClr val="phClr">
-                <a:tint val="37000"/>
-                <a:satMod val="300000"/>
-              </a:schemeClr>
-            </a:gs>
-            <a:gs pos="100000">
-              <a:schemeClr val="phClr">
-                <a:tint val="15000"/>
-                <a:satMod val="350000"/>
-              </a:schemeClr>
-            </a:gs>
-          </a:gsLst>
-          <a:lin ang="16200000" scaled="1"/>
-        </a:gradFill>
-        <a:gradFill rotWithShape="1">
-          <a:gsLst>
-            <a:gs pos="0">
-              <a:schemeClr val="phClr">
-                <a:tint val="100000"/>
-                <a:shade val="100000"/>
-                <a:satMod val="130000"/>
-              </a:schemeClr>
-            </a:gs>
-            <a:gs pos="100000">
-              <a:schemeClr val="phClr">
-                <a:tint val="50000"/>
-                <a:shade val="100000"/>
-                <a:satMod val="350000"/>
-              </a:schemeClr>
-            </a:gs>
-          </a:gsLst>
-          <a:lin ang="16200000" scaled="0"/>
-        </a:gradFill>
-      </a:fillStyleLst>
-      <a:lnStyleLst>
-        <a:ln w="9525" cap="flat" cmpd="sng" algn="ctr">
-          <a:solidFill>
-            <a:schemeClr val="phClr">
-              <a:shade val="95000"/>
-              <a:satMod val="105000"/>
-            </a:schemeClr>
-          </a:solidFill>
-          <a:prstDash val="solid"/>
-        </a:ln>
-        <a:ln w="25400" cap="flat" cmpd="sng" algn="ctr">
-          <a:solidFill>
-            <a:schemeClr val="phClr"/>
-          </a:solidFill>
-          <a:prstDash val="solid"/>
-        </a:ln>
-        <a:ln w="38100" cap="flat" cmpd="sng" algn="ctr">
-          <a:solidFill>
-            <a:schemeClr val="phClr"/>
-          </a:solidFill>
-          <a:prstDash val="solid"/>
-        </a:ln>
-      </a:lnStyleLst>
-      <a:effectStyleLst>
-        <a:effectStyle>
-          <a:effectLst>
-            <a:outerShdw blurRad="40000" dist="20000" dir="5400000" rotWithShape="0">
-              <a:srgbClr val="000000">
-                <a:alpha val="38000"/>
-              </a:srgbClr>
-            </a:outerShdw>
-          </a:effectLst>
-        </a:effectStyle>
-        <a:effectStyle>
-          <a:effectLst>
-            <a:outerShdw blurRad="40000" dist="23000" dir="5400000" rotWithShape="0">
-              <a:srgbClr val="000000">
-                <a:alpha val="35000"/>
-              </a:srgbClr>
-            </a:outerShdw>
-          </a:effectLst>
-        </a:effectStyle>
-        <a:effectStyle>
-          <a:effectLst>
-            <a:outerShdw blurRad="40000" dist="23000" dir="5400000" rotWithShape="0">
-              <a:srgbClr val="000000">
-                <a:alpha val="35000"/>
-              </a:srgbClr>
-            </a:outerShdw>
-          </a:effectLst>
-          <a:scene3d>
-            <a:camera prst="orthographicFront">
-              <a:rot lat="0" lon="0" rev="0"/>
-            </a:camera>
-            <a:lightRig rig="threePt" dir="t">
-              <a:rot lat="0" lon="0" rev="1200000"/>
-            </a:lightRig>
-          </a:scene3d>
-          <a:sp3d>
-            <a:bevelT w="63500" h="25400"/>
-          </a:sp3d>
-        </a:effectStyle>
-      </a:effectStyleLst>
-      <a:bgFillStyleLst>
-        <a:solidFill>
-          <a:schemeClr val="phClr"/>
-        </a:solidFill>
-        <a:gradFill rotWithShape="1">
-          <a:gsLst>
-            <a:gs pos="0">
-              <a:schemeClr val="phClr">
-                <a:tint val="40000"/>
-                <a:satMod val="350000"/>
-              </a:schemeClr>
-            </a:gs>
-            <a:gs pos="40000">
-              <a:schemeClr val="phClr">
-                <a:tint val="45000"/>
-                <a:shade val="99000"/>
-                <a:satMod val="350000"/>
-              </a:schemeClr>
-            </a:gs>
-            <a:gs pos="100000">
-              <a:schemeClr val="phClr">
-                <a:shade val="20000"/>
-                <a:satMod val="255000"/>
-              </a:schemeClr>
-            </a:gs>
-          </a:gsLst>
-          <a:path path="circle">
-            <a:fillToRect l="50000" t="-80000" r="50000" b="180000"/>
-          </a:path>
-        </a:gradFill>
-        <a:gradFill rotWithShape="1">
-          <a:gsLst>
-            <a:gs pos="0">
-              <a:schemeClr val="phClr">
-                <a:tint val="80000"/>
-                <a:satMod val="300000"/>
-              </a:schemeClr>
-            </a:gs>
-            <a:gs pos="100000">
-              <a:schemeClr val="phClr">
-                <a:shade val="30000"/>
-                <a:satMod val="200000"/>
-              </a:schemeClr>
-            </a:gs>
-          </a:gsLst>
-          <a:path path="circle">
-            <a:fillToRect l="50000" t="50000" r="50000" b="50000"/>
-          </a:path>
-        </a:gradFill>
-      </a:bgFillStyleLst>
-    </a:fmtScheme>
-  </a:themeElements>
-</a:theme>
 </file>